--- a/CDI.pptx
+++ b/CDI.pptx
@@ -1,12 +1,15 @@
 
 <file path=ppt/presentation.xml><?xml version="1.0" encoding="utf-8"?>
-<p:presentation xmlns:a="http://schemas.openxmlformats.org/drawingml/2006/main" xmlns:r="http://schemas.openxmlformats.org/officeDocument/2006/relationships" xmlns:p="http://schemas.openxmlformats.org/presentationml/2006/main" showSpecialPlsOnTitleSld="0" saveSubsetFonts="1" autoCompressPictures="0">
+<p:presentation xmlns:a="http://schemas.openxmlformats.org/drawingml/2006/main" xmlns:r="http://schemas.openxmlformats.org/officeDocument/2006/relationships" xmlns:p="http://schemas.openxmlformats.org/presentationml/2006/main" saveSubsetFonts="1" autoCompressPictures="0">
   <p:sldMasterIdLst>
     <p:sldMasterId id="2147483672" r:id="rId4"/>
   </p:sldMasterIdLst>
   <p:notesMasterIdLst>
-    <p:notesMasterId r:id="rId63"/>
+    <p:notesMasterId r:id="rId30"/>
   </p:notesMasterIdLst>
+  <p:handoutMasterIdLst>
+    <p:handoutMasterId r:id="rId31"/>
+  </p:handoutMasterIdLst>
   <p:sldIdLst>
     <p:sldId id="282" r:id="rId5"/>
     <p:sldId id="297" r:id="rId6"/>
@@ -33,39 +36,6 @@
     <p:sldId id="298" r:id="rId27"/>
     <p:sldId id="301" r:id="rId28"/>
     <p:sldId id="302" r:id="rId29"/>
-    <p:sldId id="273" r:id="rId30"/>
-    <p:sldId id="293" r:id="rId31"/>
-    <p:sldId id="295" r:id="rId32"/>
-    <p:sldId id="296" r:id="rId33"/>
-    <p:sldId id="291" r:id="rId34"/>
-    <p:sldId id="272" r:id="rId35"/>
-    <p:sldId id="292" r:id="rId36"/>
-    <p:sldId id="287" r:id="rId37"/>
-    <p:sldId id="288" r:id="rId38"/>
-    <p:sldId id="289" r:id="rId39"/>
-    <p:sldId id="259" r:id="rId40"/>
-    <p:sldId id="261" r:id="rId41"/>
-    <p:sldId id="260" r:id="rId42"/>
-    <p:sldId id="262" r:id="rId43"/>
-    <p:sldId id="263" r:id="rId44"/>
-    <p:sldId id="286" r:id="rId45"/>
-    <p:sldId id="264" r:id="rId46"/>
-    <p:sldId id="281" r:id="rId47"/>
-    <p:sldId id="274" r:id="rId48"/>
-    <p:sldId id="265" r:id="rId49"/>
-    <p:sldId id="285" r:id="rId50"/>
-    <p:sldId id="266" r:id="rId51"/>
-    <p:sldId id="275" r:id="rId52"/>
-    <p:sldId id="276" r:id="rId53"/>
-    <p:sldId id="267" r:id="rId54"/>
-    <p:sldId id="284" r:id="rId55"/>
-    <p:sldId id="268" r:id="rId56"/>
-    <p:sldId id="277" r:id="rId57"/>
-    <p:sldId id="278" r:id="rId58"/>
-    <p:sldId id="283" r:id="rId59"/>
-    <p:sldId id="270" r:id="rId60"/>
-    <p:sldId id="279" r:id="rId61"/>
-    <p:sldId id="280" r:id="rId62"/>
   </p:sldIdLst>
   <p:sldSz cx="9144000" cy="5143500" type="screen16x9"/>
   <p:notesSz cx="6858000" cy="9144000"/>
@@ -172,6 +142,200 @@
 </p:presentation>
 </file>
 
+<file path=ppt/handoutMasters/handoutMaster1.xml><?xml version="1.0" encoding="utf-8"?>
+<p:handoutMaster xmlns:a="http://schemas.openxmlformats.org/drawingml/2006/main" xmlns:r="http://schemas.openxmlformats.org/officeDocument/2006/relationships" xmlns:p="http://schemas.openxmlformats.org/presentationml/2006/main">
+  <p:cSld>
+    <p:bg>
+      <p:bgRef idx="1001">
+        <a:schemeClr val="bg1"/>
+      </p:bgRef>
+    </p:bg>
+    <p:spTree>
+      <p:nvGrpSpPr>
+        <p:cNvPr id="1" name=""/>
+        <p:cNvGrpSpPr/>
+        <p:nvPr/>
+      </p:nvGrpSpPr>
+      <p:grpSpPr>
+        <a:xfrm>
+          <a:off x="0" y="0"/>
+          <a:ext cx="0" cy="0"/>
+          <a:chOff x="0" y="0"/>
+          <a:chExt cx="0" cy="0"/>
+        </a:xfrm>
+      </p:grpSpPr>
+      <p:sp>
+        <p:nvSpPr>
+          <p:cNvPr id="2" name="Header Placeholder 1">
+            <a:extLst>
+              <a:ext uri="{FF2B5EF4-FFF2-40B4-BE49-F238E27FC236}">
+                <a16:creationId xmlns:a16="http://schemas.microsoft.com/office/drawing/2014/main" id="{CE5E9943-027F-477F-8628-1C055E9961E7}"/>
+              </a:ext>
+            </a:extLst>
+          </p:cNvPr>
+          <p:cNvSpPr>
+            <a:spLocks noGrp="1"/>
+          </p:cNvSpPr>
+          <p:nvPr>
+            <p:ph type="hdr" sz="quarter"/>
+          </p:nvPr>
+        </p:nvSpPr>
+        <p:spPr>
+          <a:xfrm>
+            <a:off x="0" y="0"/>
+            <a:ext cx="2971800" cy="458788"/>
+          </a:xfrm>
+          <a:prstGeom prst="rect">
+            <a:avLst/>
+          </a:prstGeom>
+        </p:spPr>
+        <p:txBody>
+          <a:bodyPr vert="horz" lIns="91440" tIns="45720" rIns="91440" bIns="45720" rtlCol="0"/>
+          <a:lstStyle>
+            <a:lvl1pPr algn="l">
+              <a:defRPr sz="1200"/>
+            </a:lvl1pPr>
+          </a:lstStyle>
+          <a:p>
+            <a:endParaRPr lang="en-NL"/>
+          </a:p>
+        </p:txBody>
+      </p:sp>
+      <p:sp>
+        <p:nvSpPr>
+          <p:cNvPr id="3" name="Date Placeholder 2">
+            <a:extLst>
+              <a:ext uri="{FF2B5EF4-FFF2-40B4-BE49-F238E27FC236}">
+                <a16:creationId xmlns:a16="http://schemas.microsoft.com/office/drawing/2014/main" id="{C3B9B814-A030-4E99-A1E6-484BBBA0102D}"/>
+              </a:ext>
+            </a:extLst>
+          </p:cNvPr>
+          <p:cNvSpPr>
+            <a:spLocks noGrp="1"/>
+          </p:cNvSpPr>
+          <p:nvPr>
+            <p:ph type="dt" sz="quarter" idx="1"/>
+          </p:nvPr>
+        </p:nvSpPr>
+        <p:spPr>
+          <a:xfrm>
+            <a:off x="3884613" y="0"/>
+            <a:ext cx="2971800" cy="458788"/>
+          </a:xfrm>
+          <a:prstGeom prst="rect">
+            <a:avLst/>
+          </a:prstGeom>
+        </p:spPr>
+        <p:txBody>
+          <a:bodyPr vert="horz" lIns="91440" tIns="45720" rIns="91440" bIns="45720" rtlCol="0"/>
+          <a:lstStyle>
+            <a:lvl1pPr algn="r">
+              <a:defRPr sz="1200"/>
+            </a:lvl1pPr>
+          </a:lstStyle>
+          <a:p>
+            <a:fld id="{CC3E98DD-6812-454C-AE65-FC853C04DD9F}" type="datetimeFigureOut">
+              <a:rPr lang="en-NL" smtClean="0"/>
+              <a:t>28/09/2018</a:t>
+            </a:fld>
+            <a:endParaRPr lang="en-NL"/>
+          </a:p>
+        </p:txBody>
+      </p:sp>
+      <p:sp>
+        <p:nvSpPr>
+          <p:cNvPr id="4" name="Footer Placeholder 3">
+            <a:extLst>
+              <a:ext uri="{FF2B5EF4-FFF2-40B4-BE49-F238E27FC236}">
+                <a16:creationId xmlns:a16="http://schemas.microsoft.com/office/drawing/2014/main" id="{BA51CB0D-9077-4281-8ED1-3DC5B3039140}"/>
+              </a:ext>
+            </a:extLst>
+          </p:cNvPr>
+          <p:cNvSpPr>
+            <a:spLocks noGrp="1"/>
+          </p:cNvSpPr>
+          <p:nvPr>
+            <p:ph type="ftr" sz="quarter" idx="2"/>
+          </p:nvPr>
+        </p:nvSpPr>
+        <p:spPr>
+          <a:xfrm>
+            <a:off x="0" y="8685213"/>
+            <a:ext cx="2971800" cy="458787"/>
+          </a:xfrm>
+          <a:prstGeom prst="rect">
+            <a:avLst/>
+          </a:prstGeom>
+        </p:spPr>
+        <p:txBody>
+          <a:bodyPr vert="horz" lIns="91440" tIns="45720" rIns="91440" bIns="45720" rtlCol="0" anchor="b"/>
+          <a:lstStyle>
+            <a:lvl1pPr algn="l">
+              <a:defRPr sz="1200"/>
+            </a:lvl1pPr>
+          </a:lstStyle>
+          <a:p>
+            <a:r>
+              <a:rPr lang="nl-NL"/>
+              <a:t>Context and dependency injection</a:t>
+            </a:r>
+            <a:endParaRPr lang="en-NL"/>
+          </a:p>
+        </p:txBody>
+      </p:sp>
+      <p:sp>
+        <p:nvSpPr>
+          <p:cNvPr id="5" name="Slide Number Placeholder 4">
+            <a:extLst>
+              <a:ext uri="{FF2B5EF4-FFF2-40B4-BE49-F238E27FC236}">
+                <a16:creationId xmlns:a16="http://schemas.microsoft.com/office/drawing/2014/main" id="{EE768FA1-1EC6-4227-9CA4-DF466CAA1845}"/>
+              </a:ext>
+            </a:extLst>
+          </p:cNvPr>
+          <p:cNvSpPr>
+            <a:spLocks noGrp="1"/>
+          </p:cNvSpPr>
+          <p:nvPr>
+            <p:ph type="sldNum" sz="quarter" idx="3"/>
+          </p:nvPr>
+        </p:nvSpPr>
+        <p:spPr>
+          <a:xfrm>
+            <a:off x="3884613" y="8685213"/>
+            <a:ext cx="2971800" cy="458787"/>
+          </a:xfrm>
+          <a:prstGeom prst="rect">
+            <a:avLst/>
+          </a:prstGeom>
+        </p:spPr>
+        <p:txBody>
+          <a:bodyPr vert="horz" lIns="91440" tIns="45720" rIns="91440" bIns="45720" rtlCol="0" anchor="b"/>
+          <a:lstStyle>
+            <a:lvl1pPr algn="r">
+              <a:defRPr sz="1200"/>
+            </a:lvl1pPr>
+          </a:lstStyle>
+          <a:p>
+            <a:fld id="{DFD7B2AB-270B-4F1F-B3CA-0508686C8443}" type="slidenum">
+              <a:rPr lang="en-NL" smtClean="0"/>
+              <a:t>‹#›</a:t>
+            </a:fld>
+            <a:endParaRPr lang="en-NL"/>
+          </a:p>
+        </p:txBody>
+      </p:sp>
+    </p:spTree>
+    <p:extLst>
+      <p:ext uri="{BB962C8B-B14F-4D97-AF65-F5344CB8AC3E}">
+        <p14:creationId xmlns:p14="http://schemas.microsoft.com/office/powerpoint/2010/main" val="2578786293"/>
+      </p:ext>
+    </p:extLst>
+  </p:cSld>
+  <p:clrMap bg1="lt1" tx1="dk1" bg2="lt2" tx2="dk2" accent1="accent1" accent2="accent2" accent3="accent3" accent4="accent4" accent5="accent5" accent6="accent6" hlink="hlink" folHlink="folHlink"/>
+  <p:hf hdr="0" dt="0"/>
+</p:handoutMaster>
+</file>
+
 <file path=ppt/notesMasters/notesMaster1.xml><?xml version="1.0" encoding="utf-8"?>
 <p:notesMaster xmlns:a="http://schemas.openxmlformats.org/drawingml/2006/main" xmlns:r="http://schemas.openxmlformats.org/officeDocument/2006/relationships" xmlns:p="http://schemas.openxmlformats.org/presentationml/2006/main">
   <p:cSld>
@@ -254,7 +418,7 @@
           <a:p>
             <a:fld id="{DDF2FCE7-7AFA-9242-BECB-A61CE0BE95A1}" type="datetimeFigureOut">
               <a:rPr lang="nl-NL" smtClean="0"/>
-              <a:t>16-9-2018</a:t>
+              <a:t>28-9-2018</a:t>
             </a:fld>
             <a:endParaRPr lang="nl-NL"/>
           </a:p>
@@ -380,7 +544,10 @@
             </a:lvl1pPr>
           </a:lstStyle>
           <a:p>
-            <a:endParaRPr lang="nl-NL"/>
+            <a:r>
+              <a:rPr lang="nl-NL"/>
+              <a:t>Context and dependency injection</a:t>
+            </a:r>
           </a:p>
         </p:txBody>
       </p:sp>
@@ -427,6 +594,7 @@
     </p:extLst>
   </p:cSld>
   <p:clrMap bg1="lt1" tx1="dk1" bg2="lt2" tx2="dk2" accent1="accent1" accent2="accent2" accent3="accent3" accent4="accent4" accent5="accent5" accent6="accent6" hlink="hlink" folHlink="folHlink"/>
+  <p:hf hdr="0" dt="0"/>
   <p:notesStyle>
     <a:lvl1pPr marL="0" algn="l" defTabSz="914400" rtl="0" eaLnBrk="1" latinLnBrk="0" hangingPunct="1">
       <a:defRPr sz="1200" kern="1200">
@@ -879,10 +1047,6 @@
           <a:bodyPr/>
           <a:lstStyle/>
           <a:p>
-            <a:fld id="{A9710CDB-38B1-8E43-A846-6FE3B07A872E}" type="datetime1">
-              <a:rPr lang="en-US" noProof="0" smtClean="0"/>
-              <a:t>9/16/2018</a:t>
-            </a:fld>
             <a:endParaRPr lang="nl-NL" noProof="0" dirty="0"/>
           </a:p>
         </p:txBody>
@@ -904,7 +1068,7 @@
           <a:p>
             <a:r>
               <a:rPr lang="nl-NL" noProof="0"/>
-              <a:t>Titel van de presentatie</a:t>
+              <a:t>Context and dependency injection</a:t>
             </a:r>
             <a:endParaRPr lang="nl-NL" noProof="0" dirty="0"/>
           </a:p>
@@ -1273,10 +1437,6 @@
           <a:bodyPr/>
           <a:lstStyle/>
           <a:p>
-            <a:fld id="{12D8B67E-1464-254D-876A-5A059C6CA686}" type="datetime1">
-              <a:rPr lang="en-US" smtClean="0"/>
-              <a:t>9/16/2018</a:t>
-            </a:fld>
             <a:endParaRPr lang="nl-NL"/>
           </a:p>
         </p:txBody>
@@ -1298,7 +1458,7 @@
           <a:p>
             <a:r>
               <a:rPr lang="nl-NL"/>
-              <a:t>Titel van de presentatie</a:t>
+              <a:t>Context and dependency injection</a:t>
             </a:r>
           </a:p>
         </p:txBody>
@@ -1691,10 +1851,6 @@
           <a:bodyPr/>
           <a:lstStyle/>
           <a:p>
-            <a:fld id="{1297756A-AF1A-B249-A7CF-A1AE4E86FA38}" type="datetime1">
-              <a:rPr lang="en-US" smtClean="0"/>
-              <a:t>9/16/2018</a:t>
-            </a:fld>
             <a:endParaRPr lang="nl-NL"/>
           </a:p>
         </p:txBody>
@@ -1716,7 +1872,7 @@
           <a:p>
             <a:r>
               <a:rPr lang="nl-NL"/>
-              <a:t>Titel van de presentatie</a:t>
+              <a:t>Context and dependency injection</a:t>
             </a:r>
           </a:p>
         </p:txBody>
@@ -2051,10 +2207,6 @@
           <a:bodyPr/>
           <a:lstStyle/>
           <a:p>
-            <a:fld id="{37C8E900-D3BD-ED44-9070-3471A5611DC2}" type="datetime1">
-              <a:rPr lang="en-US" smtClean="0"/>
-              <a:t>9/16/2018</a:t>
-            </a:fld>
             <a:endParaRPr lang="nl-NL"/>
           </a:p>
         </p:txBody>
@@ -2076,7 +2228,7 @@
           <a:p>
             <a:r>
               <a:rPr lang="nl-NL"/>
-              <a:t>Titel van de presentatie</a:t>
+              <a:t>Context and dependency injection</a:t>
             </a:r>
           </a:p>
         </p:txBody>
@@ -2228,10 +2380,6 @@
           <a:bodyPr/>
           <a:lstStyle/>
           <a:p>
-            <a:fld id="{203D5A3F-EB4E-3340-8D19-07B028CB11AD}" type="datetime1">
-              <a:rPr lang="en-US" smtClean="0"/>
-              <a:t>9/16/2018</a:t>
-            </a:fld>
             <a:endParaRPr lang="nl-NL"/>
           </a:p>
         </p:txBody>
@@ -2253,7 +2401,7 @@
           <a:p>
             <a:r>
               <a:rPr lang="nl-NL"/>
-              <a:t>Titel van de presentatie</a:t>
+              <a:t>Context and dependency injection</a:t>
             </a:r>
           </a:p>
         </p:txBody>
@@ -3154,10 +3302,6 @@
           <a:bodyPr/>
           <a:lstStyle/>
           <a:p>
-            <a:fld id="{405216DA-0E4B-CC41-ACBF-76C3BC02E189}" type="datetime1">
-              <a:rPr lang="en-US" smtClean="0"/>
-              <a:t>9/16/2018</a:t>
-            </a:fld>
             <a:endParaRPr lang="nl-NL"/>
           </a:p>
         </p:txBody>
@@ -3179,7 +3323,7 @@
           <a:p>
             <a:r>
               <a:rPr lang="nl-NL"/>
-              <a:t>Titel van de presentatie</a:t>
+              <a:t>Context and dependency injection</a:t>
             </a:r>
           </a:p>
         </p:txBody>
@@ -3401,10 +3545,6 @@
           <a:bodyPr/>
           <a:lstStyle/>
           <a:p>
-            <a:fld id="{779D8D44-D820-BB49-9309-B66E37C4EE70}" type="datetime1">
-              <a:rPr lang="en-US" smtClean="0"/>
-              <a:t>9/16/2018</a:t>
-            </a:fld>
             <a:endParaRPr lang="nl-NL"/>
           </a:p>
         </p:txBody>
@@ -3426,7 +3566,7 @@
           <a:p>
             <a:r>
               <a:rPr lang="nl-NL"/>
-              <a:t>Titel van de presentatie</a:t>
+              <a:t>Context and dependency injection</a:t>
             </a:r>
           </a:p>
         </p:txBody>
@@ -3650,10 +3790,6 @@
           <a:bodyPr/>
           <a:lstStyle/>
           <a:p>
-            <a:fld id="{A4AB6030-B80C-7C4C-B97F-1ADFAB53E146}" type="datetime1">
-              <a:rPr lang="en-US" smtClean="0"/>
-              <a:t>9/16/2018</a:t>
-            </a:fld>
             <a:endParaRPr lang="nl-NL"/>
           </a:p>
         </p:txBody>
@@ -3675,7 +3811,7 @@
           <a:p>
             <a:r>
               <a:rPr lang="nl-NL"/>
-              <a:t>Titel van de presentatie</a:t>
+              <a:t>Context and dependency injection</a:t>
             </a:r>
           </a:p>
         </p:txBody>
@@ -3816,10 +3952,6 @@
           <a:bodyPr/>
           <a:lstStyle/>
           <a:p>
-            <a:fld id="{DA73B474-0AB7-8846-BA6A-67033A8CF4FA}" type="datetime1">
-              <a:rPr lang="en-US" smtClean="0"/>
-              <a:t>9/16/2018</a:t>
-            </a:fld>
             <a:endParaRPr lang="nl-NL"/>
           </a:p>
         </p:txBody>
@@ -3841,7 +3973,7 @@
           <a:p>
             <a:r>
               <a:rPr lang="nl-NL"/>
-              <a:t>Titel van de presentatie</a:t>
+              <a:t>Context and dependency injection</a:t>
             </a:r>
           </a:p>
         </p:txBody>
@@ -4277,10 +4409,6 @@
           <a:bodyPr/>
           <a:lstStyle/>
           <a:p>
-            <a:fld id="{56BA50C8-7311-E14C-816D-7251E320C8DC}" type="datetime1">
-              <a:rPr lang="en-US" smtClean="0"/>
-              <a:t>9/16/2018</a:t>
-            </a:fld>
             <a:endParaRPr lang="nl-NL"/>
           </a:p>
         </p:txBody>
@@ -4302,7 +4430,7 @@
           <a:p>
             <a:r>
               <a:rPr lang="nl-NL"/>
-              <a:t>Titel van de presentatie</a:t>
+              <a:t>Context and dependency injection</a:t>
             </a:r>
           </a:p>
         </p:txBody>
@@ -4888,10 +5016,6 @@
           <a:bodyPr/>
           <a:lstStyle/>
           <a:p>
-            <a:fld id="{A9710CDB-38B1-8E43-A846-6FE3B07A872E}" type="datetime1">
-              <a:rPr lang="en-US" noProof="0" smtClean="0"/>
-              <a:t>9/16/2018</a:t>
-            </a:fld>
             <a:endParaRPr lang="nl-NL" noProof="0" dirty="0"/>
           </a:p>
         </p:txBody>
@@ -4913,7 +5037,7 @@
           <a:p>
             <a:r>
               <a:rPr lang="nl-NL" noProof="0"/>
-              <a:t>Titel van de presentatie</a:t>
+              <a:t>Context and dependency injection</a:t>
             </a:r>
             <a:endParaRPr lang="nl-NL" noProof="0" dirty="0"/>
           </a:p>
@@ -5202,10 +5326,6 @@
             </a:lvl1pPr>
           </a:lstStyle>
           <a:p>
-            <a:fld id="{E300D605-E2BB-8B4E-A2F3-5A64231C34A6}" type="datetime1">
-              <a:rPr lang="en-US" smtClean="0"/>
-              <a:t>9/16/2018</a:t>
-            </a:fld>
             <a:endParaRPr lang="nl-NL"/>
           </a:p>
         </p:txBody>
@@ -5245,7 +5365,7 @@
           <a:p>
             <a:r>
               <a:rPr lang="nl-NL"/>
-              <a:t>Titel van de presentatie</a:t>
+              <a:t>Context and dependency injection</a:t>
             </a:r>
             <a:endParaRPr lang="nl-NL" dirty="0"/>
           </a:p>
@@ -5655,34 +5775,26 @@
       </p:grpSpPr>
       <p:sp>
         <p:nvSpPr>
-          <p:cNvPr id="6" name="Picture Placeholder 5"/>
-          <p:cNvSpPr>
-            <a:spLocks noGrp="1"/>
-          </p:cNvSpPr>
-          <p:nvPr>
-            <p:ph type="pic" idx="13"/>
+          <p:cNvPr id="5" name="Title 4"/>
+          <p:cNvSpPr>
+            <a:spLocks noGrp="1"/>
+          </p:cNvSpPr>
+          <p:nvPr>
+            <p:ph type="ctrTitle"/>
           </p:nvPr>
         </p:nvSpPr>
         <p:spPr/>
-      </p:sp>
-      <p:sp>
-        <p:nvSpPr>
-          <p:cNvPr id="5" name="Title 4"/>
-          <p:cNvSpPr>
-            <a:spLocks noGrp="1"/>
-          </p:cNvSpPr>
-          <p:nvPr>
-            <p:ph type="ctrTitle"/>
-          </p:nvPr>
-        </p:nvSpPr>
-        <p:spPr/>
         <p:txBody>
           <a:bodyPr/>
           <a:lstStyle/>
           <a:p>
             <a:r>
               <a:rPr lang="nl-NL" dirty="0"/>
-              <a:t>Context</a:t>
+              <a:t>Context </a:t>
+            </a:r>
+            <a:r>
+              <a:rPr lang="nl-NL" dirty="0" err="1"/>
+              <a:t>and</a:t>
             </a:r>
             <a:br>
               <a:rPr lang="nl-NL" dirty="0"/>
@@ -5699,6 +5811,71 @@
               <a:t>Injection</a:t>
             </a:r>
             <a:endParaRPr lang="nl-NL" dirty="0"/>
+          </a:p>
+        </p:txBody>
+      </p:sp>
+      <p:pic>
+        <p:nvPicPr>
+          <p:cNvPr id="10" name="Picture 9">
+            <a:extLst>
+              <a:ext uri="{FF2B5EF4-FFF2-40B4-BE49-F238E27FC236}">
+                <a16:creationId xmlns:a16="http://schemas.microsoft.com/office/drawing/2014/main" id="{D6C76E80-92C8-4DC8-A9F6-269B604A2A61}"/>
+              </a:ext>
+            </a:extLst>
+          </p:cNvPr>
+          <p:cNvPicPr>
+            <a:picLocks noChangeAspect="1"/>
+          </p:cNvPicPr>
+          <p:nvPr/>
+        </p:nvPicPr>
+        <p:blipFill>
+          <a:blip r:embed="rId2"/>
+          <a:stretch>
+            <a:fillRect/>
+          </a:stretch>
+        </p:blipFill>
+        <p:spPr>
+          <a:xfrm>
+            <a:off x="1570338" y="1993200"/>
+            <a:ext cx="2466975" cy="1066800"/>
+          </a:xfrm>
+          <a:prstGeom prst="rect">
+            <a:avLst/>
+          </a:prstGeom>
+        </p:spPr>
+      </p:pic>
+      <p:sp>
+        <p:nvSpPr>
+          <p:cNvPr id="11" name="Rectangle 10">
+            <a:extLst>
+              <a:ext uri="{FF2B5EF4-FFF2-40B4-BE49-F238E27FC236}">
+                <a16:creationId xmlns:a16="http://schemas.microsoft.com/office/drawing/2014/main" id="{ED82096C-6B79-4C8F-A682-81E0D561365F}"/>
+              </a:ext>
+            </a:extLst>
+          </p:cNvPr>
+          <p:cNvSpPr/>
+          <p:nvPr/>
+        </p:nvSpPr>
+        <p:spPr>
+          <a:xfrm>
+            <a:off x="1792939" y="3163540"/>
+            <a:ext cx="2021772" cy="300082"/>
+          </a:xfrm>
+          <a:prstGeom prst="rect">
+            <a:avLst/>
+          </a:prstGeom>
+        </p:spPr>
+        <p:txBody>
+          <a:bodyPr wrap="none">
+            <a:spAutoFit/>
+          </a:bodyPr>
+          <a:lstStyle/>
+          <a:p>
+            <a:r>
+              <a:rPr lang="nl-NL" dirty="0"/>
+              <a:t>http://www.cdi-spec.org/</a:t>
+            </a:r>
+            <a:endParaRPr lang="en-NL" dirty="0"/>
           </a:p>
         </p:txBody>
       </p:sp>
@@ -5937,63 +6114,6 @@
           </a:p>
         </p:txBody>
       </p:sp>
-      <p:sp>
-        <p:nvSpPr>
-          <p:cNvPr id="4" name="Footer Placeholder 3">
-            <a:extLst>
-              <a:ext uri="{FF2B5EF4-FFF2-40B4-BE49-F238E27FC236}">
-                <a16:creationId xmlns:a16="http://schemas.microsoft.com/office/drawing/2014/main" id="{881454AF-7D1F-475A-B54E-E4FC4C43B12F}"/>
-              </a:ext>
-            </a:extLst>
-          </p:cNvPr>
-          <p:cNvSpPr>
-            <a:spLocks noGrp="1"/>
-          </p:cNvSpPr>
-          <p:nvPr>
-            <p:ph type="ftr" sz="quarter" idx="11"/>
-          </p:nvPr>
-        </p:nvSpPr>
-        <p:spPr/>
-        <p:txBody>
-          <a:bodyPr/>
-          <a:lstStyle/>
-          <a:p>
-            <a:r>
-              <a:rPr lang="nl-NL"/>
-              <a:t>Titel van de presentatie</a:t>
-            </a:r>
-          </a:p>
-        </p:txBody>
-      </p:sp>
-      <p:sp>
-        <p:nvSpPr>
-          <p:cNvPr id="5" name="Slide Number Placeholder 4">
-            <a:extLst>
-              <a:ext uri="{FF2B5EF4-FFF2-40B4-BE49-F238E27FC236}">
-                <a16:creationId xmlns:a16="http://schemas.microsoft.com/office/drawing/2014/main" id="{A39C8DE9-C758-4F0F-93F0-6EA48810A745}"/>
-              </a:ext>
-            </a:extLst>
-          </p:cNvPr>
-          <p:cNvSpPr>
-            <a:spLocks noGrp="1"/>
-          </p:cNvSpPr>
-          <p:nvPr>
-            <p:ph type="sldNum" sz="quarter" idx="12"/>
-          </p:nvPr>
-        </p:nvSpPr>
-        <p:spPr/>
-        <p:txBody>
-          <a:bodyPr/>
-          <a:lstStyle/>
-          <a:p>
-            <a:fld id="{14F1411D-0280-154F-AEAC-4C20B7AA46B2}" type="slidenum">
-              <a:rPr lang="nl-NL" smtClean="0"/>
-              <a:t>10</a:t>
-            </a:fld>
-            <a:endParaRPr lang="nl-NL"/>
-          </a:p>
-        </p:txBody>
-      </p:sp>
       <p:pic>
         <p:nvPicPr>
           <p:cNvPr id="6" name="Picture 5">
@@ -6174,6 +6294,63 @@
           </a:prstGeom>
         </p:spPr>
       </p:pic>
+      <p:sp>
+        <p:nvSpPr>
+          <p:cNvPr id="15" name="Slide Number Placeholder 14">
+            <a:extLst>
+              <a:ext uri="{FF2B5EF4-FFF2-40B4-BE49-F238E27FC236}">
+                <a16:creationId xmlns:a16="http://schemas.microsoft.com/office/drawing/2014/main" id="{B19EF1C7-C7F0-4816-9A21-5B6B70C4F1EA}"/>
+              </a:ext>
+            </a:extLst>
+          </p:cNvPr>
+          <p:cNvSpPr>
+            <a:spLocks noGrp="1"/>
+          </p:cNvSpPr>
+          <p:nvPr>
+            <p:ph type="sldNum" sz="quarter" idx="12"/>
+          </p:nvPr>
+        </p:nvSpPr>
+        <p:spPr/>
+        <p:txBody>
+          <a:bodyPr/>
+          <a:lstStyle/>
+          <a:p>
+            <a:fld id="{14F1411D-0280-154F-AEAC-4C20B7AA46B2}" type="slidenum">
+              <a:rPr lang="nl-NL" smtClean="0"/>
+              <a:t>10</a:t>
+            </a:fld>
+            <a:endParaRPr lang="nl-NL"/>
+          </a:p>
+        </p:txBody>
+      </p:sp>
+      <p:sp>
+        <p:nvSpPr>
+          <p:cNvPr id="16" name="Footer Placeholder 15">
+            <a:extLst>
+              <a:ext uri="{FF2B5EF4-FFF2-40B4-BE49-F238E27FC236}">
+                <a16:creationId xmlns:a16="http://schemas.microsoft.com/office/drawing/2014/main" id="{7B16E701-DFC3-468E-915B-4DCB279FB2E6}"/>
+              </a:ext>
+            </a:extLst>
+          </p:cNvPr>
+          <p:cNvSpPr>
+            <a:spLocks noGrp="1"/>
+          </p:cNvSpPr>
+          <p:nvPr>
+            <p:ph type="ftr" sz="quarter" idx="11"/>
+          </p:nvPr>
+        </p:nvSpPr>
+        <p:spPr/>
+        <p:txBody>
+          <a:bodyPr/>
+          <a:lstStyle/>
+          <a:p>
+            <a:r>
+              <a:rPr lang="nl-NL"/>
+              <a:t>Context and dependency injection</a:t>
+            </a:r>
+          </a:p>
+        </p:txBody>
+      </p:sp>
     </p:spTree>
     <p:extLst>
       <p:ext uri="{BB962C8B-B14F-4D97-AF65-F5344CB8AC3E}">
@@ -6413,63 +6590,6 @@
           </a:p>
         </p:txBody>
       </p:sp>
-      <p:sp>
-        <p:nvSpPr>
-          <p:cNvPr id="4" name="Footer Placeholder 3">
-            <a:extLst>
-              <a:ext uri="{FF2B5EF4-FFF2-40B4-BE49-F238E27FC236}">
-                <a16:creationId xmlns:a16="http://schemas.microsoft.com/office/drawing/2014/main" id="{881454AF-7D1F-475A-B54E-E4FC4C43B12F}"/>
-              </a:ext>
-            </a:extLst>
-          </p:cNvPr>
-          <p:cNvSpPr>
-            <a:spLocks noGrp="1"/>
-          </p:cNvSpPr>
-          <p:nvPr>
-            <p:ph type="ftr" sz="quarter" idx="11"/>
-          </p:nvPr>
-        </p:nvSpPr>
-        <p:spPr/>
-        <p:txBody>
-          <a:bodyPr/>
-          <a:lstStyle/>
-          <a:p>
-            <a:r>
-              <a:rPr lang="nl-NL"/>
-              <a:t>Titel van de presentatie</a:t>
-            </a:r>
-          </a:p>
-        </p:txBody>
-      </p:sp>
-      <p:sp>
-        <p:nvSpPr>
-          <p:cNvPr id="5" name="Slide Number Placeholder 4">
-            <a:extLst>
-              <a:ext uri="{FF2B5EF4-FFF2-40B4-BE49-F238E27FC236}">
-                <a16:creationId xmlns:a16="http://schemas.microsoft.com/office/drawing/2014/main" id="{A39C8DE9-C758-4F0F-93F0-6EA48810A745}"/>
-              </a:ext>
-            </a:extLst>
-          </p:cNvPr>
-          <p:cNvSpPr>
-            <a:spLocks noGrp="1"/>
-          </p:cNvSpPr>
-          <p:nvPr>
-            <p:ph type="sldNum" sz="quarter" idx="12"/>
-          </p:nvPr>
-        </p:nvSpPr>
-        <p:spPr/>
-        <p:txBody>
-          <a:bodyPr/>
-          <a:lstStyle/>
-          <a:p>
-            <a:fld id="{14F1411D-0280-154F-AEAC-4C20B7AA46B2}" type="slidenum">
-              <a:rPr lang="nl-NL" smtClean="0"/>
-              <a:t>11</a:t>
-            </a:fld>
-            <a:endParaRPr lang="nl-NL"/>
-          </a:p>
-        </p:txBody>
-      </p:sp>
       <p:pic>
         <p:nvPicPr>
           <p:cNvPr id="17" name="Picture 16">
@@ -6500,6 +6620,63 @@
           </a:prstGeom>
         </p:spPr>
       </p:pic>
+      <p:sp>
+        <p:nvSpPr>
+          <p:cNvPr id="9" name="Slide Number Placeholder 8">
+            <a:extLst>
+              <a:ext uri="{FF2B5EF4-FFF2-40B4-BE49-F238E27FC236}">
+                <a16:creationId xmlns:a16="http://schemas.microsoft.com/office/drawing/2014/main" id="{2363004E-B7E5-4097-833F-36A0C3830FF0}"/>
+              </a:ext>
+            </a:extLst>
+          </p:cNvPr>
+          <p:cNvSpPr>
+            <a:spLocks noGrp="1"/>
+          </p:cNvSpPr>
+          <p:nvPr>
+            <p:ph type="sldNum" sz="quarter" idx="12"/>
+          </p:nvPr>
+        </p:nvSpPr>
+        <p:spPr/>
+        <p:txBody>
+          <a:bodyPr/>
+          <a:lstStyle/>
+          <a:p>
+            <a:fld id="{14F1411D-0280-154F-AEAC-4C20B7AA46B2}" type="slidenum">
+              <a:rPr lang="nl-NL" smtClean="0"/>
+              <a:t>11</a:t>
+            </a:fld>
+            <a:endParaRPr lang="nl-NL"/>
+          </a:p>
+        </p:txBody>
+      </p:sp>
+      <p:sp>
+        <p:nvSpPr>
+          <p:cNvPr id="10" name="Footer Placeholder 9">
+            <a:extLst>
+              <a:ext uri="{FF2B5EF4-FFF2-40B4-BE49-F238E27FC236}">
+                <a16:creationId xmlns:a16="http://schemas.microsoft.com/office/drawing/2014/main" id="{1499DBC7-E41B-4704-8B46-446ADBC9F394}"/>
+              </a:ext>
+            </a:extLst>
+          </p:cNvPr>
+          <p:cNvSpPr>
+            <a:spLocks noGrp="1"/>
+          </p:cNvSpPr>
+          <p:nvPr>
+            <p:ph type="ftr" sz="quarter" idx="11"/>
+          </p:nvPr>
+        </p:nvSpPr>
+        <p:spPr/>
+        <p:txBody>
+          <a:bodyPr/>
+          <a:lstStyle/>
+          <a:p>
+            <a:r>
+              <a:rPr lang="nl-NL"/>
+              <a:t>Context and dependency injection</a:t>
+            </a:r>
+          </a:p>
+        </p:txBody>
+      </p:sp>
     </p:spTree>
     <p:extLst>
       <p:ext uri="{BB962C8B-B14F-4D97-AF65-F5344CB8AC3E}">
@@ -6643,63 +6820,6 @@
           </a:p>
         </p:txBody>
       </p:sp>
-      <p:sp>
-        <p:nvSpPr>
-          <p:cNvPr id="4" name="Footer Placeholder 3">
-            <a:extLst>
-              <a:ext uri="{FF2B5EF4-FFF2-40B4-BE49-F238E27FC236}">
-                <a16:creationId xmlns:a16="http://schemas.microsoft.com/office/drawing/2014/main" id="{881454AF-7D1F-475A-B54E-E4FC4C43B12F}"/>
-              </a:ext>
-            </a:extLst>
-          </p:cNvPr>
-          <p:cNvSpPr>
-            <a:spLocks noGrp="1"/>
-          </p:cNvSpPr>
-          <p:nvPr>
-            <p:ph type="ftr" sz="quarter" idx="11"/>
-          </p:nvPr>
-        </p:nvSpPr>
-        <p:spPr/>
-        <p:txBody>
-          <a:bodyPr/>
-          <a:lstStyle/>
-          <a:p>
-            <a:r>
-              <a:rPr lang="nl-NL"/>
-              <a:t>Titel van de presentatie</a:t>
-            </a:r>
-          </a:p>
-        </p:txBody>
-      </p:sp>
-      <p:sp>
-        <p:nvSpPr>
-          <p:cNvPr id="5" name="Slide Number Placeholder 4">
-            <a:extLst>
-              <a:ext uri="{FF2B5EF4-FFF2-40B4-BE49-F238E27FC236}">
-                <a16:creationId xmlns:a16="http://schemas.microsoft.com/office/drawing/2014/main" id="{A39C8DE9-C758-4F0F-93F0-6EA48810A745}"/>
-              </a:ext>
-            </a:extLst>
-          </p:cNvPr>
-          <p:cNvSpPr>
-            <a:spLocks noGrp="1"/>
-          </p:cNvSpPr>
-          <p:nvPr>
-            <p:ph type="sldNum" sz="quarter" idx="12"/>
-          </p:nvPr>
-        </p:nvSpPr>
-        <p:spPr/>
-        <p:txBody>
-          <a:bodyPr/>
-          <a:lstStyle/>
-          <a:p>
-            <a:fld id="{14F1411D-0280-154F-AEAC-4C20B7AA46B2}" type="slidenum">
-              <a:rPr lang="nl-NL" smtClean="0"/>
-              <a:t>12</a:t>
-            </a:fld>
-            <a:endParaRPr lang="nl-NL"/>
-          </a:p>
-        </p:txBody>
-      </p:sp>
       <p:pic>
         <p:nvPicPr>
           <p:cNvPr id="17" name="Picture 16">
@@ -6760,6 +6880,63 @@
           </a:prstGeom>
         </p:spPr>
       </p:pic>
+      <p:sp>
+        <p:nvSpPr>
+          <p:cNvPr id="10" name="Slide Number Placeholder 9">
+            <a:extLst>
+              <a:ext uri="{FF2B5EF4-FFF2-40B4-BE49-F238E27FC236}">
+                <a16:creationId xmlns:a16="http://schemas.microsoft.com/office/drawing/2014/main" id="{A4D1332D-B9CE-4745-B10B-F8B0DD4ECDD0}"/>
+              </a:ext>
+            </a:extLst>
+          </p:cNvPr>
+          <p:cNvSpPr>
+            <a:spLocks noGrp="1"/>
+          </p:cNvSpPr>
+          <p:nvPr>
+            <p:ph type="sldNum" sz="quarter" idx="12"/>
+          </p:nvPr>
+        </p:nvSpPr>
+        <p:spPr/>
+        <p:txBody>
+          <a:bodyPr/>
+          <a:lstStyle/>
+          <a:p>
+            <a:fld id="{14F1411D-0280-154F-AEAC-4C20B7AA46B2}" type="slidenum">
+              <a:rPr lang="nl-NL" smtClean="0"/>
+              <a:t>12</a:t>
+            </a:fld>
+            <a:endParaRPr lang="nl-NL"/>
+          </a:p>
+        </p:txBody>
+      </p:sp>
+      <p:sp>
+        <p:nvSpPr>
+          <p:cNvPr id="11" name="Footer Placeholder 10">
+            <a:extLst>
+              <a:ext uri="{FF2B5EF4-FFF2-40B4-BE49-F238E27FC236}">
+                <a16:creationId xmlns:a16="http://schemas.microsoft.com/office/drawing/2014/main" id="{95B9C2F9-5367-4760-B24B-DC89E0935426}"/>
+              </a:ext>
+            </a:extLst>
+          </p:cNvPr>
+          <p:cNvSpPr>
+            <a:spLocks noGrp="1"/>
+          </p:cNvSpPr>
+          <p:nvPr>
+            <p:ph type="ftr" sz="quarter" idx="11"/>
+          </p:nvPr>
+        </p:nvSpPr>
+        <p:spPr/>
+        <p:txBody>
+          <a:bodyPr/>
+          <a:lstStyle/>
+          <a:p>
+            <a:r>
+              <a:rPr lang="nl-NL"/>
+              <a:t>Context and dependency injection</a:t>
+            </a:r>
+          </a:p>
+        </p:txBody>
+      </p:sp>
     </p:spTree>
     <p:extLst>
       <p:ext uri="{BB962C8B-B14F-4D97-AF65-F5344CB8AC3E}">
@@ -6908,63 +7085,6 @@
           </a:p>
         </p:txBody>
       </p:sp>
-      <p:sp>
-        <p:nvSpPr>
-          <p:cNvPr id="4" name="Footer Placeholder 3">
-            <a:extLst>
-              <a:ext uri="{FF2B5EF4-FFF2-40B4-BE49-F238E27FC236}">
-                <a16:creationId xmlns:a16="http://schemas.microsoft.com/office/drawing/2014/main" id="{A0888449-93E3-4816-8E7C-8ABB38825619}"/>
-              </a:ext>
-            </a:extLst>
-          </p:cNvPr>
-          <p:cNvSpPr>
-            <a:spLocks noGrp="1"/>
-          </p:cNvSpPr>
-          <p:nvPr>
-            <p:ph type="ftr" sz="quarter" idx="11"/>
-          </p:nvPr>
-        </p:nvSpPr>
-        <p:spPr/>
-        <p:txBody>
-          <a:bodyPr/>
-          <a:lstStyle/>
-          <a:p>
-            <a:r>
-              <a:rPr lang="nl-NL"/>
-              <a:t>Titel van de presentatie</a:t>
-            </a:r>
-          </a:p>
-        </p:txBody>
-      </p:sp>
-      <p:sp>
-        <p:nvSpPr>
-          <p:cNvPr id="5" name="Slide Number Placeholder 4">
-            <a:extLst>
-              <a:ext uri="{FF2B5EF4-FFF2-40B4-BE49-F238E27FC236}">
-                <a16:creationId xmlns:a16="http://schemas.microsoft.com/office/drawing/2014/main" id="{BD548E71-CD96-487E-9C59-00B0CEBE36BD}"/>
-              </a:ext>
-            </a:extLst>
-          </p:cNvPr>
-          <p:cNvSpPr>
-            <a:spLocks noGrp="1"/>
-          </p:cNvSpPr>
-          <p:nvPr>
-            <p:ph type="sldNum" sz="quarter" idx="12"/>
-          </p:nvPr>
-        </p:nvSpPr>
-        <p:spPr/>
-        <p:txBody>
-          <a:bodyPr/>
-          <a:lstStyle/>
-          <a:p>
-            <a:fld id="{14F1411D-0280-154F-AEAC-4C20B7AA46B2}" type="slidenum">
-              <a:rPr lang="nl-NL" smtClean="0"/>
-              <a:t>13</a:t>
-            </a:fld>
-            <a:endParaRPr lang="nl-NL"/>
-          </a:p>
-        </p:txBody>
-      </p:sp>
       <p:pic>
         <p:nvPicPr>
           <p:cNvPr id="7" name="Picture 6">
@@ -7025,6 +7145,63 @@
           </a:prstGeom>
         </p:spPr>
       </p:pic>
+      <p:sp>
+        <p:nvSpPr>
+          <p:cNvPr id="11" name="Slide Number Placeholder 10">
+            <a:extLst>
+              <a:ext uri="{FF2B5EF4-FFF2-40B4-BE49-F238E27FC236}">
+                <a16:creationId xmlns:a16="http://schemas.microsoft.com/office/drawing/2014/main" id="{E43013EE-5790-4312-AB70-1964D4D99688}"/>
+              </a:ext>
+            </a:extLst>
+          </p:cNvPr>
+          <p:cNvSpPr>
+            <a:spLocks noGrp="1"/>
+          </p:cNvSpPr>
+          <p:nvPr>
+            <p:ph type="sldNum" sz="quarter" idx="12"/>
+          </p:nvPr>
+        </p:nvSpPr>
+        <p:spPr/>
+        <p:txBody>
+          <a:bodyPr/>
+          <a:lstStyle/>
+          <a:p>
+            <a:fld id="{14F1411D-0280-154F-AEAC-4C20B7AA46B2}" type="slidenum">
+              <a:rPr lang="nl-NL" smtClean="0"/>
+              <a:t>13</a:t>
+            </a:fld>
+            <a:endParaRPr lang="nl-NL"/>
+          </a:p>
+        </p:txBody>
+      </p:sp>
+      <p:sp>
+        <p:nvSpPr>
+          <p:cNvPr id="12" name="Footer Placeholder 11">
+            <a:extLst>
+              <a:ext uri="{FF2B5EF4-FFF2-40B4-BE49-F238E27FC236}">
+                <a16:creationId xmlns:a16="http://schemas.microsoft.com/office/drawing/2014/main" id="{B8F93428-DE3E-4619-8741-7E28CB60F0EC}"/>
+              </a:ext>
+            </a:extLst>
+          </p:cNvPr>
+          <p:cNvSpPr>
+            <a:spLocks noGrp="1"/>
+          </p:cNvSpPr>
+          <p:nvPr>
+            <p:ph type="ftr" sz="quarter" idx="11"/>
+          </p:nvPr>
+        </p:nvSpPr>
+        <p:spPr/>
+        <p:txBody>
+          <a:bodyPr/>
+          <a:lstStyle/>
+          <a:p>
+            <a:r>
+              <a:rPr lang="nl-NL"/>
+              <a:t>Context and dependency injection</a:t>
+            </a:r>
+          </a:p>
+        </p:txBody>
+      </p:sp>
     </p:spTree>
     <p:extLst>
       <p:ext uri="{BB962C8B-B14F-4D97-AF65-F5344CB8AC3E}">
@@ -7086,63 +7263,6 @@
       </p:sp>
       <p:sp>
         <p:nvSpPr>
-          <p:cNvPr id="4" name="Footer Placeholder 3">
-            <a:extLst>
-              <a:ext uri="{FF2B5EF4-FFF2-40B4-BE49-F238E27FC236}">
-                <a16:creationId xmlns:a16="http://schemas.microsoft.com/office/drawing/2014/main" id="{A0888449-93E3-4816-8E7C-8ABB38825619}"/>
-              </a:ext>
-            </a:extLst>
-          </p:cNvPr>
-          <p:cNvSpPr>
-            <a:spLocks noGrp="1"/>
-          </p:cNvSpPr>
-          <p:nvPr>
-            <p:ph type="ftr" sz="quarter" idx="11"/>
-          </p:nvPr>
-        </p:nvSpPr>
-        <p:spPr/>
-        <p:txBody>
-          <a:bodyPr/>
-          <a:lstStyle/>
-          <a:p>
-            <a:r>
-              <a:rPr lang="nl-NL"/>
-              <a:t>Titel van de presentatie</a:t>
-            </a:r>
-          </a:p>
-        </p:txBody>
-      </p:sp>
-      <p:sp>
-        <p:nvSpPr>
-          <p:cNvPr id="5" name="Slide Number Placeholder 4">
-            <a:extLst>
-              <a:ext uri="{FF2B5EF4-FFF2-40B4-BE49-F238E27FC236}">
-                <a16:creationId xmlns:a16="http://schemas.microsoft.com/office/drawing/2014/main" id="{BD548E71-CD96-487E-9C59-00B0CEBE36BD}"/>
-              </a:ext>
-            </a:extLst>
-          </p:cNvPr>
-          <p:cNvSpPr>
-            <a:spLocks noGrp="1"/>
-          </p:cNvSpPr>
-          <p:nvPr>
-            <p:ph type="sldNum" sz="quarter" idx="12"/>
-          </p:nvPr>
-        </p:nvSpPr>
-        <p:spPr/>
-        <p:txBody>
-          <a:bodyPr/>
-          <a:lstStyle/>
-          <a:p>
-            <a:fld id="{14F1411D-0280-154F-AEAC-4C20B7AA46B2}" type="slidenum">
-              <a:rPr lang="nl-NL" smtClean="0"/>
-              <a:t>14</a:t>
-            </a:fld>
-            <a:endParaRPr lang="nl-NL"/>
-          </a:p>
-        </p:txBody>
-      </p:sp>
-      <p:sp>
-        <p:nvSpPr>
           <p:cNvPr id="11" name="Content Placeholder 10">
             <a:extLst>
               <a:ext uri="{FF2B5EF4-FFF2-40B4-BE49-F238E27FC236}">
@@ -7231,6 +7351,63 @@
           </a:prstGeom>
         </p:spPr>
       </p:pic>
+      <p:sp>
+        <p:nvSpPr>
+          <p:cNvPr id="8" name="Slide Number Placeholder 7">
+            <a:extLst>
+              <a:ext uri="{FF2B5EF4-FFF2-40B4-BE49-F238E27FC236}">
+                <a16:creationId xmlns:a16="http://schemas.microsoft.com/office/drawing/2014/main" id="{A4B3C24F-D1E4-4A87-9E0F-DC4E3237CF65}"/>
+              </a:ext>
+            </a:extLst>
+          </p:cNvPr>
+          <p:cNvSpPr>
+            <a:spLocks noGrp="1"/>
+          </p:cNvSpPr>
+          <p:nvPr>
+            <p:ph type="sldNum" sz="quarter" idx="12"/>
+          </p:nvPr>
+        </p:nvSpPr>
+        <p:spPr/>
+        <p:txBody>
+          <a:bodyPr/>
+          <a:lstStyle/>
+          <a:p>
+            <a:fld id="{14F1411D-0280-154F-AEAC-4C20B7AA46B2}" type="slidenum">
+              <a:rPr lang="nl-NL" smtClean="0"/>
+              <a:t>14</a:t>
+            </a:fld>
+            <a:endParaRPr lang="nl-NL"/>
+          </a:p>
+        </p:txBody>
+      </p:sp>
+      <p:sp>
+        <p:nvSpPr>
+          <p:cNvPr id="9" name="Footer Placeholder 8">
+            <a:extLst>
+              <a:ext uri="{FF2B5EF4-FFF2-40B4-BE49-F238E27FC236}">
+                <a16:creationId xmlns:a16="http://schemas.microsoft.com/office/drawing/2014/main" id="{95E7DD75-25F2-46F7-8777-0F8AE4982965}"/>
+              </a:ext>
+            </a:extLst>
+          </p:cNvPr>
+          <p:cNvSpPr>
+            <a:spLocks noGrp="1"/>
+          </p:cNvSpPr>
+          <p:nvPr>
+            <p:ph type="ftr" sz="quarter" idx="11"/>
+          </p:nvPr>
+        </p:nvSpPr>
+        <p:spPr/>
+        <p:txBody>
+          <a:bodyPr/>
+          <a:lstStyle/>
+          <a:p>
+            <a:r>
+              <a:rPr lang="nl-NL"/>
+              <a:t>Context and dependency injection</a:t>
+            </a:r>
+          </a:p>
+        </p:txBody>
+      </p:sp>
     </p:spTree>
     <p:extLst>
       <p:ext uri="{BB962C8B-B14F-4D97-AF65-F5344CB8AC3E}">
@@ -7411,38 +7588,10 @@
       </p:sp>
       <p:sp>
         <p:nvSpPr>
-          <p:cNvPr id="4" name="Footer Placeholder 3">
-            <a:extLst>
-              <a:ext uri="{FF2B5EF4-FFF2-40B4-BE49-F238E27FC236}">
-                <a16:creationId xmlns:a16="http://schemas.microsoft.com/office/drawing/2014/main" id="{AC126BBE-D7CD-4987-B1BC-2ED6C571CBD3}"/>
-              </a:ext>
-            </a:extLst>
-          </p:cNvPr>
-          <p:cNvSpPr>
-            <a:spLocks noGrp="1"/>
-          </p:cNvSpPr>
-          <p:nvPr>
-            <p:ph type="ftr" sz="quarter" idx="11"/>
-          </p:nvPr>
-        </p:nvSpPr>
-        <p:spPr/>
-        <p:txBody>
-          <a:bodyPr/>
-          <a:lstStyle/>
-          <a:p>
-            <a:r>
-              <a:rPr lang="nl-NL"/>
-              <a:t>Titel van de presentatie</a:t>
-            </a:r>
-          </a:p>
-        </p:txBody>
-      </p:sp>
-      <p:sp>
-        <p:nvSpPr>
-          <p:cNvPr id="5" name="Slide Number Placeholder 4">
-            <a:extLst>
-              <a:ext uri="{FF2B5EF4-FFF2-40B4-BE49-F238E27FC236}">
-                <a16:creationId xmlns:a16="http://schemas.microsoft.com/office/drawing/2014/main" id="{AC4E8EC8-50CE-4AAB-BC6D-D5C731293433}"/>
+          <p:cNvPr id="9" name="Slide Number Placeholder 8">
+            <a:extLst>
+              <a:ext uri="{FF2B5EF4-FFF2-40B4-BE49-F238E27FC236}">
+                <a16:creationId xmlns:a16="http://schemas.microsoft.com/office/drawing/2014/main" id="{03A4AABC-85C5-4272-9225-E290E426A376}"/>
               </a:ext>
             </a:extLst>
           </p:cNvPr>
@@ -7463,6 +7612,34 @@
               <a:t>15</a:t>
             </a:fld>
             <a:endParaRPr lang="nl-NL"/>
+          </a:p>
+        </p:txBody>
+      </p:sp>
+      <p:sp>
+        <p:nvSpPr>
+          <p:cNvPr id="10" name="Footer Placeholder 9">
+            <a:extLst>
+              <a:ext uri="{FF2B5EF4-FFF2-40B4-BE49-F238E27FC236}">
+                <a16:creationId xmlns:a16="http://schemas.microsoft.com/office/drawing/2014/main" id="{47A5FFF8-1D3E-49D0-B292-FBC0DB112C15}"/>
+              </a:ext>
+            </a:extLst>
+          </p:cNvPr>
+          <p:cNvSpPr>
+            <a:spLocks noGrp="1"/>
+          </p:cNvSpPr>
+          <p:nvPr>
+            <p:ph type="ftr" sz="quarter" idx="11"/>
+          </p:nvPr>
+        </p:nvSpPr>
+        <p:spPr/>
+        <p:txBody>
+          <a:bodyPr/>
+          <a:lstStyle/>
+          <a:p>
+            <a:r>
+              <a:rPr lang="nl-NL"/>
+              <a:t>Context and dependency injection</a:t>
+            </a:r>
           </a:p>
         </p:txBody>
       </p:sp>
@@ -7658,63 +7835,6 @@
           </a:p>
         </p:txBody>
       </p:sp>
-      <p:sp>
-        <p:nvSpPr>
-          <p:cNvPr id="4" name="Footer Placeholder 3">
-            <a:extLst>
-              <a:ext uri="{FF2B5EF4-FFF2-40B4-BE49-F238E27FC236}">
-                <a16:creationId xmlns:a16="http://schemas.microsoft.com/office/drawing/2014/main" id="{AC126BBE-D7CD-4987-B1BC-2ED6C571CBD3}"/>
-              </a:ext>
-            </a:extLst>
-          </p:cNvPr>
-          <p:cNvSpPr>
-            <a:spLocks noGrp="1"/>
-          </p:cNvSpPr>
-          <p:nvPr>
-            <p:ph type="ftr" sz="quarter" idx="11"/>
-          </p:nvPr>
-        </p:nvSpPr>
-        <p:spPr/>
-        <p:txBody>
-          <a:bodyPr/>
-          <a:lstStyle/>
-          <a:p>
-            <a:r>
-              <a:rPr lang="nl-NL"/>
-              <a:t>Titel van de presentatie</a:t>
-            </a:r>
-          </a:p>
-        </p:txBody>
-      </p:sp>
-      <p:sp>
-        <p:nvSpPr>
-          <p:cNvPr id="5" name="Slide Number Placeholder 4">
-            <a:extLst>
-              <a:ext uri="{FF2B5EF4-FFF2-40B4-BE49-F238E27FC236}">
-                <a16:creationId xmlns:a16="http://schemas.microsoft.com/office/drawing/2014/main" id="{AC4E8EC8-50CE-4AAB-BC6D-D5C731293433}"/>
-              </a:ext>
-            </a:extLst>
-          </p:cNvPr>
-          <p:cNvSpPr>
-            <a:spLocks noGrp="1"/>
-          </p:cNvSpPr>
-          <p:nvPr>
-            <p:ph type="sldNum" sz="quarter" idx="12"/>
-          </p:nvPr>
-        </p:nvSpPr>
-        <p:spPr/>
-        <p:txBody>
-          <a:bodyPr/>
-          <a:lstStyle/>
-          <a:p>
-            <a:fld id="{14F1411D-0280-154F-AEAC-4C20B7AA46B2}" type="slidenum">
-              <a:rPr lang="nl-NL" smtClean="0"/>
-              <a:t>16</a:t>
-            </a:fld>
-            <a:endParaRPr lang="nl-NL"/>
-          </a:p>
-        </p:txBody>
-      </p:sp>
       <p:pic>
         <p:nvPicPr>
           <p:cNvPr id="6" name="Picture 5">
@@ -7775,6 +7895,63 @@
           </a:prstGeom>
         </p:spPr>
       </p:pic>
+      <p:sp>
+        <p:nvSpPr>
+          <p:cNvPr id="11" name="Slide Number Placeholder 10">
+            <a:extLst>
+              <a:ext uri="{FF2B5EF4-FFF2-40B4-BE49-F238E27FC236}">
+                <a16:creationId xmlns:a16="http://schemas.microsoft.com/office/drawing/2014/main" id="{6E7106D8-089F-49DC-8FD4-A696A9A7E922}"/>
+              </a:ext>
+            </a:extLst>
+          </p:cNvPr>
+          <p:cNvSpPr>
+            <a:spLocks noGrp="1"/>
+          </p:cNvSpPr>
+          <p:nvPr>
+            <p:ph type="sldNum" sz="quarter" idx="12"/>
+          </p:nvPr>
+        </p:nvSpPr>
+        <p:spPr/>
+        <p:txBody>
+          <a:bodyPr/>
+          <a:lstStyle/>
+          <a:p>
+            <a:fld id="{14F1411D-0280-154F-AEAC-4C20B7AA46B2}" type="slidenum">
+              <a:rPr lang="nl-NL" smtClean="0"/>
+              <a:t>16</a:t>
+            </a:fld>
+            <a:endParaRPr lang="nl-NL"/>
+          </a:p>
+        </p:txBody>
+      </p:sp>
+      <p:sp>
+        <p:nvSpPr>
+          <p:cNvPr id="12" name="Footer Placeholder 11">
+            <a:extLst>
+              <a:ext uri="{FF2B5EF4-FFF2-40B4-BE49-F238E27FC236}">
+                <a16:creationId xmlns:a16="http://schemas.microsoft.com/office/drawing/2014/main" id="{BCF2B8F4-7079-4D18-A0E0-F1D4741424B4}"/>
+              </a:ext>
+            </a:extLst>
+          </p:cNvPr>
+          <p:cNvSpPr>
+            <a:spLocks noGrp="1"/>
+          </p:cNvSpPr>
+          <p:nvPr>
+            <p:ph type="ftr" sz="quarter" idx="11"/>
+          </p:nvPr>
+        </p:nvSpPr>
+        <p:spPr/>
+        <p:txBody>
+          <a:bodyPr/>
+          <a:lstStyle/>
+          <a:p>
+            <a:r>
+              <a:rPr lang="nl-NL"/>
+              <a:t>Context and dependency injection</a:t>
+            </a:r>
+          </a:p>
+        </p:txBody>
+      </p:sp>
     </p:spTree>
     <p:extLst>
       <p:ext uri="{BB962C8B-B14F-4D97-AF65-F5344CB8AC3E}">
@@ -7923,38 +8100,10 @@
       </p:sp>
       <p:sp>
         <p:nvSpPr>
-          <p:cNvPr id="4" name="Footer Placeholder 3">
-            <a:extLst>
-              <a:ext uri="{FF2B5EF4-FFF2-40B4-BE49-F238E27FC236}">
-                <a16:creationId xmlns:a16="http://schemas.microsoft.com/office/drawing/2014/main" id="{65DC9307-9047-4F1C-A8DC-04DCC8C10D7B}"/>
-              </a:ext>
-            </a:extLst>
-          </p:cNvPr>
-          <p:cNvSpPr>
-            <a:spLocks noGrp="1"/>
-          </p:cNvSpPr>
-          <p:nvPr>
-            <p:ph type="ftr" sz="quarter" idx="11"/>
-          </p:nvPr>
-        </p:nvSpPr>
-        <p:spPr/>
-        <p:txBody>
-          <a:bodyPr/>
-          <a:lstStyle/>
-          <a:p>
-            <a:r>
-              <a:rPr lang="nl-NL"/>
-              <a:t>Titel van de presentatie</a:t>
-            </a:r>
-          </a:p>
-        </p:txBody>
-      </p:sp>
-      <p:sp>
-        <p:nvSpPr>
-          <p:cNvPr id="5" name="Slide Number Placeholder 4">
-            <a:extLst>
-              <a:ext uri="{FF2B5EF4-FFF2-40B4-BE49-F238E27FC236}">
-                <a16:creationId xmlns:a16="http://schemas.microsoft.com/office/drawing/2014/main" id="{43265D5D-1FA0-4E46-B514-951727A831FD}"/>
+          <p:cNvPr id="9" name="Slide Number Placeholder 8">
+            <a:extLst>
+              <a:ext uri="{FF2B5EF4-FFF2-40B4-BE49-F238E27FC236}">
+                <a16:creationId xmlns:a16="http://schemas.microsoft.com/office/drawing/2014/main" id="{52320142-7E82-42FA-BFE2-0EBE84CA1F6C}"/>
               </a:ext>
             </a:extLst>
           </p:cNvPr>
@@ -7975,6 +8124,34 @@
               <a:t>17</a:t>
             </a:fld>
             <a:endParaRPr lang="nl-NL"/>
+          </a:p>
+        </p:txBody>
+      </p:sp>
+      <p:sp>
+        <p:nvSpPr>
+          <p:cNvPr id="10" name="Footer Placeholder 9">
+            <a:extLst>
+              <a:ext uri="{FF2B5EF4-FFF2-40B4-BE49-F238E27FC236}">
+                <a16:creationId xmlns:a16="http://schemas.microsoft.com/office/drawing/2014/main" id="{96109FFD-C30B-4CBE-88BA-05BAB3E57496}"/>
+              </a:ext>
+            </a:extLst>
+          </p:cNvPr>
+          <p:cNvSpPr>
+            <a:spLocks noGrp="1"/>
+          </p:cNvSpPr>
+          <p:nvPr>
+            <p:ph type="ftr" sz="quarter" idx="11"/>
+          </p:nvPr>
+        </p:nvSpPr>
+        <p:spPr/>
+        <p:txBody>
+          <a:bodyPr/>
+          <a:lstStyle/>
+          <a:p>
+            <a:r>
+              <a:rPr lang="nl-NL"/>
+              <a:t>Context and dependency injection</a:t>
+            </a:r>
           </a:p>
         </p:txBody>
       </p:sp>
@@ -8086,63 +8263,6 @@
           </a:p>
         </p:txBody>
       </p:sp>
-      <p:sp>
-        <p:nvSpPr>
-          <p:cNvPr id="4" name="Footer Placeholder 3">
-            <a:extLst>
-              <a:ext uri="{FF2B5EF4-FFF2-40B4-BE49-F238E27FC236}">
-                <a16:creationId xmlns:a16="http://schemas.microsoft.com/office/drawing/2014/main" id="{65DC9307-9047-4F1C-A8DC-04DCC8C10D7B}"/>
-              </a:ext>
-            </a:extLst>
-          </p:cNvPr>
-          <p:cNvSpPr>
-            <a:spLocks noGrp="1"/>
-          </p:cNvSpPr>
-          <p:nvPr>
-            <p:ph type="ftr" sz="quarter" idx="11"/>
-          </p:nvPr>
-        </p:nvSpPr>
-        <p:spPr/>
-        <p:txBody>
-          <a:bodyPr/>
-          <a:lstStyle/>
-          <a:p>
-            <a:r>
-              <a:rPr lang="nl-NL"/>
-              <a:t>Titel van de presentatie</a:t>
-            </a:r>
-          </a:p>
-        </p:txBody>
-      </p:sp>
-      <p:sp>
-        <p:nvSpPr>
-          <p:cNvPr id="5" name="Slide Number Placeholder 4">
-            <a:extLst>
-              <a:ext uri="{FF2B5EF4-FFF2-40B4-BE49-F238E27FC236}">
-                <a16:creationId xmlns:a16="http://schemas.microsoft.com/office/drawing/2014/main" id="{43265D5D-1FA0-4E46-B514-951727A831FD}"/>
-              </a:ext>
-            </a:extLst>
-          </p:cNvPr>
-          <p:cNvSpPr>
-            <a:spLocks noGrp="1"/>
-          </p:cNvSpPr>
-          <p:nvPr>
-            <p:ph type="sldNum" sz="quarter" idx="12"/>
-          </p:nvPr>
-        </p:nvSpPr>
-        <p:spPr/>
-        <p:txBody>
-          <a:bodyPr/>
-          <a:lstStyle/>
-          <a:p>
-            <a:fld id="{14F1411D-0280-154F-AEAC-4C20B7AA46B2}" type="slidenum">
-              <a:rPr lang="nl-NL" smtClean="0"/>
-              <a:t>18</a:t>
-            </a:fld>
-            <a:endParaRPr lang="nl-NL"/>
-          </a:p>
-        </p:txBody>
-      </p:sp>
       <p:pic>
         <p:nvPicPr>
           <p:cNvPr id="6" name="Picture 5">
@@ -8173,6 +8293,63 @@
           </a:prstGeom>
         </p:spPr>
       </p:pic>
+      <p:sp>
+        <p:nvSpPr>
+          <p:cNvPr id="10" name="Slide Number Placeholder 9">
+            <a:extLst>
+              <a:ext uri="{FF2B5EF4-FFF2-40B4-BE49-F238E27FC236}">
+                <a16:creationId xmlns:a16="http://schemas.microsoft.com/office/drawing/2014/main" id="{CB6B2086-F09E-4B62-8BBF-DDEFA4CA387B}"/>
+              </a:ext>
+            </a:extLst>
+          </p:cNvPr>
+          <p:cNvSpPr>
+            <a:spLocks noGrp="1"/>
+          </p:cNvSpPr>
+          <p:nvPr>
+            <p:ph type="sldNum" sz="quarter" idx="12"/>
+          </p:nvPr>
+        </p:nvSpPr>
+        <p:spPr/>
+        <p:txBody>
+          <a:bodyPr/>
+          <a:lstStyle/>
+          <a:p>
+            <a:fld id="{14F1411D-0280-154F-AEAC-4C20B7AA46B2}" type="slidenum">
+              <a:rPr lang="nl-NL" smtClean="0"/>
+              <a:t>18</a:t>
+            </a:fld>
+            <a:endParaRPr lang="nl-NL"/>
+          </a:p>
+        </p:txBody>
+      </p:sp>
+      <p:sp>
+        <p:nvSpPr>
+          <p:cNvPr id="11" name="Footer Placeholder 10">
+            <a:extLst>
+              <a:ext uri="{FF2B5EF4-FFF2-40B4-BE49-F238E27FC236}">
+                <a16:creationId xmlns:a16="http://schemas.microsoft.com/office/drawing/2014/main" id="{53C734FB-8FC9-41A0-B795-766CC5F74358}"/>
+              </a:ext>
+            </a:extLst>
+          </p:cNvPr>
+          <p:cNvSpPr>
+            <a:spLocks noGrp="1"/>
+          </p:cNvSpPr>
+          <p:nvPr>
+            <p:ph type="ftr" sz="quarter" idx="11"/>
+          </p:nvPr>
+        </p:nvSpPr>
+        <p:spPr/>
+        <p:txBody>
+          <a:bodyPr/>
+          <a:lstStyle/>
+          <a:p>
+            <a:r>
+              <a:rPr lang="nl-NL"/>
+              <a:t>Context and dependency injection</a:t>
+            </a:r>
+          </a:p>
+        </p:txBody>
+      </p:sp>
     </p:spTree>
     <p:extLst>
       <p:ext uri="{BB962C8B-B14F-4D97-AF65-F5344CB8AC3E}">
@@ -8252,63 +8429,6 @@
           </a:p>
         </p:txBody>
       </p:sp>
-      <p:sp>
-        <p:nvSpPr>
-          <p:cNvPr id="4" name="Footer Placeholder 3">
-            <a:extLst>
-              <a:ext uri="{FF2B5EF4-FFF2-40B4-BE49-F238E27FC236}">
-                <a16:creationId xmlns:a16="http://schemas.microsoft.com/office/drawing/2014/main" id="{65DC9307-9047-4F1C-A8DC-04DCC8C10D7B}"/>
-              </a:ext>
-            </a:extLst>
-          </p:cNvPr>
-          <p:cNvSpPr>
-            <a:spLocks noGrp="1"/>
-          </p:cNvSpPr>
-          <p:nvPr>
-            <p:ph type="ftr" sz="quarter" idx="11"/>
-          </p:nvPr>
-        </p:nvSpPr>
-        <p:spPr/>
-        <p:txBody>
-          <a:bodyPr/>
-          <a:lstStyle/>
-          <a:p>
-            <a:r>
-              <a:rPr lang="nl-NL"/>
-              <a:t>Titel van de presentatie</a:t>
-            </a:r>
-          </a:p>
-        </p:txBody>
-      </p:sp>
-      <p:sp>
-        <p:nvSpPr>
-          <p:cNvPr id="5" name="Slide Number Placeholder 4">
-            <a:extLst>
-              <a:ext uri="{FF2B5EF4-FFF2-40B4-BE49-F238E27FC236}">
-                <a16:creationId xmlns:a16="http://schemas.microsoft.com/office/drawing/2014/main" id="{43265D5D-1FA0-4E46-B514-951727A831FD}"/>
-              </a:ext>
-            </a:extLst>
-          </p:cNvPr>
-          <p:cNvSpPr>
-            <a:spLocks noGrp="1"/>
-          </p:cNvSpPr>
-          <p:nvPr>
-            <p:ph type="sldNum" sz="quarter" idx="12"/>
-          </p:nvPr>
-        </p:nvSpPr>
-        <p:spPr/>
-        <p:txBody>
-          <a:bodyPr/>
-          <a:lstStyle/>
-          <a:p>
-            <a:fld id="{14F1411D-0280-154F-AEAC-4C20B7AA46B2}" type="slidenum">
-              <a:rPr lang="nl-NL" smtClean="0"/>
-              <a:t>19</a:t>
-            </a:fld>
-            <a:endParaRPr lang="nl-NL"/>
-          </a:p>
-        </p:txBody>
-      </p:sp>
       <p:pic>
         <p:nvPicPr>
           <p:cNvPr id="7" name="Picture 6">
@@ -8369,6 +8489,63 @@
           </a:prstGeom>
         </p:spPr>
       </p:pic>
+      <p:sp>
+        <p:nvSpPr>
+          <p:cNvPr id="9" name="Slide Number Placeholder 8">
+            <a:extLst>
+              <a:ext uri="{FF2B5EF4-FFF2-40B4-BE49-F238E27FC236}">
+                <a16:creationId xmlns:a16="http://schemas.microsoft.com/office/drawing/2014/main" id="{9F2567FB-14B5-4637-AC40-B8C6FDA87E67}"/>
+              </a:ext>
+            </a:extLst>
+          </p:cNvPr>
+          <p:cNvSpPr>
+            <a:spLocks noGrp="1"/>
+          </p:cNvSpPr>
+          <p:nvPr>
+            <p:ph type="sldNum" sz="quarter" idx="12"/>
+          </p:nvPr>
+        </p:nvSpPr>
+        <p:spPr/>
+        <p:txBody>
+          <a:bodyPr/>
+          <a:lstStyle/>
+          <a:p>
+            <a:fld id="{14F1411D-0280-154F-AEAC-4C20B7AA46B2}" type="slidenum">
+              <a:rPr lang="nl-NL" smtClean="0"/>
+              <a:t>19</a:t>
+            </a:fld>
+            <a:endParaRPr lang="nl-NL"/>
+          </a:p>
+        </p:txBody>
+      </p:sp>
+      <p:sp>
+        <p:nvSpPr>
+          <p:cNvPr id="11" name="Footer Placeholder 10">
+            <a:extLst>
+              <a:ext uri="{FF2B5EF4-FFF2-40B4-BE49-F238E27FC236}">
+                <a16:creationId xmlns:a16="http://schemas.microsoft.com/office/drawing/2014/main" id="{1D9656D5-FB87-4ADF-A0B2-85C289457F6F}"/>
+              </a:ext>
+            </a:extLst>
+          </p:cNvPr>
+          <p:cNvSpPr>
+            <a:spLocks noGrp="1"/>
+          </p:cNvSpPr>
+          <p:nvPr>
+            <p:ph type="ftr" sz="quarter" idx="11"/>
+          </p:nvPr>
+        </p:nvSpPr>
+        <p:spPr/>
+        <p:txBody>
+          <a:bodyPr/>
+          <a:lstStyle/>
+          <a:p>
+            <a:r>
+              <a:rPr lang="nl-NL"/>
+              <a:t>Context and dependency injection</a:t>
+            </a:r>
+          </a:p>
+        </p:txBody>
+      </p:sp>
     </p:spTree>
     <p:extLst>
       <p:ext uri="{BB962C8B-B14F-4D97-AF65-F5344CB8AC3E}">
@@ -8562,6 +8739,63 @@
           </a:prstGeom>
         </p:spPr>
       </p:pic>
+      <p:sp>
+        <p:nvSpPr>
+          <p:cNvPr id="5" name="Slide Number Placeholder 4">
+            <a:extLst>
+              <a:ext uri="{FF2B5EF4-FFF2-40B4-BE49-F238E27FC236}">
+                <a16:creationId xmlns:a16="http://schemas.microsoft.com/office/drawing/2014/main" id="{C588A99D-7E4F-4155-9872-66C9330A660F}"/>
+              </a:ext>
+            </a:extLst>
+          </p:cNvPr>
+          <p:cNvSpPr>
+            <a:spLocks noGrp="1"/>
+          </p:cNvSpPr>
+          <p:nvPr>
+            <p:ph type="sldNum" sz="quarter" idx="12"/>
+          </p:nvPr>
+        </p:nvSpPr>
+        <p:spPr/>
+        <p:txBody>
+          <a:bodyPr/>
+          <a:lstStyle/>
+          <a:p>
+            <a:fld id="{14F1411D-0280-154F-AEAC-4C20B7AA46B2}" type="slidenum">
+              <a:rPr lang="nl-NL" smtClean="0"/>
+              <a:t>2</a:t>
+            </a:fld>
+            <a:endParaRPr lang="nl-NL"/>
+          </a:p>
+        </p:txBody>
+      </p:sp>
+      <p:sp>
+        <p:nvSpPr>
+          <p:cNvPr id="6" name="Footer Placeholder 5">
+            <a:extLst>
+              <a:ext uri="{FF2B5EF4-FFF2-40B4-BE49-F238E27FC236}">
+                <a16:creationId xmlns:a16="http://schemas.microsoft.com/office/drawing/2014/main" id="{63BC8D9D-190C-4959-9874-2F0498E47FF8}"/>
+              </a:ext>
+            </a:extLst>
+          </p:cNvPr>
+          <p:cNvSpPr>
+            <a:spLocks noGrp="1"/>
+          </p:cNvSpPr>
+          <p:nvPr>
+            <p:ph type="ftr" sz="quarter" idx="11"/>
+          </p:nvPr>
+        </p:nvSpPr>
+        <p:spPr/>
+        <p:txBody>
+          <a:bodyPr/>
+          <a:lstStyle/>
+          <a:p>
+            <a:r>
+              <a:rPr lang="nl-NL"/>
+              <a:t>Context and dependency injection</a:t>
+            </a:r>
+          </a:p>
+        </p:txBody>
+      </p:sp>
     </p:spTree>
     <p:extLst>
       <p:ext uri="{BB962C8B-B14F-4D97-AF65-F5344CB8AC3E}">
@@ -8633,63 +8867,6 @@
           </a:p>
         </p:txBody>
       </p:sp>
-      <p:sp>
-        <p:nvSpPr>
-          <p:cNvPr id="4" name="Footer Placeholder 3">
-            <a:extLst>
-              <a:ext uri="{FF2B5EF4-FFF2-40B4-BE49-F238E27FC236}">
-                <a16:creationId xmlns:a16="http://schemas.microsoft.com/office/drawing/2014/main" id="{65DC9307-9047-4F1C-A8DC-04DCC8C10D7B}"/>
-              </a:ext>
-            </a:extLst>
-          </p:cNvPr>
-          <p:cNvSpPr>
-            <a:spLocks noGrp="1"/>
-          </p:cNvSpPr>
-          <p:nvPr>
-            <p:ph type="ftr" sz="quarter" idx="11"/>
-          </p:nvPr>
-        </p:nvSpPr>
-        <p:spPr/>
-        <p:txBody>
-          <a:bodyPr/>
-          <a:lstStyle/>
-          <a:p>
-            <a:r>
-              <a:rPr lang="nl-NL"/>
-              <a:t>Titel van de presentatie</a:t>
-            </a:r>
-          </a:p>
-        </p:txBody>
-      </p:sp>
-      <p:sp>
-        <p:nvSpPr>
-          <p:cNvPr id="5" name="Slide Number Placeholder 4">
-            <a:extLst>
-              <a:ext uri="{FF2B5EF4-FFF2-40B4-BE49-F238E27FC236}">
-                <a16:creationId xmlns:a16="http://schemas.microsoft.com/office/drawing/2014/main" id="{43265D5D-1FA0-4E46-B514-951727A831FD}"/>
-              </a:ext>
-            </a:extLst>
-          </p:cNvPr>
-          <p:cNvSpPr>
-            <a:spLocks noGrp="1"/>
-          </p:cNvSpPr>
-          <p:nvPr>
-            <p:ph type="sldNum" sz="quarter" idx="12"/>
-          </p:nvPr>
-        </p:nvSpPr>
-        <p:spPr/>
-        <p:txBody>
-          <a:bodyPr/>
-          <a:lstStyle/>
-          <a:p>
-            <a:fld id="{14F1411D-0280-154F-AEAC-4C20B7AA46B2}" type="slidenum">
-              <a:rPr lang="nl-NL" smtClean="0"/>
-              <a:t>20</a:t>
-            </a:fld>
-            <a:endParaRPr lang="nl-NL"/>
-          </a:p>
-        </p:txBody>
-      </p:sp>
       <p:pic>
         <p:nvPicPr>
           <p:cNvPr id="6" name="Picture 5">
@@ -8720,6 +8897,63 @@
           </a:prstGeom>
         </p:spPr>
       </p:pic>
+      <p:sp>
+        <p:nvSpPr>
+          <p:cNvPr id="9" name="Slide Number Placeholder 8">
+            <a:extLst>
+              <a:ext uri="{FF2B5EF4-FFF2-40B4-BE49-F238E27FC236}">
+                <a16:creationId xmlns:a16="http://schemas.microsoft.com/office/drawing/2014/main" id="{B023C7A8-6285-449D-A3E7-50A47FF77B85}"/>
+              </a:ext>
+            </a:extLst>
+          </p:cNvPr>
+          <p:cNvSpPr>
+            <a:spLocks noGrp="1"/>
+          </p:cNvSpPr>
+          <p:nvPr>
+            <p:ph type="sldNum" sz="quarter" idx="12"/>
+          </p:nvPr>
+        </p:nvSpPr>
+        <p:spPr/>
+        <p:txBody>
+          <a:bodyPr/>
+          <a:lstStyle/>
+          <a:p>
+            <a:fld id="{14F1411D-0280-154F-AEAC-4C20B7AA46B2}" type="slidenum">
+              <a:rPr lang="nl-NL" smtClean="0"/>
+              <a:t>20</a:t>
+            </a:fld>
+            <a:endParaRPr lang="nl-NL"/>
+          </a:p>
+        </p:txBody>
+      </p:sp>
+      <p:sp>
+        <p:nvSpPr>
+          <p:cNvPr id="10" name="Footer Placeholder 9">
+            <a:extLst>
+              <a:ext uri="{FF2B5EF4-FFF2-40B4-BE49-F238E27FC236}">
+                <a16:creationId xmlns:a16="http://schemas.microsoft.com/office/drawing/2014/main" id="{4DD74944-26C7-4797-8EDA-CBCEFB524C33}"/>
+              </a:ext>
+            </a:extLst>
+          </p:cNvPr>
+          <p:cNvSpPr>
+            <a:spLocks noGrp="1"/>
+          </p:cNvSpPr>
+          <p:nvPr>
+            <p:ph type="ftr" sz="quarter" idx="11"/>
+          </p:nvPr>
+        </p:nvSpPr>
+        <p:spPr/>
+        <p:txBody>
+          <a:bodyPr/>
+          <a:lstStyle/>
+          <a:p>
+            <a:r>
+              <a:rPr lang="nl-NL"/>
+              <a:t>Context and dependency injection</a:t>
+            </a:r>
+          </a:p>
+        </p:txBody>
+      </p:sp>
     </p:spTree>
     <p:extLst>
       <p:ext uri="{BB962C8B-B14F-4D97-AF65-F5344CB8AC3E}">
@@ -8807,63 +9041,6 @@
           </a:p>
         </p:txBody>
       </p:sp>
-      <p:sp>
-        <p:nvSpPr>
-          <p:cNvPr id="4" name="Footer Placeholder 3">
-            <a:extLst>
-              <a:ext uri="{FF2B5EF4-FFF2-40B4-BE49-F238E27FC236}">
-                <a16:creationId xmlns:a16="http://schemas.microsoft.com/office/drawing/2014/main" id="{6579EEB8-FD41-4835-A1CF-47E5858B36CF}"/>
-              </a:ext>
-            </a:extLst>
-          </p:cNvPr>
-          <p:cNvSpPr>
-            <a:spLocks noGrp="1"/>
-          </p:cNvSpPr>
-          <p:nvPr>
-            <p:ph type="ftr" sz="quarter" idx="11"/>
-          </p:nvPr>
-        </p:nvSpPr>
-        <p:spPr/>
-        <p:txBody>
-          <a:bodyPr/>
-          <a:lstStyle/>
-          <a:p>
-            <a:r>
-              <a:rPr lang="nl-NL"/>
-              <a:t>Titel van de presentatie</a:t>
-            </a:r>
-          </a:p>
-        </p:txBody>
-      </p:sp>
-      <p:sp>
-        <p:nvSpPr>
-          <p:cNvPr id="5" name="Slide Number Placeholder 4">
-            <a:extLst>
-              <a:ext uri="{FF2B5EF4-FFF2-40B4-BE49-F238E27FC236}">
-                <a16:creationId xmlns:a16="http://schemas.microsoft.com/office/drawing/2014/main" id="{194325EE-BEC7-4F7C-A9B7-DA98E365B88A}"/>
-              </a:ext>
-            </a:extLst>
-          </p:cNvPr>
-          <p:cNvSpPr>
-            <a:spLocks noGrp="1"/>
-          </p:cNvSpPr>
-          <p:nvPr>
-            <p:ph type="sldNum" sz="quarter" idx="12"/>
-          </p:nvPr>
-        </p:nvSpPr>
-        <p:spPr/>
-        <p:txBody>
-          <a:bodyPr/>
-          <a:lstStyle/>
-          <a:p>
-            <a:fld id="{14F1411D-0280-154F-AEAC-4C20B7AA46B2}" type="slidenum">
-              <a:rPr lang="nl-NL" smtClean="0"/>
-              <a:t>21</a:t>
-            </a:fld>
-            <a:endParaRPr lang="nl-NL"/>
-          </a:p>
-        </p:txBody>
-      </p:sp>
       <p:pic>
         <p:nvPicPr>
           <p:cNvPr id="6" name="Picture 5">
@@ -8954,6 +9131,63 @@
           </a:prstGeom>
         </p:spPr>
       </p:pic>
+      <p:sp>
+        <p:nvSpPr>
+          <p:cNvPr id="11" name="Slide Number Placeholder 10">
+            <a:extLst>
+              <a:ext uri="{FF2B5EF4-FFF2-40B4-BE49-F238E27FC236}">
+                <a16:creationId xmlns:a16="http://schemas.microsoft.com/office/drawing/2014/main" id="{C2C80039-95BA-4B1F-9140-2F9BAC8B5962}"/>
+              </a:ext>
+            </a:extLst>
+          </p:cNvPr>
+          <p:cNvSpPr>
+            <a:spLocks noGrp="1"/>
+          </p:cNvSpPr>
+          <p:nvPr>
+            <p:ph type="sldNum" sz="quarter" idx="12"/>
+          </p:nvPr>
+        </p:nvSpPr>
+        <p:spPr/>
+        <p:txBody>
+          <a:bodyPr/>
+          <a:lstStyle/>
+          <a:p>
+            <a:fld id="{14F1411D-0280-154F-AEAC-4C20B7AA46B2}" type="slidenum">
+              <a:rPr lang="nl-NL" smtClean="0"/>
+              <a:t>21</a:t>
+            </a:fld>
+            <a:endParaRPr lang="nl-NL"/>
+          </a:p>
+        </p:txBody>
+      </p:sp>
+      <p:sp>
+        <p:nvSpPr>
+          <p:cNvPr id="12" name="Footer Placeholder 11">
+            <a:extLst>
+              <a:ext uri="{FF2B5EF4-FFF2-40B4-BE49-F238E27FC236}">
+                <a16:creationId xmlns:a16="http://schemas.microsoft.com/office/drawing/2014/main" id="{1A38EB2B-025A-4EF1-86BC-431B3C5F09CE}"/>
+              </a:ext>
+            </a:extLst>
+          </p:cNvPr>
+          <p:cNvSpPr>
+            <a:spLocks noGrp="1"/>
+          </p:cNvSpPr>
+          <p:nvPr>
+            <p:ph type="ftr" sz="quarter" idx="11"/>
+          </p:nvPr>
+        </p:nvSpPr>
+        <p:spPr/>
+        <p:txBody>
+          <a:bodyPr/>
+          <a:lstStyle/>
+          <a:p>
+            <a:r>
+              <a:rPr lang="nl-NL"/>
+              <a:t>Context and dependency injection</a:t>
+            </a:r>
+          </a:p>
+        </p:txBody>
+      </p:sp>
     </p:spTree>
     <p:extLst>
       <p:ext uri="{BB962C8B-B14F-4D97-AF65-F5344CB8AC3E}">
@@ -9010,63 +9244,6 @@
               <a:t>Conflicts : how to wire the correct beans</a:t>
             </a:r>
             <a:endParaRPr lang="en-NL" dirty="0"/>
-          </a:p>
-        </p:txBody>
-      </p:sp>
-      <p:sp>
-        <p:nvSpPr>
-          <p:cNvPr id="4" name="Footer Placeholder 3">
-            <a:extLst>
-              <a:ext uri="{FF2B5EF4-FFF2-40B4-BE49-F238E27FC236}">
-                <a16:creationId xmlns:a16="http://schemas.microsoft.com/office/drawing/2014/main" id="{881454AF-7D1F-475A-B54E-E4FC4C43B12F}"/>
-              </a:ext>
-            </a:extLst>
-          </p:cNvPr>
-          <p:cNvSpPr>
-            <a:spLocks noGrp="1"/>
-          </p:cNvSpPr>
-          <p:nvPr>
-            <p:ph type="ftr" sz="quarter" idx="11"/>
-          </p:nvPr>
-        </p:nvSpPr>
-        <p:spPr/>
-        <p:txBody>
-          <a:bodyPr/>
-          <a:lstStyle/>
-          <a:p>
-            <a:r>
-              <a:rPr lang="nl-NL"/>
-              <a:t>Titel van de presentatie</a:t>
-            </a:r>
-          </a:p>
-        </p:txBody>
-      </p:sp>
-      <p:sp>
-        <p:nvSpPr>
-          <p:cNvPr id="5" name="Slide Number Placeholder 4">
-            <a:extLst>
-              <a:ext uri="{FF2B5EF4-FFF2-40B4-BE49-F238E27FC236}">
-                <a16:creationId xmlns:a16="http://schemas.microsoft.com/office/drawing/2014/main" id="{A39C8DE9-C758-4F0F-93F0-6EA48810A745}"/>
-              </a:ext>
-            </a:extLst>
-          </p:cNvPr>
-          <p:cNvSpPr>
-            <a:spLocks noGrp="1"/>
-          </p:cNvSpPr>
-          <p:nvPr>
-            <p:ph type="sldNum" sz="quarter" idx="12"/>
-          </p:nvPr>
-        </p:nvSpPr>
-        <p:spPr/>
-        <p:txBody>
-          <a:bodyPr/>
-          <a:lstStyle/>
-          <a:p>
-            <a:fld id="{14F1411D-0280-154F-AEAC-4C20B7AA46B2}" type="slidenum">
-              <a:rPr lang="nl-NL" smtClean="0"/>
-              <a:t>22</a:t>
-            </a:fld>
-            <a:endParaRPr lang="nl-NL"/>
           </a:p>
         </p:txBody>
       </p:sp>
@@ -9293,6 +9470,63 @@
           </a:p>
         </p:txBody>
       </p:sp>
+      <p:sp>
+        <p:nvSpPr>
+          <p:cNvPr id="13" name="Slide Number Placeholder 12">
+            <a:extLst>
+              <a:ext uri="{FF2B5EF4-FFF2-40B4-BE49-F238E27FC236}">
+                <a16:creationId xmlns:a16="http://schemas.microsoft.com/office/drawing/2014/main" id="{0050DBE4-0055-4882-83DE-3E7702929B2A}"/>
+              </a:ext>
+            </a:extLst>
+          </p:cNvPr>
+          <p:cNvSpPr>
+            <a:spLocks noGrp="1"/>
+          </p:cNvSpPr>
+          <p:nvPr>
+            <p:ph type="sldNum" sz="quarter" idx="12"/>
+          </p:nvPr>
+        </p:nvSpPr>
+        <p:spPr/>
+        <p:txBody>
+          <a:bodyPr/>
+          <a:lstStyle/>
+          <a:p>
+            <a:fld id="{14F1411D-0280-154F-AEAC-4C20B7AA46B2}" type="slidenum">
+              <a:rPr lang="nl-NL" smtClean="0"/>
+              <a:t>22</a:t>
+            </a:fld>
+            <a:endParaRPr lang="nl-NL"/>
+          </a:p>
+        </p:txBody>
+      </p:sp>
+      <p:sp>
+        <p:nvSpPr>
+          <p:cNvPr id="14" name="Footer Placeholder 13">
+            <a:extLst>
+              <a:ext uri="{FF2B5EF4-FFF2-40B4-BE49-F238E27FC236}">
+                <a16:creationId xmlns:a16="http://schemas.microsoft.com/office/drawing/2014/main" id="{2A4A7EEE-4ADF-4074-A2E3-4D65B212B0C5}"/>
+              </a:ext>
+            </a:extLst>
+          </p:cNvPr>
+          <p:cNvSpPr>
+            <a:spLocks noGrp="1"/>
+          </p:cNvSpPr>
+          <p:nvPr>
+            <p:ph type="ftr" sz="quarter" idx="11"/>
+          </p:nvPr>
+        </p:nvSpPr>
+        <p:spPr/>
+        <p:txBody>
+          <a:bodyPr/>
+          <a:lstStyle/>
+          <a:p>
+            <a:r>
+              <a:rPr lang="nl-NL"/>
+              <a:t>Context and dependency injection</a:t>
+            </a:r>
+          </a:p>
+        </p:txBody>
+      </p:sp>
     </p:spTree>
     <p:extLst>
       <p:ext uri="{BB962C8B-B14F-4D97-AF65-F5344CB8AC3E}">
@@ -9352,63 +9586,6 @@
           </a:p>
         </p:txBody>
       </p:sp>
-      <p:sp>
-        <p:nvSpPr>
-          <p:cNvPr id="4" name="Footer Placeholder 3">
-            <a:extLst>
-              <a:ext uri="{FF2B5EF4-FFF2-40B4-BE49-F238E27FC236}">
-                <a16:creationId xmlns:a16="http://schemas.microsoft.com/office/drawing/2014/main" id="{881454AF-7D1F-475A-B54E-E4FC4C43B12F}"/>
-              </a:ext>
-            </a:extLst>
-          </p:cNvPr>
-          <p:cNvSpPr>
-            <a:spLocks noGrp="1"/>
-          </p:cNvSpPr>
-          <p:nvPr>
-            <p:ph type="ftr" sz="quarter" idx="11"/>
-          </p:nvPr>
-        </p:nvSpPr>
-        <p:spPr/>
-        <p:txBody>
-          <a:bodyPr/>
-          <a:lstStyle/>
-          <a:p>
-            <a:r>
-              <a:rPr lang="nl-NL"/>
-              <a:t>Titel van de presentatie</a:t>
-            </a:r>
-          </a:p>
-        </p:txBody>
-      </p:sp>
-      <p:sp>
-        <p:nvSpPr>
-          <p:cNvPr id="5" name="Slide Number Placeholder 4">
-            <a:extLst>
-              <a:ext uri="{FF2B5EF4-FFF2-40B4-BE49-F238E27FC236}">
-                <a16:creationId xmlns:a16="http://schemas.microsoft.com/office/drawing/2014/main" id="{A39C8DE9-C758-4F0F-93F0-6EA48810A745}"/>
-              </a:ext>
-            </a:extLst>
-          </p:cNvPr>
-          <p:cNvSpPr>
-            <a:spLocks noGrp="1"/>
-          </p:cNvSpPr>
-          <p:nvPr>
-            <p:ph type="sldNum" sz="quarter" idx="12"/>
-          </p:nvPr>
-        </p:nvSpPr>
-        <p:spPr/>
-        <p:txBody>
-          <a:bodyPr/>
-          <a:lstStyle/>
-          <a:p>
-            <a:fld id="{14F1411D-0280-154F-AEAC-4C20B7AA46B2}" type="slidenum">
-              <a:rPr lang="nl-NL" smtClean="0"/>
-              <a:t>23</a:t>
-            </a:fld>
-            <a:endParaRPr lang="nl-NL"/>
-          </a:p>
-        </p:txBody>
-      </p:sp>
       <p:pic>
         <p:nvPicPr>
           <p:cNvPr id="6" name="Picture 5">
@@ -9469,6 +9646,63 @@
           </a:prstGeom>
         </p:spPr>
       </p:pic>
+      <p:sp>
+        <p:nvSpPr>
+          <p:cNvPr id="10" name="Slide Number Placeholder 9">
+            <a:extLst>
+              <a:ext uri="{FF2B5EF4-FFF2-40B4-BE49-F238E27FC236}">
+                <a16:creationId xmlns:a16="http://schemas.microsoft.com/office/drawing/2014/main" id="{9B64B849-C0F0-426A-9BFA-480CE5683A25}"/>
+              </a:ext>
+            </a:extLst>
+          </p:cNvPr>
+          <p:cNvSpPr>
+            <a:spLocks noGrp="1"/>
+          </p:cNvSpPr>
+          <p:nvPr>
+            <p:ph type="sldNum" sz="quarter" idx="12"/>
+          </p:nvPr>
+        </p:nvSpPr>
+        <p:spPr/>
+        <p:txBody>
+          <a:bodyPr/>
+          <a:lstStyle/>
+          <a:p>
+            <a:fld id="{14F1411D-0280-154F-AEAC-4C20B7AA46B2}" type="slidenum">
+              <a:rPr lang="nl-NL" smtClean="0"/>
+              <a:t>23</a:t>
+            </a:fld>
+            <a:endParaRPr lang="nl-NL"/>
+          </a:p>
+        </p:txBody>
+      </p:sp>
+      <p:sp>
+        <p:nvSpPr>
+          <p:cNvPr id="11" name="Footer Placeholder 10">
+            <a:extLst>
+              <a:ext uri="{FF2B5EF4-FFF2-40B4-BE49-F238E27FC236}">
+                <a16:creationId xmlns:a16="http://schemas.microsoft.com/office/drawing/2014/main" id="{D9F0BD04-3E80-4848-993F-265A8E930716}"/>
+              </a:ext>
+            </a:extLst>
+          </p:cNvPr>
+          <p:cNvSpPr>
+            <a:spLocks noGrp="1"/>
+          </p:cNvSpPr>
+          <p:nvPr>
+            <p:ph type="ftr" sz="quarter" idx="11"/>
+          </p:nvPr>
+        </p:nvSpPr>
+        <p:spPr/>
+        <p:txBody>
+          <a:bodyPr/>
+          <a:lstStyle/>
+          <a:p>
+            <a:r>
+              <a:rPr lang="nl-NL"/>
+              <a:t>Context and dependency injection</a:t>
+            </a:r>
+          </a:p>
+        </p:txBody>
+      </p:sp>
     </p:spTree>
     <p:extLst>
       <p:ext uri="{BB962C8B-B14F-4D97-AF65-F5344CB8AC3E}">
@@ -9529,63 +9763,6 @@
               <a:t>Qualifier</a:t>
             </a:r>
             <a:endParaRPr lang="en-NL" dirty="0"/>
-          </a:p>
-        </p:txBody>
-      </p:sp>
-      <p:sp>
-        <p:nvSpPr>
-          <p:cNvPr id="4" name="Footer Placeholder 3">
-            <a:extLst>
-              <a:ext uri="{FF2B5EF4-FFF2-40B4-BE49-F238E27FC236}">
-                <a16:creationId xmlns:a16="http://schemas.microsoft.com/office/drawing/2014/main" id="{A54C0CBC-D08A-4772-BCB9-E5FEBC894BF7}"/>
-              </a:ext>
-            </a:extLst>
-          </p:cNvPr>
-          <p:cNvSpPr>
-            <a:spLocks noGrp="1"/>
-          </p:cNvSpPr>
-          <p:nvPr>
-            <p:ph type="ftr" sz="quarter" idx="11"/>
-          </p:nvPr>
-        </p:nvSpPr>
-        <p:spPr/>
-        <p:txBody>
-          <a:bodyPr/>
-          <a:lstStyle/>
-          <a:p>
-            <a:r>
-              <a:rPr lang="nl-NL"/>
-              <a:t>Titel van de presentatie</a:t>
-            </a:r>
-          </a:p>
-        </p:txBody>
-      </p:sp>
-      <p:sp>
-        <p:nvSpPr>
-          <p:cNvPr id="5" name="Slide Number Placeholder 4">
-            <a:extLst>
-              <a:ext uri="{FF2B5EF4-FFF2-40B4-BE49-F238E27FC236}">
-                <a16:creationId xmlns:a16="http://schemas.microsoft.com/office/drawing/2014/main" id="{FF279449-18D0-4F03-B8C2-92F7EC196B07}"/>
-              </a:ext>
-            </a:extLst>
-          </p:cNvPr>
-          <p:cNvSpPr>
-            <a:spLocks noGrp="1"/>
-          </p:cNvSpPr>
-          <p:nvPr>
-            <p:ph type="sldNum" sz="quarter" idx="12"/>
-          </p:nvPr>
-        </p:nvSpPr>
-        <p:spPr/>
-        <p:txBody>
-          <a:bodyPr/>
-          <a:lstStyle/>
-          <a:p>
-            <a:fld id="{14F1411D-0280-154F-AEAC-4C20B7AA46B2}" type="slidenum">
-              <a:rPr lang="nl-NL" smtClean="0"/>
-              <a:t>24</a:t>
-            </a:fld>
-            <a:endParaRPr lang="nl-NL"/>
           </a:p>
         </p:txBody>
       </p:sp>
@@ -9723,6 +9900,63 @@
           </a:fontRef>
         </p:style>
       </p:cxnSp>
+      <p:sp>
+        <p:nvSpPr>
+          <p:cNvPr id="12" name="Slide Number Placeholder 11">
+            <a:extLst>
+              <a:ext uri="{FF2B5EF4-FFF2-40B4-BE49-F238E27FC236}">
+                <a16:creationId xmlns:a16="http://schemas.microsoft.com/office/drawing/2014/main" id="{032E80E0-A183-4562-A031-E9059E4DB0C8}"/>
+              </a:ext>
+            </a:extLst>
+          </p:cNvPr>
+          <p:cNvSpPr>
+            <a:spLocks noGrp="1"/>
+          </p:cNvSpPr>
+          <p:nvPr>
+            <p:ph type="sldNum" sz="quarter" idx="12"/>
+          </p:nvPr>
+        </p:nvSpPr>
+        <p:spPr/>
+        <p:txBody>
+          <a:bodyPr/>
+          <a:lstStyle/>
+          <a:p>
+            <a:fld id="{14F1411D-0280-154F-AEAC-4C20B7AA46B2}" type="slidenum">
+              <a:rPr lang="nl-NL" smtClean="0"/>
+              <a:t>24</a:t>
+            </a:fld>
+            <a:endParaRPr lang="nl-NL"/>
+          </a:p>
+        </p:txBody>
+      </p:sp>
+      <p:sp>
+        <p:nvSpPr>
+          <p:cNvPr id="13" name="Footer Placeholder 12">
+            <a:extLst>
+              <a:ext uri="{FF2B5EF4-FFF2-40B4-BE49-F238E27FC236}">
+                <a16:creationId xmlns:a16="http://schemas.microsoft.com/office/drawing/2014/main" id="{83852B02-92CE-47A4-9AF4-7A4B5E4BCCA0}"/>
+              </a:ext>
+            </a:extLst>
+          </p:cNvPr>
+          <p:cNvSpPr>
+            <a:spLocks noGrp="1"/>
+          </p:cNvSpPr>
+          <p:nvPr>
+            <p:ph type="ftr" sz="quarter" idx="11"/>
+          </p:nvPr>
+        </p:nvSpPr>
+        <p:spPr/>
+        <p:txBody>
+          <a:bodyPr/>
+          <a:lstStyle/>
+          <a:p>
+            <a:r>
+              <a:rPr lang="nl-NL"/>
+              <a:t>Context and dependency injection</a:t>
+            </a:r>
+          </a:p>
+        </p:txBody>
+      </p:sp>
     </p:spTree>
     <p:extLst>
       <p:ext uri="{BB962C8B-B14F-4D97-AF65-F5344CB8AC3E}">
@@ -9791,63 +10025,6 @@
               <a:t> (default) name</a:t>
             </a:r>
             <a:endParaRPr lang="en-NL" dirty="0"/>
-          </a:p>
-        </p:txBody>
-      </p:sp>
-      <p:sp>
-        <p:nvSpPr>
-          <p:cNvPr id="4" name="Footer Placeholder 3">
-            <a:extLst>
-              <a:ext uri="{FF2B5EF4-FFF2-40B4-BE49-F238E27FC236}">
-                <a16:creationId xmlns:a16="http://schemas.microsoft.com/office/drawing/2014/main" id="{1B52FCC4-670B-47D0-8619-415B408CC125}"/>
-              </a:ext>
-            </a:extLst>
-          </p:cNvPr>
-          <p:cNvSpPr>
-            <a:spLocks noGrp="1"/>
-          </p:cNvSpPr>
-          <p:nvPr>
-            <p:ph type="ftr" sz="quarter" idx="11"/>
-          </p:nvPr>
-        </p:nvSpPr>
-        <p:spPr/>
-        <p:txBody>
-          <a:bodyPr/>
-          <a:lstStyle/>
-          <a:p>
-            <a:r>
-              <a:rPr lang="nl-NL"/>
-              <a:t>Titel van de presentatie</a:t>
-            </a:r>
-          </a:p>
-        </p:txBody>
-      </p:sp>
-      <p:sp>
-        <p:nvSpPr>
-          <p:cNvPr id="5" name="Slide Number Placeholder 4">
-            <a:extLst>
-              <a:ext uri="{FF2B5EF4-FFF2-40B4-BE49-F238E27FC236}">
-                <a16:creationId xmlns:a16="http://schemas.microsoft.com/office/drawing/2014/main" id="{AAA9FAA8-0FEC-43B4-A32E-C83F03568074}"/>
-              </a:ext>
-            </a:extLst>
-          </p:cNvPr>
-          <p:cNvSpPr>
-            <a:spLocks noGrp="1"/>
-          </p:cNvSpPr>
-          <p:nvPr>
-            <p:ph type="sldNum" sz="quarter" idx="12"/>
-          </p:nvPr>
-        </p:nvSpPr>
-        <p:spPr/>
-        <p:txBody>
-          <a:bodyPr/>
-          <a:lstStyle/>
-          <a:p>
-            <a:fld id="{14F1411D-0280-154F-AEAC-4C20B7AA46B2}" type="slidenum">
-              <a:rPr lang="nl-NL" smtClean="0"/>
-              <a:t>25</a:t>
-            </a:fld>
-            <a:endParaRPr lang="nl-NL"/>
           </a:p>
         </p:txBody>
       </p:sp>
@@ -10041,312 +10218,67 @@
           </a:p>
         </p:txBody>
       </p:sp>
+      <p:sp>
+        <p:nvSpPr>
+          <p:cNvPr id="12" name="Slide Number Placeholder 11">
+            <a:extLst>
+              <a:ext uri="{FF2B5EF4-FFF2-40B4-BE49-F238E27FC236}">
+                <a16:creationId xmlns:a16="http://schemas.microsoft.com/office/drawing/2014/main" id="{184C4772-4E23-4140-8D11-6B3E22E13DD6}"/>
+              </a:ext>
+            </a:extLst>
+          </p:cNvPr>
+          <p:cNvSpPr>
+            <a:spLocks noGrp="1"/>
+          </p:cNvSpPr>
+          <p:nvPr>
+            <p:ph type="sldNum" sz="quarter" idx="12"/>
+          </p:nvPr>
+        </p:nvSpPr>
+        <p:spPr/>
+        <p:txBody>
+          <a:bodyPr/>
+          <a:lstStyle/>
+          <a:p>
+            <a:fld id="{14F1411D-0280-154F-AEAC-4C20B7AA46B2}" type="slidenum">
+              <a:rPr lang="nl-NL" smtClean="0"/>
+              <a:t>25</a:t>
+            </a:fld>
+            <a:endParaRPr lang="nl-NL"/>
+          </a:p>
+        </p:txBody>
+      </p:sp>
+      <p:sp>
+        <p:nvSpPr>
+          <p:cNvPr id="13" name="Footer Placeholder 12">
+            <a:extLst>
+              <a:ext uri="{FF2B5EF4-FFF2-40B4-BE49-F238E27FC236}">
+                <a16:creationId xmlns:a16="http://schemas.microsoft.com/office/drawing/2014/main" id="{056F5E68-BDB8-4DE3-BEDE-D9EA4F9F582A}"/>
+              </a:ext>
+            </a:extLst>
+          </p:cNvPr>
+          <p:cNvSpPr>
+            <a:spLocks noGrp="1"/>
+          </p:cNvSpPr>
+          <p:nvPr>
+            <p:ph type="ftr" sz="quarter" idx="11"/>
+          </p:nvPr>
+        </p:nvSpPr>
+        <p:spPr/>
+        <p:txBody>
+          <a:bodyPr/>
+          <a:lstStyle/>
+          <a:p>
+            <a:r>
+              <a:rPr lang="nl-NL"/>
+              <a:t>Context and dependency injection</a:t>
+            </a:r>
+          </a:p>
+        </p:txBody>
+      </p:sp>
     </p:spTree>
     <p:extLst>
       <p:ext uri="{BB962C8B-B14F-4D97-AF65-F5344CB8AC3E}">
         <p14:creationId xmlns:p14="http://schemas.microsoft.com/office/powerpoint/2010/main" val="1245274641"/>
-      </p:ext>
-    </p:extLst>
-  </p:cSld>
-  <p:clrMapOvr>
-    <a:masterClrMapping/>
-  </p:clrMapOvr>
-</p:sld>
-</file>
-
-<file path=ppt/slides/slide26.xml><?xml version="1.0" encoding="utf-8"?>
-<p:sld xmlns:a="http://schemas.openxmlformats.org/drawingml/2006/main" xmlns:r="http://schemas.openxmlformats.org/officeDocument/2006/relationships" xmlns:p="http://schemas.openxmlformats.org/presentationml/2006/main">
-  <p:cSld>
-    <p:spTree>
-      <p:nvGrpSpPr>
-        <p:cNvPr id="1" name=""/>
-        <p:cNvGrpSpPr/>
-        <p:nvPr/>
-      </p:nvGrpSpPr>
-      <p:grpSpPr>
-        <a:xfrm>
-          <a:off x="0" y="0"/>
-          <a:ext cx="0" cy="0"/>
-          <a:chOff x="0" y="0"/>
-          <a:chExt cx="0" cy="0"/>
-        </a:xfrm>
-      </p:grpSpPr>
-      <p:pic>
-        <p:nvPicPr>
-          <p:cNvPr id="4" name="Picture Placeholder 3"/>
-          <p:cNvPicPr>
-            <a:picLocks noGrp="1" noChangeAspect="1"/>
-          </p:cNvPicPr>
-          <p:nvPr>
-            <p:ph type="pic" idx="13"/>
-          </p:nvPr>
-        </p:nvPicPr>
-        <p:blipFill>
-          <a:blip r:embed="rId2">
-            <a:extLst>
-              <a:ext uri="{28A0092B-C50C-407E-A947-70E740481C1C}">
-                <a14:useLocalDpi xmlns:a14="http://schemas.microsoft.com/office/drawing/2010/main" val="0"/>
-              </a:ext>
-            </a:extLst>
-          </a:blip>
-          <a:srcRect t="71" b="71"/>
-          <a:stretch>
-            <a:fillRect/>
-          </a:stretch>
-        </p:blipFill>
-        <p:spPr/>
-      </p:pic>
-      <p:sp>
-        <p:nvSpPr>
-          <p:cNvPr id="3" name="Title 2"/>
-          <p:cNvSpPr>
-            <a:spLocks noGrp="1"/>
-          </p:cNvSpPr>
-          <p:nvPr>
-            <p:ph type="ctrTitle"/>
-          </p:nvPr>
-        </p:nvSpPr>
-        <p:spPr/>
-        <p:txBody>
-          <a:bodyPr/>
-          <a:lstStyle/>
-          <a:p>
-            <a:endParaRPr lang="nl-NL" dirty="0"/>
-          </a:p>
-        </p:txBody>
-      </p:sp>
-    </p:spTree>
-    <p:extLst>
-      <p:ext uri="{BB962C8B-B14F-4D97-AF65-F5344CB8AC3E}">
-        <p14:creationId xmlns:p14="http://schemas.microsoft.com/office/powerpoint/2010/main" val="1349376254"/>
-      </p:ext>
-    </p:extLst>
-  </p:cSld>
-  <p:clrMapOvr>
-    <a:masterClrMapping/>
-  </p:clrMapOvr>
-</p:sld>
-</file>
-
-<file path=ppt/slides/slide27.xml><?xml version="1.0" encoding="utf-8"?>
-<p:sld xmlns:a="http://schemas.openxmlformats.org/drawingml/2006/main" xmlns:r="http://schemas.openxmlformats.org/officeDocument/2006/relationships" xmlns:p="http://schemas.openxmlformats.org/presentationml/2006/main">
-  <p:cSld>
-    <p:spTree>
-      <p:nvGrpSpPr>
-        <p:cNvPr id="1" name=""/>
-        <p:cNvGrpSpPr/>
-        <p:nvPr/>
-      </p:nvGrpSpPr>
-      <p:grpSpPr>
-        <a:xfrm>
-          <a:off x="0" y="0"/>
-          <a:ext cx="0" cy="0"/>
-          <a:chOff x="0" y="0"/>
-          <a:chExt cx="0" cy="0"/>
-        </a:xfrm>
-      </p:grpSpPr>
-      <p:pic>
-        <p:nvPicPr>
-          <p:cNvPr id="2" name="Picture Placeholder 1"/>
-          <p:cNvPicPr>
-            <a:picLocks noGrp="1" noChangeAspect="1"/>
-          </p:cNvPicPr>
-          <p:nvPr>
-            <p:ph type="pic" idx="13"/>
-          </p:nvPr>
-        </p:nvPicPr>
-        <p:blipFill>
-          <a:blip r:embed="rId2">
-            <a:extLst>
-              <a:ext uri="{28A0092B-C50C-407E-A947-70E740481C1C}">
-                <a14:useLocalDpi xmlns:a14="http://schemas.microsoft.com/office/drawing/2010/main" val="0"/>
-              </a:ext>
-            </a:extLst>
-          </a:blip>
-          <a:srcRect t="71" b="71"/>
-          <a:stretch>
-            <a:fillRect/>
-          </a:stretch>
-        </p:blipFill>
-        <p:spPr/>
-      </p:pic>
-      <p:sp>
-        <p:nvSpPr>
-          <p:cNvPr id="5" name="Title 4"/>
-          <p:cNvSpPr>
-            <a:spLocks noGrp="1"/>
-          </p:cNvSpPr>
-          <p:nvPr>
-            <p:ph type="ctrTitle"/>
-          </p:nvPr>
-        </p:nvSpPr>
-        <p:spPr/>
-        <p:txBody>
-          <a:bodyPr/>
-          <a:lstStyle/>
-          <a:p>
-            <a:endParaRPr lang="nl-NL"/>
-          </a:p>
-        </p:txBody>
-      </p:sp>
-    </p:spTree>
-    <p:extLst>
-      <p:ext uri="{BB962C8B-B14F-4D97-AF65-F5344CB8AC3E}">
-        <p14:creationId xmlns:p14="http://schemas.microsoft.com/office/powerpoint/2010/main" val="2066195230"/>
-      </p:ext>
-    </p:extLst>
-  </p:cSld>
-  <p:clrMapOvr>
-    <a:masterClrMapping/>
-  </p:clrMapOvr>
-</p:sld>
-</file>
-
-<file path=ppt/slides/slide28.xml><?xml version="1.0" encoding="utf-8"?>
-<p:sld xmlns:a="http://schemas.openxmlformats.org/drawingml/2006/main" xmlns:r="http://schemas.openxmlformats.org/officeDocument/2006/relationships" xmlns:p="http://schemas.openxmlformats.org/presentationml/2006/main">
-  <p:cSld>
-    <p:spTree>
-      <p:nvGrpSpPr>
-        <p:cNvPr id="1" name=""/>
-        <p:cNvGrpSpPr/>
-        <p:nvPr/>
-      </p:nvGrpSpPr>
-      <p:grpSpPr>
-        <a:xfrm>
-          <a:off x="0" y="0"/>
-          <a:ext cx="0" cy="0"/>
-          <a:chOff x="0" y="0"/>
-          <a:chExt cx="0" cy="0"/>
-        </a:xfrm>
-      </p:grpSpPr>
-      <p:pic>
-        <p:nvPicPr>
-          <p:cNvPr id="4" name="Picture Placeholder 3"/>
-          <p:cNvPicPr>
-            <a:picLocks noGrp="1" noChangeAspect="1"/>
-          </p:cNvPicPr>
-          <p:nvPr>
-            <p:ph type="pic" idx="13"/>
-          </p:nvPr>
-        </p:nvPicPr>
-        <p:blipFill>
-          <a:blip r:embed="rId2">
-            <a:extLst>
-              <a:ext uri="{28A0092B-C50C-407E-A947-70E740481C1C}">
-                <a14:useLocalDpi xmlns:a14="http://schemas.microsoft.com/office/drawing/2010/main" val="0"/>
-              </a:ext>
-            </a:extLst>
-          </a:blip>
-          <a:srcRect t="71" b="71"/>
-          <a:stretch>
-            <a:fillRect/>
-          </a:stretch>
-        </p:blipFill>
-        <p:spPr/>
-      </p:pic>
-      <p:sp>
-        <p:nvSpPr>
-          <p:cNvPr id="3" name="Title 2"/>
-          <p:cNvSpPr>
-            <a:spLocks noGrp="1"/>
-          </p:cNvSpPr>
-          <p:nvPr>
-            <p:ph type="ctrTitle"/>
-          </p:nvPr>
-        </p:nvSpPr>
-        <p:spPr/>
-        <p:txBody>
-          <a:bodyPr/>
-          <a:lstStyle/>
-          <a:p>
-            <a:endParaRPr lang="nl-NL"/>
-          </a:p>
-        </p:txBody>
-      </p:sp>
-    </p:spTree>
-    <p:extLst>
-      <p:ext uri="{BB962C8B-B14F-4D97-AF65-F5344CB8AC3E}">
-        <p14:creationId xmlns:p14="http://schemas.microsoft.com/office/powerpoint/2010/main" val="1064619819"/>
-      </p:ext>
-    </p:extLst>
-  </p:cSld>
-  <p:clrMapOvr>
-    <a:masterClrMapping/>
-  </p:clrMapOvr>
-</p:sld>
-</file>
-
-<file path=ppt/slides/slide29.xml><?xml version="1.0" encoding="utf-8"?>
-<p:sld xmlns:a="http://schemas.openxmlformats.org/drawingml/2006/main" xmlns:r="http://schemas.openxmlformats.org/officeDocument/2006/relationships" xmlns:p="http://schemas.openxmlformats.org/presentationml/2006/main">
-  <p:cSld>
-    <p:spTree>
-      <p:nvGrpSpPr>
-        <p:cNvPr id="1" name=""/>
-        <p:cNvGrpSpPr/>
-        <p:nvPr/>
-      </p:nvGrpSpPr>
-      <p:grpSpPr>
-        <a:xfrm>
-          <a:off x="0" y="0"/>
-          <a:ext cx="0" cy="0"/>
-          <a:chOff x="0" y="0"/>
-          <a:chExt cx="0" cy="0"/>
-        </a:xfrm>
-      </p:grpSpPr>
-      <p:sp>
-        <p:nvSpPr>
-          <p:cNvPr id="6" name="Picture Placeholder 5"/>
-          <p:cNvSpPr>
-            <a:spLocks noGrp="1"/>
-          </p:cNvSpPr>
-          <p:nvPr>
-            <p:ph type="pic" idx="13"/>
-          </p:nvPr>
-        </p:nvSpPr>
-        <p:spPr/>
-      </p:sp>
-      <p:sp>
-        <p:nvSpPr>
-          <p:cNvPr id="5" name="Title 4"/>
-          <p:cNvSpPr>
-            <a:spLocks noGrp="1"/>
-          </p:cNvSpPr>
-          <p:nvPr>
-            <p:ph type="ctrTitle"/>
-          </p:nvPr>
-        </p:nvSpPr>
-        <p:spPr/>
-        <p:txBody>
-          <a:bodyPr/>
-          <a:lstStyle/>
-          <a:p>
-            <a:endParaRPr lang="nl-NL"/>
-          </a:p>
-        </p:txBody>
-      </p:sp>
-      <p:sp>
-        <p:nvSpPr>
-          <p:cNvPr id="7" name="Text Placeholder 6"/>
-          <p:cNvSpPr>
-            <a:spLocks noGrp="1"/>
-          </p:cNvSpPr>
-          <p:nvPr>
-            <p:ph type="body" idx="14"/>
-          </p:nvPr>
-        </p:nvSpPr>
-        <p:spPr/>
-        <p:txBody>
-          <a:bodyPr/>
-          <a:lstStyle/>
-          <a:p>
-            <a:endParaRPr lang="nl-NL"/>
-          </a:p>
-        </p:txBody>
-      </p:sp>
-    </p:spTree>
-    <p:extLst>
-      <p:ext uri="{BB962C8B-B14F-4D97-AF65-F5344CB8AC3E}">
-        <p14:creationId xmlns:p14="http://schemas.microsoft.com/office/powerpoint/2010/main" val="753150340"/>
       </p:ext>
     </p:extLst>
   </p:cSld>
@@ -10501,1092 +10433,67 @@
           </a:p>
         </p:txBody>
       </p:sp>
+      <p:sp>
+        <p:nvSpPr>
+          <p:cNvPr id="5" name="Slide Number Placeholder 4">
+            <a:extLst>
+              <a:ext uri="{FF2B5EF4-FFF2-40B4-BE49-F238E27FC236}">
+                <a16:creationId xmlns:a16="http://schemas.microsoft.com/office/drawing/2014/main" id="{706E172B-29CF-4803-9CD7-B1FCCCFD709B}"/>
+              </a:ext>
+            </a:extLst>
+          </p:cNvPr>
+          <p:cNvSpPr>
+            <a:spLocks noGrp="1"/>
+          </p:cNvSpPr>
+          <p:nvPr>
+            <p:ph type="sldNum" sz="quarter" idx="12"/>
+          </p:nvPr>
+        </p:nvSpPr>
+        <p:spPr/>
+        <p:txBody>
+          <a:bodyPr/>
+          <a:lstStyle/>
+          <a:p>
+            <a:fld id="{14F1411D-0280-154F-AEAC-4C20B7AA46B2}" type="slidenum">
+              <a:rPr lang="nl-NL" smtClean="0"/>
+              <a:t>3</a:t>
+            </a:fld>
+            <a:endParaRPr lang="nl-NL"/>
+          </a:p>
+        </p:txBody>
+      </p:sp>
+      <p:sp>
+        <p:nvSpPr>
+          <p:cNvPr id="6" name="Footer Placeholder 5">
+            <a:extLst>
+              <a:ext uri="{FF2B5EF4-FFF2-40B4-BE49-F238E27FC236}">
+                <a16:creationId xmlns:a16="http://schemas.microsoft.com/office/drawing/2014/main" id="{DB40EDA0-6A44-4B1A-9578-15D7FCE7469B}"/>
+              </a:ext>
+            </a:extLst>
+          </p:cNvPr>
+          <p:cNvSpPr>
+            <a:spLocks noGrp="1"/>
+          </p:cNvSpPr>
+          <p:nvPr>
+            <p:ph type="ftr" sz="quarter" idx="11"/>
+          </p:nvPr>
+        </p:nvSpPr>
+        <p:spPr/>
+        <p:txBody>
+          <a:bodyPr/>
+          <a:lstStyle/>
+          <a:p>
+            <a:r>
+              <a:rPr lang="nl-NL"/>
+              <a:t>Context and dependency injection</a:t>
+            </a:r>
+          </a:p>
+        </p:txBody>
+      </p:sp>
     </p:spTree>
     <p:extLst>
       <p:ext uri="{BB962C8B-B14F-4D97-AF65-F5344CB8AC3E}">
         <p14:creationId xmlns:p14="http://schemas.microsoft.com/office/powerpoint/2010/main" val="1156268068"/>
-      </p:ext>
-    </p:extLst>
-  </p:cSld>
-  <p:clrMapOvr>
-    <a:masterClrMapping/>
-  </p:clrMapOvr>
-</p:sld>
-</file>
-
-<file path=ppt/slides/slide30.xml><?xml version="1.0" encoding="utf-8"?>
-<p:sld xmlns:a="http://schemas.openxmlformats.org/drawingml/2006/main" xmlns:r="http://schemas.openxmlformats.org/officeDocument/2006/relationships" xmlns:p="http://schemas.openxmlformats.org/presentationml/2006/main">
-  <p:cSld>
-    <p:spTree>
-      <p:nvGrpSpPr>
-        <p:cNvPr id="1" name=""/>
-        <p:cNvGrpSpPr/>
-        <p:nvPr/>
-      </p:nvGrpSpPr>
-      <p:grpSpPr>
-        <a:xfrm>
-          <a:off x="0" y="0"/>
-          <a:ext cx="0" cy="0"/>
-          <a:chOff x="0" y="0"/>
-          <a:chExt cx="0" cy="0"/>
-        </a:xfrm>
-      </p:grpSpPr>
-      <p:pic>
-        <p:nvPicPr>
-          <p:cNvPr id="5" name="Picture Placeholder 4"/>
-          <p:cNvPicPr>
-            <a:picLocks noGrp="1" noChangeAspect="1"/>
-          </p:cNvPicPr>
-          <p:nvPr>
-            <p:ph type="pic" idx="13"/>
-          </p:nvPr>
-        </p:nvPicPr>
-        <p:blipFill>
-          <a:blip r:embed="rId2">
-            <a:extLst>
-              <a:ext uri="{28A0092B-C50C-407E-A947-70E740481C1C}">
-                <a14:useLocalDpi xmlns:a14="http://schemas.microsoft.com/office/drawing/2010/main" val="0"/>
-              </a:ext>
-            </a:extLst>
-          </a:blip>
-          <a:srcRect t="71" b="71"/>
-          <a:stretch>
-            <a:fillRect/>
-          </a:stretch>
-        </p:blipFill>
-        <p:spPr/>
-      </p:pic>
-      <p:sp>
-        <p:nvSpPr>
-          <p:cNvPr id="3" name="Title 2"/>
-          <p:cNvSpPr>
-            <a:spLocks noGrp="1"/>
-          </p:cNvSpPr>
-          <p:nvPr>
-            <p:ph type="ctrTitle"/>
-          </p:nvPr>
-        </p:nvSpPr>
-        <p:spPr/>
-        <p:txBody>
-          <a:bodyPr/>
-          <a:lstStyle/>
-          <a:p>
-            <a:endParaRPr lang="nl-NL"/>
-          </a:p>
-        </p:txBody>
-      </p:sp>
-      <p:sp>
-        <p:nvSpPr>
-          <p:cNvPr id="4" name="Text Placeholder 3"/>
-          <p:cNvSpPr>
-            <a:spLocks noGrp="1"/>
-          </p:cNvSpPr>
-          <p:nvPr>
-            <p:ph type="body" idx="14"/>
-          </p:nvPr>
-        </p:nvSpPr>
-        <p:spPr/>
-        <p:txBody>
-          <a:bodyPr/>
-          <a:lstStyle/>
-          <a:p>
-            <a:endParaRPr lang="nl-NL"/>
-          </a:p>
-        </p:txBody>
-      </p:sp>
-    </p:spTree>
-    <p:extLst>
-      <p:ext uri="{BB962C8B-B14F-4D97-AF65-F5344CB8AC3E}">
-        <p14:creationId xmlns:p14="http://schemas.microsoft.com/office/powerpoint/2010/main" val="297332740"/>
-      </p:ext>
-    </p:extLst>
-  </p:cSld>
-  <p:clrMapOvr>
-    <a:masterClrMapping/>
-  </p:clrMapOvr>
-</p:sld>
-</file>
-
-<file path=ppt/slides/slide31.xml><?xml version="1.0" encoding="utf-8"?>
-<p:sld xmlns:a="http://schemas.openxmlformats.org/drawingml/2006/main" xmlns:r="http://schemas.openxmlformats.org/officeDocument/2006/relationships" xmlns:p="http://schemas.openxmlformats.org/presentationml/2006/main">
-  <p:cSld>
-    <p:spTree>
-      <p:nvGrpSpPr>
-        <p:cNvPr id="1" name=""/>
-        <p:cNvGrpSpPr/>
-        <p:nvPr/>
-      </p:nvGrpSpPr>
-      <p:grpSpPr>
-        <a:xfrm>
-          <a:off x="0" y="0"/>
-          <a:ext cx="0" cy="0"/>
-          <a:chOff x="0" y="0"/>
-          <a:chExt cx="0" cy="0"/>
-        </a:xfrm>
-      </p:grpSpPr>
-      <p:pic>
-        <p:nvPicPr>
-          <p:cNvPr id="2" name="Picture Placeholder 1"/>
-          <p:cNvPicPr>
-            <a:picLocks noGrp="1" noChangeAspect="1"/>
-          </p:cNvPicPr>
-          <p:nvPr>
-            <p:ph type="pic" idx="13"/>
-          </p:nvPr>
-        </p:nvPicPr>
-        <p:blipFill>
-          <a:blip r:embed="rId2">
-            <a:extLst>
-              <a:ext uri="{28A0092B-C50C-407E-A947-70E740481C1C}">
-                <a14:useLocalDpi xmlns:a14="http://schemas.microsoft.com/office/drawing/2010/main" val="0"/>
-              </a:ext>
-            </a:extLst>
-          </a:blip>
-          <a:srcRect t="71" b="71"/>
-          <a:stretch>
-            <a:fillRect/>
-          </a:stretch>
-        </p:blipFill>
-        <p:spPr/>
-      </p:pic>
-      <p:sp>
-        <p:nvSpPr>
-          <p:cNvPr id="4" name="Title 3"/>
-          <p:cNvSpPr>
-            <a:spLocks noGrp="1"/>
-          </p:cNvSpPr>
-          <p:nvPr>
-            <p:ph type="ctrTitle"/>
-          </p:nvPr>
-        </p:nvSpPr>
-        <p:spPr/>
-        <p:txBody>
-          <a:bodyPr/>
-          <a:lstStyle/>
-          <a:p>
-            <a:endParaRPr lang="nl-NL" dirty="0"/>
-          </a:p>
-        </p:txBody>
-      </p:sp>
-      <p:sp>
-        <p:nvSpPr>
-          <p:cNvPr id="6" name="Text Placeholder 5"/>
-          <p:cNvSpPr>
-            <a:spLocks noGrp="1"/>
-          </p:cNvSpPr>
-          <p:nvPr>
-            <p:ph type="body" idx="14"/>
-          </p:nvPr>
-        </p:nvSpPr>
-        <p:spPr/>
-        <p:txBody>
-          <a:bodyPr/>
-          <a:lstStyle/>
-          <a:p>
-            <a:endParaRPr lang="nl-NL" dirty="0"/>
-          </a:p>
-        </p:txBody>
-      </p:sp>
-    </p:spTree>
-    <p:extLst>
-      <p:ext uri="{BB962C8B-B14F-4D97-AF65-F5344CB8AC3E}">
-        <p14:creationId xmlns:p14="http://schemas.microsoft.com/office/powerpoint/2010/main" val="1701891121"/>
-      </p:ext>
-    </p:extLst>
-  </p:cSld>
-  <p:clrMapOvr>
-    <a:masterClrMapping/>
-  </p:clrMapOvr>
-</p:sld>
-</file>
-
-<file path=ppt/slides/slide32.xml><?xml version="1.0" encoding="utf-8"?>
-<p:sld xmlns:a="http://schemas.openxmlformats.org/drawingml/2006/main" xmlns:r="http://schemas.openxmlformats.org/officeDocument/2006/relationships" xmlns:p="http://schemas.openxmlformats.org/presentationml/2006/main">
-  <p:cSld>
-    <p:spTree>
-      <p:nvGrpSpPr>
-        <p:cNvPr id="1" name=""/>
-        <p:cNvGrpSpPr/>
-        <p:nvPr/>
-      </p:nvGrpSpPr>
-      <p:grpSpPr>
-        <a:xfrm>
-          <a:off x="0" y="0"/>
-          <a:ext cx="0" cy="0"/>
-          <a:chOff x="0" y="0"/>
-          <a:chExt cx="0" cy="0"/>
-        </a:xfrm>
-      </p:grpSpPr>
-      <p:pic>
-        <p:nvPicPr>
-          <p:cNvPr id="5" name="Picture Placeholder 4"/>
-          <p:cNvPicPr>
-            <a:picLocks noGrp="1" noChangeAspect="1"/>
-          </p:cNvPicPr>
-          <p:nvPr>
-            <p:ph type="pic" idx="13"/>
-          </p:nvPr>
-        </p:nvPicPr>
-        <p:blipFill>
-          <a:blip r:embed="rId2">
-            <a:extLst>
-              <a:ext uri="{28A0092B-C50C-407E-A947-70E740481C1C}">
-                <a14:useLocalDpi xmlns:a14="http://schemas.microsoft.com/office/drawing/2010/main" val="0"/>
-              </a:ext>
-            </a:extLst>
-          </a:blip>
-          <a:srcRect t="71" b="71"/>
-          <a:stretch>
-            <a:fillRect/>
-          </a:stretch>
-        </p:blipFill>
-        <p:spPr/>
-      </p:pic>
-      <p:sp>
-        <p:nvSpPr>
-          <p:cNvPr id="3" name="Title 2"/>
-          <p:cNvSpPr>
-            <a:spLocks noGrp="1"/>
-          </p:cNvSpPr>
-          <p:nvPr>
-            <p:ph type="ctrTitle"/>
-          </p:nvPr>
-        </p:nvSpPr>
-        <p:spPr/>
-        <p:txBody>
-          <a:bodyPr/>
-          <a:lstStyle/>
-          <a:p>
-            <a:endParaRPr lang="nl-NL"/>
-          </a:p>
-        </p:txBody>
-      </p:sp>
-      <p:sp>
-        <p:nvSpPr>
-          <p:cNvPr id="4" name="Text Placeholder 3"/>
-          <p:cNvSpPr>
-            <a:spLocks noGrp="1"/>
-          </p:cNvSpPr>
-          <p:nvPr>
-            <p:ph type="body" idx="14"/>
-          </p:nvPr>
-        </p:nvSpPr>
-        <p:spPr/>
-        <p:txBody>
-          <a:bodyPr/>
-          <a:lstStyle/>
-          <a:p>
-            <a:endParaRPr lang="nl-NL"/>
-          </a:p>
-        </p:txBody>
-      </p:sp>
-    </p:spTree>
-    <p:extLst>
-      <p:ext uri="{BB962C8B-B14F-4D97-AF65-F5344CB8AC3E}">
-        <p14:creationId xmlns:p14="http://schemas.microsoft.com/office/powerpoint/2010/main" val="76914611"/>
-      </p:ext>
-    </p:extLst>
-  </p:cSld>
-  <p:clrMapOvr>
-    <a:masterClrMapping/>
-  </p:clrMapOvr>
-</p:sld>
-</file>
-
-<file path=ppt/slides/slide33.xml><?xml version="1.0" encoding="utf-8"?>
-<p:sld xmlns:a="http://schemas.openxmlformats.org/drawingml/2006/main" xmlns:r="http://schemas.openxmlformats.org/officeDocument/2006/relationships" xmlns:p="http://schemas.openxmlformats.org/presentationml/2006/main">
-  <p:cSld>
-    <p:spTree>
-      <p:nvGrpSpPr>
-        <p:cNvPr id="1" name=""/>
-        <p:cNvGrpSpPr/>
-        <p:nvPr/>
-      </p:nvGrpSpPr>
-      <p:grpSpPr>
-        <a:xfrm>
-          <a:off x="0" y="0"/>
-          <a:ext cx="0" cy="0"/>
-          <a:chOff x="0" y="0"/>
-          <a:chExt cx="0" cy="0"/>
-        </a:xfrm>
-      </p:grpSpPr>
-      <p:sp>
-        <p:nvSpPr>
-          <p:cNvPr id="2" name="Picture Placeholder 1"/>
-          <p:cNvSpPr>
-            <a:spLocks noGrp="1"/>
-          </p:cNvSpPr>
-          <p:nvPr>
-            <p:ph type="pic" idx="13"/>
-          </p:nvPr>
-        </p:nvSpPr>
-        <p:spPr/>
-      </p:sp>
-      <p:sp>
-        <p:nvSpPr>
-          <p:cNvPr id="3" name="Title 2"/>
-          <p:cNvSpPr>
-            <a:spLocks noGrp="1"/>
-          </p:cNvSpPr>
-          <p:nvPr>
-            <p:ph type="ctrTitle"/>
-          </p:nvPr>
-        </p:nvSpPr>
-        <p:spPr/>
-        <p:txBody>
-          <a:bodyPr/>
-          <a:lstStyle/>
-          <a:p>
-            <a:endParaRPr lang="nl-NL"/>
-          </a:p>
-        </p:txBody>
-      </p:sp>
-      <p:sp>
-        <p:nvSpPr>
-          <p:cNvPr id="4" name="Subtitle 3"/>
-          <p:cNvSpPr>
-            <a:spLocks noGrp="1"/>
-          </p:cNvSpPr>
-          <p:nvPr>
-            <p:ph type="subTitle" idx="1"/>
-          </p:nvPr>
-        </p:nvSpPr>
-        <p:spPr/>
-        <p:txBody>
-          <a:bodyPr/>
-          <a:lstStyle/>
-          <a:p>
-            <a:endParaRPr lang="nl-NL"/>
-          </a:p>
-        </p:txBody>
-      </p:sp>
-      <p:sp>
-        <p:nvSpPr>
-          <p:cNvPr id="5" name="Picture Placeholder 4"/>
-          <p:cNvSpPr>
-            <a:spLocks noGrp="1"/>
-          </p:cNvSpPr>
-          <p:nvPr>
-            <p:ph type="pic" idx="14"/>
-          </p:nvPr>
-        </p:nvSpPr>
-        <p:spPr/>
-      </p:sp>
-    </p:spTree>
-    <p:extLst>
-      <p:ext uri="{BB962C8B-B14F-4D97-AF65-F5344CB8AC3E}">
-        <p14:creationId xmlns:p14="http://schemas.microsoft.com/office/powerpoint/2010/main" val="368754051"/>
-      </p:ext>
-    </p:extLst>
-  </p:cSld>
-  <p:clrMapOvr>
-    <a:masterClrMapping/>
-  </p:clrMapOvr>
-</p:sld>
-</file>
-
-<file path=ppt/slides/slide34.xml><?xml version="1.0" encoding="utf-8"?>
-<p:sld xmlns:a="http://schemas.openxmlformats.org/drawingml/2006/main" xmlns:r="http://schemas.openxmlformats.org/officeDocument/2006/relationships" xmlns:p="http://schemas.openxmlformats.org/presentationml/2006/main">
-  <p:cSld>
-    <p:spTree>
-      <p:nvGrpSpPr>
-        <p:cNvPr id="1" name=""/>
-        <p:cNvGrpSpPr/>
-        <p:nvPr/>
-      </p:nvGrpSpPr>
-      <p:grpSpPr>
-        <a:xfrm>
-          <a:off x="0" y="0"/>
-          <a:ext cx="0" cy="0"/>
-          <a:chOff x="0" y="0"/>
-          <a:chExt cx="0" cy="0"/>
-        </a:xfrm>
-      </p:grpSpPr>
-      <p:pic>
-        <p:nvPicPr>
-          <p:cNvPr id="6" name="Picture Placeholder 5"/>
-          <p:cNvPicPr>
-            <a:picLocks noGrp="1" noChangeAspect="1"/>
-          </p:cNvPicPr>
-          <p:nvPr>
-            <p:ph type="pic" idx="13"/>
-          </p:nvPr>
-        </p:nvPicPr>
-        <p:blipFill>
-          <a:blip r:embed="rId2">
-            <a:extLst>
-              <a:ext uri="{28A0092B-C50C-407E-A947-70E740481C1C}">
-                <a14:useLocalDpi xmlns:a14="http://schemas.microsoft.com/office/drawing/2010/main" val="0"/>
-              </a:ext>
-            </a:extLst>
-          </a:blip>
-          <a:srcRect t="71" b="71"/>
-          <a:stretch>
-            <a:fillRect/>
-          </a:stretch>
-        </p:blipFill>
-        <p:spPr/>
-      </p:pic>
-      <p:sp>
-        <p:nvSpPr>
-          <p:cNvPr id="3" name="Title 2"/>
-          <p:cNvSpPr>
-            <a:spLocks noGrp="1"/>
-          </p:cNvSpPr>
-          <p:nvPr>
-            <p:ph type="ctrTitle"/>
-          </p:nvPr>
-        </p:nvSpPr>
-        <p:spPr/>
-        <p:txBody>
-          <a:bodyPr/>
-          <a:lstStyle/>
-          <a:p>
-            <a:endParaRPr lang="nl-NL"/>
-          </a:p>
-        </p:txBody>
-      </p:sp>
-      <p:sp>
-        <p:nvSpPr>
-          <p:cNvPr id="4" name="Subtitle 3"/>
-          <p:cNvSpPr>
-            <a:spLocks noGrp="1"/>
-          </p:cNvSpPr>
-          <p:nvPr>
-            <p:ph type="subTitle" idx="1"/>
-          </p:nvPr>
-        </p:nvSpPr>
-        <p:spPr/>
-        <p:txBody>
-          <a:bodyPr/>
-          <a:lstStyle/>
-          <a:p>
-            <a:endParaRPr lang="nl-NL"/>
-          </a:p>
-        </p:txBody>
-      </p:sp>
-      <p:sp>
-        <p:nvSpPr>
-          <p:cNvPr id="5" name="Picture Placeholder 4"/>
-          <p:cNvSpPr>
-            <a:spLocks noGrp="1"/>
-          </p:cNvSpPr>
-          <p:nvPr>
-            <p:ph type="pic" idx="14"/>
-          </p:nvPr>
-        </p:nvSpPr>
-        <p:spPr/>
-      </p:sp>
-    </p:spTree>
-    <p:extLst>
-      <p:ext uri="{BB962C8B-B14F-4D97-AF65-F5344CB8AC3E}">
-        <p14:creationId xmlns:p14="http://schemas.microsoft.com/office/powerpoint/2010/main" val="11529915"/>
-      </p:ext>
-    </p:extLst>
-  </p:cSld>
-  <p:clrMapOvr>
-    <a:masterClrMapping/>
-  </p:clrMapOvr>
-</p:sld>
-</file>
-
-<file path=ppt/slides/slide35.xml><?xml version="1.0" encoding="utf-8"?>
-<p:sld xmlns:a="http://schemas.openxmlformats.org/drawingml/2006/main" xmlns:r="http://schemas.openxmlformats.org/officeDocument/2006/relationships" xmlns:p="http://schemas.openxmlformats.org/presentationml/2006/main">
-  <p:cSld>
-    <p:spTree>
-      <p:nvGrpSpPr>
-        <p:cNvPr id="1" name=""/>
-        <p:cNvGrpSpPr/>
-        <p:nvPr/>
-      </p:nvGrpSpPr>
-      <p:grpSpPr>
-        <a:xfrm>
-          <a:off x="0" y="0"/>
-          <a:ext cx="0" cy="0"/>
-          <a:chOff x="0" y="0"/>
-          <a:chExt cx="0" cy="0"/>
-        </a:xfrm>
-      </p:grpSpPr>
-      <p:pic>
-        <p:nvPicPr>
-          <p:cNvPr id="6" name="Picture Placeholder 5"/>
-          <p:cNvPicPr>
-            <a:picLocks noGrp="1" noChangeAspect="1"/>
-          </p:cNvPicPr>
-          <p:nvPr>
-            <p:ph type="pic" idx="13"/>
-          </p:nvPr>
-        </p:nvPicPr>
-        <p:blipFill>
-          <a:blip r:embed="rId2">
-            <a:extLst>
-              <a:ext uri="{28A0092B-C50C-407E-A947-70E740481C1C}">
-                <a14:useLocalDpi xmlns:a14="http://schemas.microsoft.com/office/drawing/2010/main" val="0"/>
-              </a:ext>
-            </a:extLst>
-          </a:blip>
-          <a:srcRect t="71" b="71"/>
-          <a:stretch>
-            <a:fillRect/>
-          </a:stretch>
-        </p:blipFill>
-        <p:spPr/>
-      </p:pic>
-      <p:sp>
-        <p:nvSpPr>
-          <p:cNvPr id="3" name="Title 2"/>
-          <p:cNvSpPr>
-            <a:spLocks noGrp="1"/>
-          </p:cNvSpPr>
-          <p:nvPr>
-            <p:ph type="ctrTitle"/>
-          </p:nvPr>
-        </p:nvSpPr>
-        <p:spPr/>
-        <p:txBody>
-          <a:bodyPr/>
-          <a:lstStyle/>
-          <a:p>
-            <a:endParaRPr lang="nl-NL"/>
-          </a:p>
-        </p:txBody>
-      </p:sp>
-      <p:sp>
-        <p:nvSpPr>
-          <p:cNvPr id="4" name="Subtitle 3"/>
-          <p:cNvSpPr>
-            <a:spLocks noGrp="1"/>
-          </p:cNvSpPr>
-          <p:nvPr>
-            <p:ph type="subTitle" idx="1"/>
-          </p:nvPr>
-        </p:nvSpPr>
-        <p:spPr/>
-        <p:txBody>
-          <a:bodyPr/>
-          <a:lstStyle/>
-          <a:p>
-            <a:endParaRPr lang="nl-NL"/>
-          </a:p>
-        </p:txBody>
-      </p:sp>
-      <p:sp>
-        <p:nvSpPr>
-          <p:cNvPr id="5" name="Picture Placeholder 4"/>
-          <p:cNvSpPr>
-            <a:spLocks noGrp="1"/>
-          </p:cNvSpPr>
-          <p:nvPr>
-            <p:ph type="pic" idx="14"/>
-          </p:nvPr>
-        </p:nvSpPr>
-        <p:spPr/>
-      </p:sp>
-    </p:spTree>
-    <p:extLst>
-      <p:ext uri="{BB962C8B-B14F-4D97-AF65-F5344CB8AC3E}">
-        <p14:creationId xmlns:p14="http://schemas.microsoft.com/office/powerpoint/2010/main" val="509753175"/>
-      </p:ext>
-    </p:extLst>
-  </p:cSld>
-  <p:clrMapOvr>
-    <a:masterClrMapping/>
-  </p:clrMapOvr>
-</p:sld>
-</file>
-
-<file path=ppt/slides/slide36.xml><?xml version="1.0" encoding="utf-8"?>
-<p:sld xmlns:a="http://schemas.openxmlformats.org/drawingml/2006/main" xmlns:r="http://schemas.openxmlformats.org/officeDocument/2006/relationships" xmlns:p="http://schemas.openxmlformats.org/presentationml/2006/main">
-  <p:cSld>
-    <p:spTree>
-      <p:nvGrpSpPr>
-        <p:cNvPr id="1" name=""/>
-        <p:cNvGrpSpPr/>
-        <p:nvPr/>
-      </p:nvGrpSpPr>
-      <p:grpSpPr>
-        <a:xfrm>
-          <a:off x="0" y="0"/>
-          <a:ext cx="0" cy="0"/>
-          <a:chOff x="0" y="0"/>
-          <a:chExt cx="0" cy="0"/>
-        </a:xfrm>
-      </p:grpSpPr>
-      <p:pic>
-        <p:nvPicPr>
-          <p:cNvPr id="2" name="Picture Placeholder 1"/>
-          <p:cNvPicPr>
-            <a:picLocks noGrp="1" noChangeAspect="1"/>
-          </p:cNvPicPr>
-          <p:nvPr>
-            <p:ph type="pic" idx="13"/>
-          </p:nvPr>
-        </p:nvPicPr>
-        <p:blipFill>
-          <a:blip r:embed="rId2">
-            <a:extLst>
-              <a:ext uri="{28A0092B-C50C-407E-A947-70E740481C1C}">
-                <a14:useLocalDpi xmlns:a14="http://schemas.microsoft.com/office/drawing/2010/main" val="0"/>
-              </a:ext>
-            </a:extLst>
-          </a:blip>
-          <a:srcRect t="71" b="71"/>
-          <a:stretch>
-            <a:fillRect/>
-          </a:stretch>
-        </p:blipFill>
-        <p:spPr/>
-      </p:pic>
-      <p:sp>
-        <p:nvSpPr>
-          <p:cNvPr id="8" name="Title 7"/>
-          <p:cNvSpPr>
-            <a:spLocks noGrp="1"/>
-          </p:cNvSpPr>
-          <p:nvPr>
-            <p:ph type="ctrTitle"/>
-          </p:nvPr>
-        </p:nvSpPr>
-        <p:spPr/>
-        <p:txBody>
-          <a:bodyPr/>
-          <a:lstStyle/>
-          <a:p>
-            <a:endParaRPr lang="nl-NL" dirty="0"/>
-          </a:p>
-        </p:txBody>
-      </p:sp>
-      <p:sp>
-        <p:nvSpPr>
-          <p:cNvPr id="9" name="Subtitle 8"/>
-          <p:cNvSpPr>
-            <a:spLocks noGrp="1"/>
-          </p:cNvSpPr>
-          <p:nvPr>
-            <p:ph type="subTitle" idx="1"/>
-          </p:nvPr>
-        </p:nvSpPr>
-        <p:spPr/>
-        <p:txBody>
-          <a:bodyPr/>
-          <a:lstStyle/>
-          <a:p>
-            <a:endParaRPr lang="nl-NL"/>
-          </a:p>
-        </p:txBody>
-      </p:sp>
-      <p:sp>
-        <p:nvSpPr>
-          <p:cNvPr id="11" name="Picture Placeholder 10"/>
-          <p:cNvSpPr>
-            <a:spLocks noGrp="1"/>
-          </p:cNvSpPr>
-          <p:nvPr>
-            <p:ph type="pic" idx="14"/>
-          </p:nvPr>
-        </p:nvSpPr>
-        <p:spPr/>
-      </p:sp>
-    </p:spTree>
-    <p:extLst>
-      <p:ext uri="{BB962C8B-B14F-4D97-AF65-F5344CB8AC3E}">
-        <p14:creationId xmlns:p14="http://schemas.microsoft.com/office/powerpoint/2010/main" val="2096542799"/>
-      </p:ext>
-    </p:extLst>
-  </p:cSld>
-  <p:clrMapOvr>
-    <a:masterClrMapping/>
-  </p:clrMapOvr>
-</p:sld>
-</file>
-
-<file path=ppt/slides/slide37.xml><?xml version="1.0" encoding="utf-8"?>
-<p:sld xmlns:a="http://schemas.openxmlformats.org/drawingml/2006/main" xmlns:r="http://schemas.openxmlformats.org/officeDocument/2006/relationships" xmlns:p="http://schemas.openxmlformats.org/presentationml/2006/main">
-  <p:cSld>
-    <p:spTree>
-      <p:nvGrpSpPr>
-        <p:cNvPr id="1" name=""/>
-        <p:cNvGrpSpPr/>
-        <p:nvPr/>
-      </p:nvGrpSpPr>
-      <p:grpSpPr>
-        <a:xfrm>
-          <a:off x="0" y="0"/>
-          <a:ext cx="0" cy="0"/>
-          <a:chOff x="0" y="0"/>
-          <a:chExt cx="0" cy="0"/>
-        </a:xfrm>
-      </p:grpSpPr>
-      <p:sp>
-        <p:nvSpPr>
-          <p:cNvPr id="2" name="Title 1"/>
-          <p:cNvSpPr>
-            <a:spLocks noGrp="1"/>
-          </p:cNvSpPr>
-          <p:nvPr>
-            <p:ph type="title"/>
-          </p:nvPr>
-        </p:nvSpPr>
-        <p:spPr/>
-        <p:txBody>
-          <a:bodyPr/>
-          <a:lstStyle/>
-          <a:p>
-            <a:endParaRPr lang="nl-NL"/>
-          </a:p>
-        </p:txBody>
-      </p:sp>
-      <p:sp>
-        <p:nvSpPr>
-          <p:cNvPr id="3" name="Content Placeholder 2"/>
-          <p:cNvSpPr>
-            <a:spLocks noGrp="1"/>
-          </p:cNvSpPr>
-          <p:nvPr>
-            <p:ph idx="1"/>
-          </p:nvPr>
-        </p:nvSpPr>
-        <p:spPr/>
-        <p:txBody>
-          <a:bodyPr/>
-          <a:lstStyle/>
-          <a:p>
-            <a:endParaRPr lang="nl-NL"/>
-          </a:p>
-        </p:txBody>
-      </p:sp>
-      <p:sp>
-        <p:nvSpPr>
-          <p:cNvPr id="4" name="Footer Placeholder 3"/>
-          <p:cNvSpPr>
-            <a:spLocks noGrp="1"/>
-          </p:cNvSpPr>
-          <p:nvPr>
-            <p:ph type="ftr" sz="quarter" idx="11"/>
-          </p:nvPr>
-        </p:nvSpPr>
-        <p:spPr/>
-        <p:txBody>
-          <a:bodyPr/>
-          <a:lstStyle/>
-          <a:p>
-            <a:r>
-              <a:rPr lang="nl-NL"/>
-              <a:t>Titel van de presentatie</a:t>
-            </a:r>
-          </a:p>
-        </p:txBody>
-      </p:sp>
-      <p:sp>
-        <p:nvSpPr>
-          <p:cNvPr id="5" name="Slide Number Placeholder 4"/>
-          <p:cNvSpPr>
-            <a:spLocks noGrp="1"/>
-          </p:cNvSpPr>
-          <p:nvPr>
-            <p:ph type="sldNum" sz="quarter" idx="12"/>
-          </p:nvPr>
-        </p:nvSpPr>
-        <p:spPr/>
-        <p:txBody>
-          <a:bodyPr/>
-          <a:lstStyle/>
-          <a:p>
-            <a:fld id="{14F1411D-0280-154F-AEAC-4C20B7AA46B2}" type="slidenum">
-              <a:rPr lang="nl-NL" smtClean="0"/>
-              <a:t>37</a:t>
-            </a:fld>
-            <a:endParaRPr lang="nl-NL"/>
-          </a:p>
-        </p:txBody>
-      </p:sp>
-      <p:sp>
-        <p:nvSpPr>
-          <p:cNvPr id="6" name="Text Placeholder 5"/>
-          <p:cNvSpPr>
-            <a:spLocks noGrp="1"/>
-          </p:cNvSpPr>
-          <p:nvPr>
-            <p:ph type="body" idx="13"/>
-          </p:nvPr>
-        </p:nvSpPr>
-        <p:spPr/>
-        <p:txBody>
-          <a:bodyPr/>
-          <a:lstStyle/>
-          <a:p>
-            <a:endParaRPr lang="nl-NL"/>
-          </a:p>
-        </p:txBody>
-      </p:sp>
-    </p:spTree>
-    <p:extLst>
-      <p:ext uri="{BB962C8B-B14F-4D97-AF65-F5344CB8AC3E}">
-        <p14:creationId xmlns:p14="http://schemas.microsoft.com/office/powerpoint/2010/main" val="865352661"/>
-      </p:ext>
-    </p:extLst>
-  </p:cSld>
-  <p:clrMapOvr>
-    <a:masterClrMapping/>
-  </p:clrMapOvr>
-</p:sld>
-</file>
-
-<file path=ppt/slides/slide38.xml><?xml version="1.0" encoding="utf-8"?>
-<p:sld xmlns:a="http://schemas.openxmlformats.org/drawingml/2006/main" xmlns:r="http://schemas.openxmlformats.org/officeDocument/2006/relationships" xmlns:p="http://schemas.openxmlformats.org/presentationml/2006/main">
-  <p:cSld>
-    <p:spTree>
-      <p:nvGrpSpPr>
-        <p:cNvPr id="1" name=""/>
-        <p:cNvGrpSpPr/>
-        <p:nvPr/>
-      </p:nvGrpSpPr>
-      <p:grpSpPr>
-        <a:xfrm>
-          <a:off x="0" y="0"/>
-          <a:ext cx="0" cy="0"/>
-          <a:chOff x="0" y="0"/>
-          <a:chExt cx="0" cy="0"/>
-        </a:xfrm>
-      </p:grpSpPr>
-      <p:sp>
-        <p:nvSpPr>
-          <p:cNvPr id="6" name="Title 5"/>
-          <p:cNvSpPr>
-            <a:spLocks noGrp="1"/>
-          </p:cNvSpPr>
-          <p:nvPr>
-            <p:ph type="title"/>
-          </p:nvPr>
-        </p:nvSpPr>
-        <p:spPr/>
-        <p:txBody>
-          <a:bodyPr/>
-          <a:lstStyle/>
-          <a:p>
-            <a:endParaRPr lang="nl-NL"/>
-          </a:p>
-        </p:txBody>
-      </p:sp>
-      <p:sp>
-        <p:nvSpPr>
-          <p:cNvPr id="7" name="Content Placeholder 6"/>
-          <p:cNvSpPr>
-            <a:spLocks noGrp="1"/>
-          </p:cNvSpPr>
-          <p:nvPr>
-            <p:ph idx="1"/>
-          </p:nvPr>
-        </p:nvSpPr>
-        <p:spPr/>
-        <p:txBody>
-          <a:bodyPr/>
-          <a:lstStyle/>
-          <a:p>
-            <a:endParaRPr lang="nl-NL"/>
-          </a:p>
-        </p:txBody>
-      </p:sp>
-      <p:sp>
-        <p:nvSpPr>
-          <p:cNvPr id="4" name="Footer Placeholder 3"/>
-          <p:cNvSpPr>
-            <a:spLocks noGrp="1"/>
-          </p:cNvSpPr>
-          <p:nvPr>
-            <p:ph type="ftr" sz="quarter" idx="11"/>
-          </p:nvPr>
-        </p:nvSpPr>
-        <p:spPr/>
-        <p:txBody>
-          <a:bodyPr/>
-          <a:lstStyle/>
-          <a:p>
-            <a:r>
-              <a:rPr lang="nl-NL"/>
-              <a:t>Titel van de presentatie</a:t>
-            </a:r>
-          </a:p>
-        </p:txBody>
-      </p:sp>
-      <p:sp>
-        <p:nvSpPr>
-          <p:cNvPr id="5" name="Slide Number Placeholder 4"/>
-          <p:cNvSpPr>
-            <a:spLocks noGrp="1"/>
-          </p:cNvSpPr>
-          <p:nvPr>
-            <p:ph type="sldNum" sz="quarter" idx="12"/>
-          </p:nvPr>
-        </p:nvSpPr>
-        <p:spPr/>
-        <p:txBody>
-          <a:bodyPr/>
-          <a:lstStyle/>
-          <a:p>
-            <a:fld id="{14F1411D-0280-154F-AEAC-4C20B7AA46B2}" type="slidenum">
-              <a:rPr lang="nl-NL" smtClean="0"/>
-              <a:t>38</a:t>
-            </a:fld>
-            <a:endParaRPr lang="nl-NL"/>
-          </a:p>
-        </p:txBody>
-      </p:sp>
-    </p:spTree>
-    <p:extLst>
-      <p:ext uri="{BB962C8B-B14F-4D97-AF65-F5344CB8AC3E}">
-        <p14:creationId xmlns:p14="http://schemas.microsoft.com/office/powerpoint/2010/main" val="683142817"/>
-      </p:ext>
-    </p:extLst>
-  </p:cSld>
-  <p:clrMapOvr>
-    <a:masterClrMapping/>
-  </p:clrMapOvr>
-</p:sld>
-</file>
-
-<file path=ppt/slides/slide39.xml><?xml version="1.0" encoding="utf-8"?>
-<p:sld xmlns:a="http://schemas.openxmlformats.org/drawingml/2006/main" xmlns:r="http://schemas.openxmlformats.org/officeDocument/2006/relationships" xmlns:p="http://schemas.openxmlformats.org/presentationml/2006/main">
-  <p:cSld>
-    <p:spTree>
-      <p:nvGrpSpPr>
-        <p:cNvPr id="1" name=""/>
-        <p:cNvGrpSpPr/>
-        <p:nvPr/>
-      </p:nvGrpSpPr>
-      <p:grpSpPr>
-        <a:xfrm>
-          <a:off x="0" y="0"/>
-          <a:ext cx="0" cy="0"/>
-          <a:chOff x="0" y="0"/>
-          <a:chExt cx="0" cy="0"/>
-        </a:xfrm>
-      </p:grpSpPr>
-      <p:sp>
-        <p:nvSpPr>
-          <p:cNvPr id="10" name="Text Placeholder 9"/>
-          <p:cNvSpPr>
-            <a:spLocks noGrp="1"/>
-          </p:cNvSpPr>
-          <p:nvPr>
-            <p:ph type="body" idx="15"/>
-          </p:nvPr>
-        </p:nvSpPr>
-        <p:spPr/>
-        <p:txBody>
-          <a:bodyPr/>
-          <a:lstStyle/>
-          <a:p>
-            <a:endParaRPr lang="nl-NL" dirty="0"/>
-          </a:p>
-        </p:txBody>
-      </p:sp>
-      <p:sp>
-        <p:nvSpPr>
-          <p:cNvPr id="7" name="Title 6"/>
-          <p:cNvSpPr>
-            <a:spLocks noGrp="1"/>
-          </p:cNvSpPr>
-          <p:nvPr>
-            <p:ph type="title"/>
-          </p:nvPr>
-        </p:nvSpPr>
-        <p:spPr/>
-        <p:txBody>
-          <a:bodyPr/>
-          <a:lstStyle/>
-          <a:p>
-            <a:endParaRPr lang="nl-NL"/>
-          </a:p>
-        </p:txBody>
-      </p:sp>
-      <p:sp>
-        <p:nvSpPr>
-          <p:cNvPr id="8" name="Content Placeholder 7"/>
-          <p:cNvSpPr>
-            <a:spLocks noGrp="1"/>
-          </p:cNvSpPr>
-          <p:nvPr>
-            <p:ph idx="1"/>
-          </p:nvPr>
-        </p:nvSpPr>
-        <p:spPr/>
-        <p:txBody>
-          <a:bodyPr/>
-          <a:lstStyle/>
-          <a:p>
-            <a:endParaRPr lang="nl-NL"/>
-          </a:p>
-        </p:txBody>
-      </p:sp>
-      <p:sp>
-        <p:nvSpPr>
-          <p:cNvPr id="4" name="Footer Placeholder 3"/>
-          <p:cNvSpPr>
-            <a:spLocks noGrp="1"/>
-          </p:cNvSpPr>
-          <p:nvPr>
-            <p:ph type="ftr" sz="quarter" idx="11"/>
-          </p:nvPr>
-        </p:nvSpPr>
-        <p:spPr/>
-        <p:txBody>
-          <a:bodyPr/>
-          <a:lstStyle/>
-          <a:p>
-            <a:r>
-              <a:rPr lang="nl-NL"/>
-              <a:t>Titel van de presentatie</a:t>
-            </a:r>
-          </a:p>
-        </p:txBody>
-      </p:sp>
-      <p:sp>
-        <p:nvSpPr>
-          <p:cNvPr id="5" name="Slide Number Placeholder 4"/>
-          <p:cNvSpPr>
-            <a:spLocks noGrp="1"/>
-          </p:cNvSpPr>
-          <p:nvPr>
-            <p:ph type="sldNum" sz="quarter" idx="12"/>
-          </p:nvPr>
-        </p:nvSpPr>
-        <p:spPr/>
-        <p:txBody>
-          <a:bodyPr/>
-          <a:lstStyle/>
-          <a:p>
-            <a:fld id="{14F1411D-0280-154F-AEAC-4C20B7AA46B2}" type="slidenum">
-              <a:rPr lang="nl-NL" smtClean="0"/>
-              <a:t>39</a:t>
-            </a:fld>
-            <a:endParaRPr lang="nl-NL"/>
-          </a:p>
-        </p:txBody>
-      </p:sp>
-      <p:sp>
-        <p:nvSpPr>
-          <p:cNvPr id="9" name="Subtitle 8"/>
-          <p:cNvSpPr>
-            <a:spLocks noGrp="1"/>
-          </p:cNvSpPr>
-          <p:nvPr>
-            <p:ph type="subTitle" idx="13"/>
-          </p:nvPr>
-        </p:nvSpPr>
-        <p:spPr/>
-        <p:txBody>
-          <a:bodyPr/>
-          <a:lstStyle/>
-          <a:p>
-            <a:endParaRPr lang="nl-NL"/>
-          </a:p>
-        </p:txBody>
-      </p:sp>
-    </p:spTree>
-    <p:extLst>
-      <p:ext uri="{BB962C8B-B14F-4D97-AF65-F5344CB8AC3E}">
-        <p14:creationId xmlns:p14="http://schemas.microsoft.com/office/powerpoint/2010/main" val="1222915943"/>
       </p:ext>
     </p:extLst>
   </p:cSld>
@@ -11678,63 +10585,6 @@
           </a:p>
         </p:txBody>
       </p:sp>
-      <p:sp>
-        <p:nvSpPr>
-          <p:cNvPr id="4" name="Footer Placeholder 3">
-            <a:extLst>
-              <a:ext uri="{FF2B5EF4-FFF2-40B4-BE49-F238E27FC236}">
-                <a16:creationId xmlns:a16="http://schemas.microsoft.com/office/drawing/2014/main" id="{1077FDFE-4635-4454-9C1A-1161B97C6D47}"/>
-              </a:ext>
-            </a:extLst>
-          </p:cNvPr>
-          <p:cNvSpPr>
-            <a:spLocks noGrp="1"/>
-          </p:cNvSpPr>
-          <p:nvPr>
-            <p:ph type="ftr" sz="quarter" idx="11"/>
-          </p:nvPr>
-        </p:nvSpPr>
-        <p:spPr/>
-        <p:txBody>
-          <a:bodyPr/>
-          <a:lstStyle/>
-          <a:p>
-            <a:r>
-              <a:rPr lang="nl-NL"/>
-              <a:t>Titel van de presentatie</a:t>
-            </a:r>
-          </a:p>
-        </p:txBody>
-      </p:sp>
-      <p:sp>
-        <p:nvSpPr>
-          <p:cNvPr id="5" name="Slide Number Placeholder 4">
-            <a:extLst>
-              <a:ext uri="{FF2B5EF4-FFF2-40B4-BE49-F238E27FC236}">
-                <a16:creationId xmlns:a16="http://schemas.microsoft.com/office/drawing/2014/main" id="{B48727DD-8678-4A1C-A02F-19AD81CBFE8F}"/>
-              </a:ext>
-            </a:extLst>
-          </p:cNvPr>
-          <p:cNvSpPr>
-            <a:spLocks noGrp="1"/>
-          </p:cNvSpPr>
-          <p:nvPr>
-            <p:ph type="sldNum" sz="quarter" idx="12"/>
-          </p:nvPr>
-        </p:nvSpPr>
-        <p:spPr/>
-        <p:txBody>
-          <a:bodyPr/>
-          <a:lstStyle/>
-          <a:p>
-            <a:fld id="{14F1411D-0280-154F-AEAC-4C20B7AA46B2}" type="slidenum">
-              <a:rPr lang="nl-NL" smtClean="0"/>
-              <a:t>4</a:t>
-            </a:fld>
-            <a:endParaRPr lang="nl-NL"/>
-          </a:p>
-        </p:txBody>
-      </p:sp>
       <p:pic>
         <p:nvPicPr>
           <p:cNvPr id="6" name="Picture 5">
@@ -11765,1555 +10615,67 @@
           </a:prstGeom>
         </p:spPr>
       </p:pic>
+      <p:sp>
+        <p:nvSpPr>
+          <p:cNvPr id="10" name="Slide Number Placeholder 9">
+            <a:extLst>
+              <a:ext uri="{FF2B5EF4-FFF2-40B4-BE49-F238E27FC236}">
+                <a16:creationId xmlns:a16="http://schemas.microsoft.com/office/drawing/2014/main" id="{0757F85C-075D-49C0-8B84-CE59D5D75678}"/>
+              </a:ext>
+            </a:extLst>
+          </p:cNvPr>
+          <p:cNvSpPr>
+            <a:spLocks noGrp="1"/>
+          </p:cNvSpPr>
+          <p:nvPr>
+            <p:ph type="sldNum" sz="quarter" idx="12"/>
+          </p:nvPr>
+        </p:nvSpPr>
+        <p:spPr/>
+        <p:txBody>
+          <a:bodyPr/>
+          <a:lstStyle/>
+          <a:p>
+            <a:fld id="{14F1411D-0280-154F-AEAC-4C20B7AA46B2}" type="slidenum">
+              <a:rPr lang="nl-NL" smtClean="0"/>
+              <a:t>4</a:t>
+            </a:fld>
+            <a:endParaRPr lang="nl-NL"/>
+          </a:p>
+        </p:txBody>
+      </p:sp>
+      <p:sp>
+        <p:nvSpPr>
+          <p:cNvPr id="11" name="Footer Placeholder 10">
+            <a:extLst>
+              <a:ext uri="{FF2B5EF4-FFF2-40B4-BE49-F238E27FC236}">
+                <a16:creationId xmlns:a16="http://schemas.microsoft.com/office/drawing/2014/main" id="{0ADCF250-C93D-4864-B424-D4BEF93EF902}"/>
+              </a:ext>
+            </a:extLst>
+          </p:cNvPr>
+          <p:cNvSpPr>
+            <a:spLocks noGrp="1"/>
+          </p:cNvSpPr>
+          <p:nvPr>
+            <p:ph type="ftr" sz="quarter" idx="11"/>
+          </p:nvPr>
+        </p:nvSpPr>
+        <p:spPr/>
+        <p:txBody>
+          <a:bodyPr/>
+          <a:lstStyle/>
+          <a:p>
+            <a:r>
+              <a:rPr lang="nl-NL"/>
+              <a:t>Context and dependency injection</a:t>
+            </a:r>
+          </a:p>
+        </p:txBody>
+      </p:sp>
     </p:spTree>
     <p:extLst>
       <p:ext uri="{BB962C8B-B14F-4D97-AF65-F5344CB8AC3E}">
         <p14:creationId xmlns:p14="http://schemas.microsoft.com/office/powerpoint/2010/main" val="3097442012"/>
-      </p:ext>
-    </p:extLst>
-  </p:cSld>
-  <p:clrMapOvr>
-    <a:masterClrMapping/>
-  </p:clrMapOvr>
-</p:sld>
-</file>
-
-<file path=ppt/slides/slide40.xml><?xml version="1.0" encoding="utf-8"?>
-<p:sld xmlns:a="http://schemas.openxmlformats.org/drawingml/2006/main" xmlns:r="http://schemas.openxmlformats.org/officeDocument/2006/relationships" xmlns:p="http://schemas.openxmlformats.org/presentationml/2006/main">
-  <p:cSld>
-    <p:spTree>
-      <p:nvGrpSpPr>
-        <p:cNvPr id="1" name=""/>
-        <p:cNvGrpSpPr/>
-        <p:nvPr/>
-      </p:nvGrpSpPr>
-      <p:grpSpPr>
-        <a:xfrm>
-          <a:off x="0" y="0"/>
-          <a:ext cx="0" cy="0"/>
-          <a:chOff x="0" y="0"/>
-          <a:chExt cx="0" cy="0"/>
-        </a:xfrm>
-      </p:grpSpPr>
-      <p:sp>
-        <p:nvSpPr>
-          <p:cNvPr id="2" name="Footer Placeholder 1"/>
-          <p:cNvSpPr>
-            <a:spLocks noGrp="1"/>
-          </p:cNvSpPr>
-          <p:nvPr>
-            <p:ph type="ftr" sz="quarter" idx="11"/>
-          </p:nvPr>
-        </p:nvSpPr>
-        <p:spPr/>
-        <p:txBody>
-          <a:bodyPr/>
-          <a:lstStyle/>
-          <a:p>
-            <a:r>
-              <a:rPr lang="nl-NL"/>
-              <a:t>Titel van de presentatie</a:t>
-            </a:r>
-          </a:p>
-        </p:txBody>
-      </p:sp>
-      <p:sp>
-        <p:nvSpPr>
-          <p:cNvPr id="3" name="Slide Number Placeholder 2"/>
-          <p:cNvSpPr>
-            <a:spLocks noGrp="1"/>
-          </p:cNvSpPr>
-          <p:nvPr>
-            <p:ph type="sldNum" sz="quarter" idx="12"/>
-          </p:nvPr>
-        </p:nvSpPr>
-        <p:spPr/>
-        <p:txBody>
-          <a:bodyPr/>
-          <a:lstStyle/>
-          <a:p>
-            <a:fld id="{14F1411D-0280-154F-AEAC-4C20B7AA46B2}" type="slidenum">
-              <a:rPr lang="nl-NL" smtClean="0"/>
-              <a:t>40</a:t>
-            </a:fld>
-            <a:endParaRPr lang="nl-NL"/>
-          </a:p>
-        </p:txBody>
-      </p:sp>
-      <p:sp>
-        <p:nvSpPr>
-          <p:cNvPr id="4" name="Title 3"/>
-          <p:cNvSpPr>
-            <a:spLocks noGrp="1"/>
-          </p:cNvSpPr>
-          <p:nvPr>
-            <p:ph type="title"/>
-          </p:nvPr>
-        </p:nvSpPr>
-        <p:spPr/>
-        <p:txBody>
-          <a:bodyPr/>
-          <a:lstStyle/>
-          <a:p>
-            <a:endParaRPr lang="nl-NL"/>
-          </a:p>
-        </p:txBody>
-      </p:sp>
-      <p:sp>
-        <p:nvSpPr>
-          <p:cNvPr id="5" name="Content Placeholder 4"/>
-          <p:cNvSpPr>
-            <a:spLocks noGrp="1"/>
-          </p:cNvSpPr>
-          <p:nvPr>
-            <p:ph idx="1"/>
-          </p:nvPr>
-        </p:nvSpPr>
-        <p:spPr/>
-        <p:txBody>
-          <a:bodyPr/>
-          <a:lstStyle/>
-          <a:p>
-            <a:endParaRPr lang="nl-NL"/>
-          </a:p>
-        </p:txBody>
-      </p:sp>
-      <p:sp>
-        <p:nvSpPr>
-          <p:cNvPr id="6" name="Text Placeholder 5"/>
-          <p:cNvSpPr>
-            <a:spLocks noGrp="1"/>
-          </p:cNvSpPr>
-          <p:nvPr>
-            <p:ph type="body" idx="13"/>
-          </p:nvPr>
-        </p:nvSpPr>
-        <p:spPr/>
-        <p:txBody>
-          <a:bodyPr/>
-          <a:lstStyle/>
-          <a:p>
-            <a:endParaRPr lang="nl-NL"/>
-          </a:p>
-        </p:txBody>
-      </p:sp>
-      <p:sp>
-        <p:nvSpPr>
-          <p:cNvPr id="7" name="Content Placeholder 6"/>
-          <p:cNvSpPr>
-            <a:spLocks noGrp="1"/>
-          </p:cNvSpPr>
-          <p:nvPr>
-            <p:ph idx="14"/>
-          </p:nvPr>
-        </p:nvSpPr>
-        <p:spPr/>
-        <p:txBody>
-          <a:bodyPr/>
-          <a:lstStyle/>
-          <a:p>
-            <a:endParaRPr lang="nl-NL"/>
-          </a:p>
-        </p:txBody>
-      </p:sp>
-      <p:sp>
-        <p:nvSpPr>
-          <p:cNvPr id="8" name="Text Placeholder 7"/>
-          <p:cNvSpPr>
-            <a:spLocks noGrp="1"/>
-          </p:cNvSpPr>
-          <p:nvPr>
-            <p:ph type="body" idx="15"/>
-          </p:nvPr>
-        </p:nvSpPr>
-        <p:spPr/>
-        <p:txBody>
-          <a:bodyPr/>
-          <a:lstStyle/>
-          <a:p>
-            <a:endParaRPr lang="nl-NL"/>
-          </a:p>
-        </p:txBody>
-      </p:sp>
-    </p:spTree>
-    <p:extLst>
-      <p:ext uri="{BB962C8B-B14F-4D97-AF65-F5344CB8AC3E}">
-        <p14:creationId xmlns:p14="http://schemas.microsoft.com/office/powerpoint/2010/main" val="2129752211"/>
-      </p:ext>
-    </p:extLst>
-  </p:cSld>
-  <p:clrMapOvr>
-    <a:masterClrMapping/>
-  </p:clrMapOvr>
-</p:sld>
-</file>
-
-<file path=ppt/slides/slide41.xml><?xml version="1.0" encoding="utf-8"?>
-<p:sld xmlns:a="http://schemas.openxmlformats.org/drawingml/2006/main" xmlns:r="http://schemas.openxmlformats.org/officeDocument/2006/relationships" xmlns:p="http://schemas.openxmlformats.org/presentationml/2006/main">
-  <p:cSld>
-    <p:spTree>
-      <p:nvGrpSpPr>
-        <p:cNvPr id="1" name=""/>
-        <p:cNvGrpSpPr/>
-        <p:nvPr/>
-      </p:nvGrpSpPr>
-      <p:grpSpPr>
-        <a:xfrm>
-          <a:off x="0" y="0"/>
-          <a:ext cx="0" cy="0"/>
-          <a:chOff x="0" y="0"/>
-          <a:chExt cx="0" cy="0"/>
-        </a:xfrm>
-      </p:grpSpPr>
-      <p:sp>
-        <p:nvSpPr>
-          <p:cNvPr id="2" name="Picture Placeholder 1"/>
-          <p:cNvSpPr>
-            <a:spLocks noGrp="1"/>
-          </p:cNvSpPr>
-          <p:nvPr>
-            <p:ph type="pic" idx="1"/>
-          </p:nvPr>
-        </p:nvSpPr>
-        <p:spPr/>
-      </p:sp>
-      <p:sp>
-        <p:nvSpPr>
-          <p:cNvPr id="3" name="Footer Placeholder 2"/>
-          <p:cNvSpPr>
-            <a:spLocks noGrp="1"/>
-          </p:cNvSpPr>
-          <p:nvPr>
-            <p:ph type="ftr" sz="quarter" idx="11"/>
-          </p:nvPr>
-        </p:nvSpPr>
-        <p:spPr/>
-        <p:txBody>
-          <a:bodyPr/>
-          <a:lstStyle/>
-          <a:p>
-            <a:r>
-              <a:rPr lang="nl-NL"/>
-              <a:t>Titel van de presentatie</a:t>
-            </a:r>
-          </a:p>
-        </p:txBody>
-      </p:sp>
-      <p:sp>
-        <p:nvSpPr>
-          <p:cNvPr id="4" name="Slide Number Placeholder 3"/>
-          <p:cNvSpPr>
-            <a:spLocks noGrp="1"/>
-          </p:cNvSpPr>
-          <p:nvPr>
-            <p:ph type="sldNum" sz="quarter" idx="12"/>
-          </p:nvPr>
-        </p:nvSpPr>
-        <p:spPr/>
-        <p:txBody>
-          <a:bodyPr/>
-          <a:lstStyle/>
-          <a:p>
-            <a:fld id="{14F1411D-0280-154F-AEAC-4C20B7AA46B2}" type="slidenum">
-              <a:rPr lang="nl-NL" smtClean="0"/>
-              <a:t>41</a:t>
-            </a:fld>
-            <a:endParaRPr lang="nl-NL"/>
-          </a:p>
-        </p:txBody>
-      </p:sp>
-      <p:sp>
-        <p:nvSpPr>
-          <p:cNvPr id="5" name="Title 4"/>
-          <p:cNvSpPr>
-            <a:spLocks noGrp="1"/>
-          </p:cNvSpPr>
-          <p:nvPr>
-            <p:ph type="title"/>
-          </p:nvPr>
-        </p:nvSpPr>
-        <p:spPr/>
-        <p:txBody>
-          <a:bodyPr/>
-          <a:lstStyle/>
-          <a:p>
-            <a:endParaRPr lang="nl-NL"/>
-          </a:p>
-        </p:txBody>
-      </p:sp>
-      <p:sp>
-        <p:nvSpPr>
-          <p:cNvPr id="6" name="Picture Placeholder 5"/>
-          <p:cNvSpPr>
-            <a:spLocks noGrp="1"/>
-          </p:cNvSpPr>
-          <p:nvPr>
-            <p:ph type="pic" idx="13"/>
-          </p:nvPr>
-        </p:nvSpPr>
-        <p:spPr/>
-      </p:sp>
-      <p:sp>
-        <p:nvSpPr>
-          <p:cNvPr id="7" name="Content Placeholder 6"/>
-          <p:cNvSpPr>
-            <a:spLocks noGrp="1"/>
-          </p:cNvSpPr>
-          <p:nvPr>
-            <p:ph idx="14"/>
-          </p:nvPr>
-        </p:nvSpPr>
-        <p:spPr/>
-        <p:txBody>
-          <a:bodyPr/>
-          <a:lstStyle/>
-          <a:p>
-            <a:endParaRPr lang="nl-NL"/>
-          </a:p>
-        </p:txBody>
-      </p:sp>
-      <p:sp>
-        <p:nvSpPr>
-          <p:cNvPr id="8" name="Text Placeholder 7"/>
-          <p:cNvSpPr>
-            <a:spLocks noGrp="1"/>
-          </p:cNvSpPr>
-          <p:nvPr>
-            <p:ph type="body" idx="16"/>
-          </p:nvPr>
-        </p:nvSpPr>
-        <p:spPr/>
-        <p:txBody>
-          <a:bodyPr/>
-          <a:lstStyle/>
-          <a:p>
-            <a:endParaRPr lang="nl-NL"/>
-          </a:p>
-        </p:txBody>
-      </p:sp>
-      <p:sp>
-        <p:nvSpPr>
-          <p:cNvPr id="9" name="Content Placeholder 8"/>
-          <p:cNvSpPr>
-            <a:spLocks noGrp="1"/>
-          </p:cNvSpPr>
-          <p:nvPr>
-            <p:ph idx="17"/>
-          </p:nvPr>
-        </p:nvSpPr>
-        <p:spPr/>
-        <p:txBody>
-          <a:bodyPr/>
-          <a:lstStyle/>
-          <a:p>
-            <a:endParaRPr lang="nl-NL"/>
-          </a:p>
-        </p:txBody>
-      </p:sp>
-      <p:sp>
-        <p:nvSpPr>
-          <p:cNvPr id="10" name="Text Placeholder 9"/>
-          <p:cNvSpPr>
-            <a:spLocks noGrp="1"/>
-          </p:cNvSpPr>
-          <p:nvPr>
-            <p:ph type="body" idx="18"/>
-          </p:nvPr>
-        </p:nvSpPr>
-        <p:spPr/>
-        <p:txBody>
-          <a:bodyPr/>
-          <a:lstStyle/>
-          <a:p>
-            <a:endParaRPr lang="nl-NL"/>
-          </a:p>
-        </p:txBody>
-      </p:sp>
-    </p:spTree>
-    <p:extLst>
-      <p:ext uri="{BB962C8B-B14F-4D97-AF65-F5344CB8AC3E}">
-        <p14:creationId xmlns:p14="http://schemas.microsoft.com/office/powerpoint/2010/main" val="1602680796"/>
-      </p:ext>
-    </p:extLst>
-  </p:cSld>
-  <p:clrMapOvr>
-    <a:masterClrMapping/>
-  </p:clrMapOvr>
-</p:sld>
-</file>
-
-<file path=ppt/slides/slide42.xml><?xml version="1.0" encoding="utf-8"?>
-<p:sld xmlns:a="http://schemas.openxmlformats.org/drawingml/2006/main" xmlns:r="http://schemas.openxmlformats.org/officeDocument/2006/relationships" xmlns:p="http://schemas.openxmlformats.org/presentationml/2006/main">
-  <p:cSld>
-    <p:spTree>
-      <p:nvGrpSpPr>
-        <p:cNvPr id="1" name=""/>
-        <p:cNvGrpSpPr/>
-        <p:nvPr/>
-      </p:nvGrpSpPr>
-      <p:grpSpPr>
-        <a:xfrm>
-          <a:off x="0" y="0"/>
-          <a:ext cx="0" cy="0"/>
-          <a:chOff x="0" y="0"/>
-          <a:chExt cx="0" cy="0"/>
-        </a:xfrm>
-      </p:grpSpPr>
-      <p:pic>
-        <p:nvPicPr>
-          <p:cNvPr id="11" name="Picture Placeholder 10"/>
-          <p:cNvPicPr>
-            <a:picLocks noGrp="1" noChangeAspect="1"/>
-          </p:cNvPicPr>
-          <p:nvPr>
-            <p:ph type="pic" idx="1"/>
-          </p:nvPr>
-        </p:nvPicPr>
-        <p:blipFill>
-          <a:blip r:embed="rId2">
-            <a:extLst>
-              <a:ext uri="{28A0092B-C50C-407E-A947-70E740481C1C}">
-                <a14:useLocalDpi xmlns:a14="http://schemas.microsoft.com/office/drawing/2010/main" val="0"/>
-              </a:ext>
-            </a:extLst>
-          </a:blip>
-          <a:srcRect l="56" r="56"/>
-          <a:stretch>
-            <a:fillRect/>
-          </a:stretch>
-        </p:blipFill>
-        <p:spPr/>
-      </p:pic>
-      <p:sp>
-        <p:nvSpPr>
-          <p:cNvPr id="3" name="Footer Placeholder 2"/>
-          <p:cNvSpPr>
-            <a:spLocks noGrp="1"/>
-          </p:cNvSpPr>
-          <p:nvPr>
-            <p:ph type="ftr" sz="quarter" idx="11"/>
-          </p:nvPr>
-        </p:nvSpPr>
-        <p:spPr/>
-        <p:txBody>
-          <a:bodyPr/>
-          <a:lstStyle/>
-          <a:p>
-            <a:r>
-              <a:rPr lang="nl-NL"/>
-              <a:t>Titel van de presentatie</a:t>
-            </a:r>
-          </a:p>
-        </p:txBody>
-      </p:sp>
-      <p:sp>
-        <p:nvSpPr>
-          <p:cNvPr id="4" name="Slide Number Placeholder 3"/>
-          <p:cNvSpPr>
-            <a:spLocks noGrp="1"/>
-          </p:cNvSpPr>
-          <p:nvPr>
-            <p:ph type="sldNum" sz="quarter" idx="12"/>
-          </p:nvPr>
-        </p:nvSpPr>
-        <p:spPr/>
-        <p:txBody>
-          <a:bodyPr/>
-          <a:lstStyle/>
-          <a:p>
-            <a:fld id="{14F1411D-0280-154F-AEAC-4C20B7AA46B2}" type="slidenum">
-              <a:rPr lang="nl-NL" smtClean="0"/>
-              <a:t>42</a:t>
-            </a:fld>
-            <a:endParaRPr lang="nl-NL"/>
-          </a:p>
-        </p:txBody>
-      </p:sp>
-      <p:sp>
-        <p:nvSpPr>
-          <p:cNvPr id="5" name="Title 4"/>
-          <p:cNvSpPr>
-            <a:spLocks noGrp="1"/>
-          </p:cNvSpPr>
-          <p:nvPr>
-            <p:ph type="title"/>
-          </p:nvPr>
-        </p:nvSpPr>
-        <p:spPr/>
-        <p:txBody>
-          <a:bodyPr/>
-          <a:lstStyle/>
-          <a:p>
-            <a:endParaRPr lang="nl-NL"/>
-          </a:p>
-        </p:txBody>
-      </p:sp>
-      <p:pic>
-        <p:nvPicPr>
-          <p:cNvPr id="13" name="Picture Placeholder 12"/>
-          <p:cNvPicPr>
-            <a:picLocks noGrp="1" noChangeAspect="1"/>
-          </p:cNvPicPr>
-          <p:nvPr>
-            <p:ph type="pic" idx="13"/>
-          </p:nvPr>
-        </p:nvPicPr>
-        <p:blipFill>
-          <a:blip r:embed="rId3">
-            <a:extLst>
-              <a:ext uri="{28A0092B-C50C-407E-A947-70E740481C1C}">
-                <a14:useLocalDpi xmlns:a14="http://schemas.microsoft.com/office/drawing/2010/main" val="0"/>
-              </a:ext>
-            </a:extLst>
-          </a:blip>
-          <a:srcRect l="56" r="56"/>
-          <a:stretch>
-            <a:fillRect/>
-          </a:stretch>
-        </p:blipFill>
-        <p:spPr/>
-      </p:pic>
-      <p:sp>
-        <p:nvSpPr>
-          <p:cNvPr id="7" name="Content Placeholder 6"/>
-          <p:cNvSpPr>
-            <a:spLocks noGrp="1"/>
-          </p:cNvSpPr>
-          <p:nvPr>
-            <p:ph idx="14"/>
-          </p:nvPr>
-        </p:nvSpPr>
-        <p:spPr/>
-        <p:txBody>
-          <a:bodyPr/>
-          <a:lstStyle/>
-          <a:p>
-            <a:endParaRPr lang="nl-NL"/>
-          </a:p>
-        </p:txBody>
-      </p:sp>
-      <p:sp>
-        <p:nvSpPr>
-          <p:cNvPr id="8" name="Text Placeholder 7"/>
-          <p:cNvSpPr>
-            <a:spLocks noGrp="1"/>
-          </p:cNvSpPr>
-          <p:nvPr>
-            <p:ph type="body" idx="16"/>
-          </p:nvPr>
-        </p:nvSpPr>
-        <p:spPr/>
-        <p:txBody>
-          <a:bodyPr/>
-          <a:lstStyle/>
-          <a:p>
-            <a:endParaRPr lang="nl-NL"/>
-          </a:p>
-        </p:txBody>
-      </p:sp>
-      <p:sp>
-        <p:nvSpPr>
-          <p:cNvPr id="9" name="Content Placeholder 8"/>
-          <p:cNvSpPr>
-            <a:spLocks noGrp="1"/>
-          </p:cNvSpPr>
-          <p:nvPr>
-            <p:ph idx="17"/>
-          </p:nvPr>
-        </p:nvSpPr>
-        <p:spPr/>
-        <p:txBody>
-          <a:bodyPr/>
-          <a:lstStyle/>
-          <a:p>
-            <a:endParaRPr lang="nl-NL"/>
-          </a:p>
-        </p:txBody>
-      </p:sp>
-      <p:sp>
-        <p:nvSpPr>
-          <p:cNvPr id="10" name="Text Placeholder 9"/>
-          <p:cNvSpPr>
-            <a:spLocks noGrp="1"/>
-          </p:cNvSpPr>
-          <p:nvPr>
-            <p:ph type="body" idx="18"/>
-          </p:nvPr>
-        </p:nvSpPr>
-        <p:spPr/>
-        <p:txBody>
-          <a:bodyPr/>
-          <a:lstStyle/>
-          <a:p>
-            <a:endParaRPr lang="nl-NL"/>
-          </a:p>
-        </p:txBody>
-      </p:sp>
-    </p:spTree>
-    <p:extLst>
-      <p:ext uri="{BB962C8B-B14F-4D97-AF65-F5344CB8AC3E}">
-        <p14:creationId xmlns:p14="http://schemas.microsoft.com/office/powerpoint/2010/main" val="487982081"/>
-      </p:ext>
-    </p:extLst>
-  </p:cSld>
-  <p:clrMapOvr>
-    <a:masterClrMapping/>
-  </p:clrMapOvr>
-</p:sld>
-</file>
-
-<file path=ppt/slides/slide43.xml><?xml version="1.0" encoding="utf-8"?>
-<p:sld xmlns:a="http://schemas.openxmlformats.org/drawingml/2006/main" xmlns:r="http://schemas.openxmlformats.org/officeDocument/2006/relationships" xmlns:p="http://schemas.openxmlformats.org/presentationml/2006/main">
-  <p:cSld>
-    <p:spTree>
-      <p:nvGrpSpPr>
-        <p:cNvPr id="1" name=""/>
-        <p:cNvGrpSpPr/>
-        <p:nvPr/>
-      </p:nvGrpSpPr>
-      <p:grpSpPr>
-        <a:xfrm>
-          <a:off x="0" y="0"/>
-          <a:ext cx="0" cy="0"/>
-          <a:chOff x="0" y="0"/>
-          <a:chExt cx="0" cy="0"/>
-        </a:xfrm>
-      </p:grpSpPr>
-      <p:pic>
-        <p:nvPicPr>
-          <p:cNvPr id="11" name="Picture Placeholder 10"/>
-          <p:cNvPicPr>
-            <a:picLocks noGrp="1" noChangeAspect="1"/>
-          </p:cNvPicPr>
-          <p:nvPr>
-            <p:ph type="pic" idx="1"/>
-          </p:nvPr>
-        </p:nvPicPr>
-        <p:blipFill>
-          <a:blip r:embed="rId2">
-            <a:extLst>
-              <a:ext uri="{28A0092B-C50C-407E-A947-70E740481C1C}">
-                <a14:useLocalDpi xmlns:a14="http://schemas.microsoft.com/office/drawing/2010/main" val="0"/>
-              </a:ext>
-            </a:extLst>
-          </a:blip>
-          <a:srcRect l="56" r="56"/>
-          <a:stretch>
-            <a:fillRect/>
-          </a:stretch>
-        </p:blipFill>
-        <p:spPr/>
-      </p:pic>
-      <p:sp>
-        <p:nvSpPr>
-          <p:cNvPr id="3" name="Footer Placeholder 2"/>
-          <p:cNvSpPr>
-            <a:spLocks noGrp="1"/>
-          </p:cNvSpPr>
-          <p:nvPr>
-            <p:ph type="ftr" sz="quarter" idx="11"/>
-          </p:nvPr>
-        </p:nvSpPr>
-        <p:spPr/>
-        <p:txBody>
-          <a:bodyPr/>
-          <a:lstStyle/>
-          <a:p>
-            <a:r>
-              <a:rPr lang="nl-NL"/>
-              <a:t>Titel van de presentatie</a:t>
-            </a:r>
-          </a:p>
-        </p:txBody>
-      </p:sp>
-      <p:sp>
-        <p:nvSpPr>
-          <p:cNvPr id="4" name="Slide Number Placeholder 3"/>
-          <p:cNvSpPr>
-            <a:spLocks noGrp="1"/>
-          </p:cNvSpPr>
-          <p:nvPr>
-            <p:ph type="sldNum" sz="quarter" idx="12"/>
-          </p:nvPr>
-        </p:nvSpPr>
-        <p:spPr/>
-        <p:txBody>
-          <a:bodyPr/>
-          <a:lstStyle/>
-          <a:p>
-            <a:fld id="{14F1411D-0280-154F-AEAC-4C20B7AA46B2}" type="slidenum">
-              <a:rPr lang="nl-NL" smtClean="0"/>
-              <a:t>43</a:t>
-            </a:fld>
-            <a:endParaRPr lang="nl-NL"/>
-          </a:p>
-        </p:txBody>
-      </p:sp>
-      <p:sp>
-        <p:nvSpPr>
-          <p:cNvPr id="5" name="Title 4"/>
-          <p:cNvSpPr>
-            <a:spLocks noGrp="1"/>
-          </p:cNvSpPr>
-          <p:nvPr>
-            <p:ph type="title"/>
-          </p:nvPr>
-        </p:nvSpPr>
-        <p:spPr/>
-        <p:txBody>
-          <a:bodyPr/>
-          <a:lstStyle/>
-          <a:p>
-            <a:endParaRPr lang="nl-NL"/>
-          </a:p>
-        </p:txBody>
-      </p:sp>
-      <p:pic>
-        <p:nvPicPr>
-          <p:cNvPr id="12" name="Picture Placeholder 11"/>
-          <p:cNvPicPr>
-            <a:picLocks noGrp="1" noChangeAspect="1"/>
-          </p:cNvPicPr>
-          <p:nvPr>
-            <p:ph type="pic" idx="13"/>
-          </p:nvPr>
-        </p:nvPicPr>
-        <p:blipFill>
-          <a:blip r:embed="rId3">
-            <a:extLst>
-              <a:ext uri="{28A0092B-C50C-407E-A947-70E740481C1C}">
-                <a14:useLocalDpi xmlns:a14="http://schemas.microsoft.com/office/drawing/2010/main" val="0"/>
-              </a:ext>
-            </a:extLst>
-          </a:blip>
-          <a:srcRect l="56" r="56"/>
-          <a:stretch>
-            <a:fillRect/>
-          </a:stretch>
-        </p:blipFill>
-        <p:spPr/>
-      </p:pic>
-      <p:sp>
-        <p:nvSpPr>
-          <p:cNvPr id="7" name="Content Placeholder 6"/>
-          <p:cNvSpPr>
-            <a:spLocks noGrp="1"/>
-          </p:cNvSpPr>
-          <p:nvPr>
-            <p:ph idx="14"/>
-          </p:nvPr>
-        </p:nvSpPr>
-        <p:spPr/>
-        <p:txBody>
-          <a:bodyPr/>
-          <a:lstStyle/>
-          <a:p>
-            <a:endParaRPr lang="nl-NL"/>
-          </a:p>
-        </p:txBody>
-      </p:sp>
-      <p:sp>
-        <p:nvSpPr>
-          <p:cNvPr id="8" name="Text Placeholder 7"/>
-          <p:cNvSpPr>
-            <a:spLocks noGrp="1"/>
-          </p:cNvSpPr>
-          <p:nvPr>
-            <p:ph type="body" idx="16"/>
-          </p:nvPr>
-        </p:nvSpPr>
-        <p:spPr/>
-        <p:txBody>
-          <a:bodyPr/>
-          <a:lstStyle/>
-          <a:p>
-            <a:endParaRPr lang="nl-NL"/>
-          </a:p>
-        </p:txBody>
-      </p:sp>
-      <p:sp>
-        <p:nvSpPr>
-          <p:cNvPr id="9" name="Content Placeholder 8"/>
-          <p:cNvSpPr>
-            <a:spLocks noGrp="1"/>
-          </p:cNvSpPr>
-          <p:nvPr>
-            <p:ph idx="17"/>
-          </p:nvPr>
-        </p:nvSpPr>
-        <p:spPr/>
-        <p:txBody>
-          <a:bodyPr/>
-          <a:lstStyle/>
-          <a:p>
-            <a:endParaRPr lang="nl-NL"/>
-          </a:p>
-        </p:txBody>
-      </p:sp>
-      <p:sp>
-        <p:nvSpPr>
-          <p:cNvPr id="10" name="Text Placeholder 9"/>
-          <p:cNvSpPr>
-            <a:spLocks noGrp="1"/>
-          </p:cNvSpPr>
-          <p:nvPr>
-            <p:ph type="body" idx="18"/>
-          </p:nvPr>
-        </p:nvSpPr>
-        <p:spPr/>
-        <p:txBody>
-          <a:bodyPr/>
-          <a:lstStyle/>
-          <a:p>
-            <a:endParaRPr lang="nl-NL"/>
-          </a:p>
-        </p:txBody>
-      </p:sp>
-    </p:spTree>
-    <p:extLst>
-      <p:ext uri="{BB962C8B-B14F-4D97-AF65-F5344CB8AC3E}">
-        <p14:creationId xmlns:p14="http://schemas.microsoft.com/office/powerpoint/2010/main" val="1383806982"/>
-      </p:ext>
-    </p:extLst>
-  </p:cSld>
-  <p:clrMapOvr>
-    <a:masterClrMapping/>
-  </p:clrMapOvr>
-</p:sld>
-</file>
-
-<file path=ppt/slides/slide44.xml><?xml version="1.0" encoding="utf-8"?>
-<p:sld xmlns:a="http://schemas.openxmlformats.org/drawingml/2006/main" xmlns:r="http://schemas.openxmlformats.org/officeDocument/2006/relationships" xmlns:p="http://schemas.openxmlformats.org/presentationml/2006/main">
-  <p:cSld>
-    <p:spTree>
-      <p:nvGrpSpPr>
-        <p:cNvPr id="1" name=""/>
-        <p:cNvGrpSpPr/>
-        <p:nvPr/>
-      </p:nvGrpSpPr>
-      <p:grpSpPr>
-        <a:xfrm>
-          <a:off x="0" y="0"/>
-          <a:ext cx="0" cy="0"/>
-          <a:chOff x="0" y="0"/>
-          <a:chExt cx="0" cy="0"/>
-        </a:xfrm>
-      </p:grpSpPr>
-      <p:sp>
-        <p:nvSpPr>
-          <p:cNvPr id="2" name="Title 1"/>
-          <p:cNvSpPr>
-            <a:spLocks noGrp="1"/>
-          </p:cNvSpPr>
-          <p:nvPr>
-            <p:ph type="title"/>
-          </p:nvPr>
-        </p:nvSpPr>
-        <p:spPr/>
-        <p:txBody>
-          <a:bodyPr/>
-          <a:lstStyle/>
-          <a:p>
-            <a:endParaRPr lang="nl-NL"/>
-          </a:p>
-        </p:txBody>
-      </p:sp>
-      <p:sp>
-        <p:nvSpPr>
-          <p:cNvPr id="3" name="Footer Placeholder 2"/>
-          <p:cNvSpPr>
-            <a:spLocks noGrp="1"/>
-          </p:cNvSpPr>
-          <p:nvPr>
-            <p:ph type="ftr" sz="quarter" idx="11"/>
-          </p:nvPr>
-        </p:nvSpPr>
-        <p:spPr/>
-        <p:txBody>
-          <a:bodyPr/>
-          <a:lstStyle/>
-          <a:p>
-            <a:r>
-              <a:rPr lang="nl-NL" noProof="0"/>
-              <a:t>Titel van de presentatie</a:t>
-            </a:r>
-            <a:endParaRPr lang="nl-NL" noProof="0" dirty="0"/>
-          </a:p>
-        </p:txBody>
-      </p:sp>
-      <p:sp>
-        <p:nvSpPr>
-          <p:cNvPr id="4" name="Slide Number Placeholder 3"/>
-          <p:cNvSpPr>
-            <a:spLocks noGrp="1"/>
-          </p:cNvSpPr>
-          <p:nvPr>
-            <p:ph type="sldNum" sz="quarter" idx="12"/>
-          </p:nvPr>
-        </p:nvSpPr>
-        <p:spPr/>
-        <p:txBody>
-          <a:bodyPr/>
-          <a:lstStyle/>
-          <a:p>
-            <a:fld id="{14F1411D-0280-154F-AEAC-4C20B7AA46B2}" type="slidenum">
-              <a:rPr lang="nl-NL" noProof="0" smtClean="0"/>
-              <a:t>44</a:t>
-            </a:fld>
-            <a:endParaRPr lang="nl-NL" noProof="0" dirty="0"/>
-          </a:p>
-        </p:txBody>
-      </p:sp>
-    </p:spTree>
-    <p:extLst>
-      <p:ext uri="{BB962C8B-B14F-4D97-AF65-F5344CB8AC3E}">
-        <p14:creationId xmlns:p14="http://schemas.microsoft.com/office/powerpoint/2010/main" val="356475829"/>
-      </p:ext>
-    </p:extLst>
-  </p:cSld>
-  <p:clrMapOvr>
-    <a:masterClrMapping/>
-  </p:clrMapOvr>
-</p:sld>
-</file>
-
-<file path=ppt/slides/slide45.xml><?xml version="1.0" encoding="utf-8"?>
-<p:sld xmlns:a="http://schemas.openxmlformats.org/drawingml/2006/main" xmlns:r="http://schemas.openxmlformats.org/officeDocument/2006/relationships" xmlns:p="http://schemas.openxmlformats.org/presentationml/2006/main">
-  <p:cSld>
-    <p:spTree>
-      <p:nvGrpSpPr>
-        <p:cNvPr id="1" name=""/>
-        <p:cNvGrpSpPr/>
-        <p:nvPr/>
-      </p:nvGrpSpPr>
-      <p:grpSpPr>
-        <a:xfrm>
-          <a:off x="0" y="0"/>
-          <a:ext cx="0" cy="0"/>
-          <a:chOff x="0" y="0"/>
-          <a:chExt cx="0" cy="0"/>
-        </a:xfrm>
-      </p:grpSpPr>
-      <p:sp>
-        <p:nvSpPr>
-          <p:cNvPr id="6" name="Title 5"/>
-          <p:cNvSpPr>
-            <a:spLocks noGrp="1"/>
-          </p:cNvSpPr>
-          <p:nvPr>
-            <p:ph type="title"/>
-          </p:nvPr>
-        </p:nvSpPr>
-        <p:spPr/>
-        <p:txBody>
-          <a:bodyPr/>
-          <a:lstStyle/>
-          <a:p>
-            <a:endParaRPr lang="nl-NL"/>
-          </a:p>
-        </p:txBody>
-      </p:sp>
-      <p:sp>
-        <p:nvSpPr>
-          <p:cNvPr id="3" name="Footer Placeholder 2"/>
-          <p:cNvSpPr>
-            <a:spLocks noGrp="1"/>
-          </p:cNvSpPr>
-          <p:nvPr>
-            <p:ph type="ftr" sz="quarter" idx="11"/>
-          </p:nvPr>
-        </p:nvSpPr>
-        <p:spPr/>
-        <p:txBody>
-          <a:bodyPr/>
-          <a:lstStyle/>
-          <a:p>
-            <a:r>
-              <a:rPr lang="nl-NL" noProof="0"/>
-              <a:t>Titel van de presentatie</a:t>
-            </a:r>
-            <a:endParaRPr lang="nl-NL" noProof="0" dirty="0"/>
-          </a:p>
-        </p:txBody>
-      </p:sp>
-      <p:sp>
-        <p:nvSpPr>
-          <p:cNvPr id="4" name="Slide Number Placeholder 3"/>
-          <p:cNvSpPr>
-            <a:spLocks noGrp="1"/>
-          </p:cNvSpPr>
-          <p:nvPr>
-            <p:ph type="sldNum" sz="quarter" idx="12"/>
-          </p:nvPr>
-        </p:nvSpPr>
-        <p:spPr/>
-        <p:txBody>
-          <a:bodyPr/>
-          <a:lstStyle/>
-          <a:p>
-            <a:fld id="{14F1411D-0280-154F-AEAC-4C20B7AA46B2}" type="slidenum">
-              <a:rPr lang="nl-NL" noProof="0" smtClean="0"/>
-              <a:t>45</a:t>
-            </a:fld>
-            <a:endParaRPr lang="nl-NL" noProof="0" dirty="0"/>
-          </a:p>
-        </p:txBody>
-      </p:sp>
-      <p:sp>
-        <p:nvSpPr>
-          <p:cNvPr id="7" name="Picture Placeholder 6"/>
-          <p:cNvSpPr>
-            <a:spLocks noGrp="1"/>
-          </p:cNvSpPr>
-          <p:nvPr>
-            <p:ph type="pic" idx="1"/>
-          </p:nvPr>
-        </p:nvSpPr>
-        <p:spPr/>
-      </p:sp>
-    </p:spTree>
-    <p:extLst>
-      <p:ext uri="{BB962C8B-B14F-4D97-AF65-F5344CB8AC3E}">
-        <p14:creationId xmlns:p14="http://schemas.microsoft.com/office/powerpoint/2010/main" val="274787474"/>
-      </p:ext>
-    </p:extLst>
-  </p:cSld>
-  <p:clrMapOvr>
-    <a:masterClrMapping/>
-  </p:clrMapOvr>
-</p:sld>
-</file>
-
-<file path=ppt/slides/slide46.xml><?xml version="1.0" encoding="utf-8"?>
-<p:sld xmlns:a="http://schemas.openxmlformats.org/drawingml/2006/main" xmlns:r="http://schemas.openxmlformats.org/officeDocument/2006/relationships" xmlns:p="http://schemas.openxmlformats.org/presentationml/2006/main">
-  <p:cSld>
-    <p:spTree>
-      <p:nvGrpSpPr>
-        <p:cNvPr id="1" name=""/>
-        <p:cNvGrpSpPr/>
-        <p:nvPr/>
-      </p:nvGrpSpPr>
-      <p:grpSpPr>
-        <a:xfrm>
-          <a:off x="0" y="0"/>
-          <a:ext cx="0" cy="0"/>
-          <a:chOff x="0" y="0"/>
-          <a:chExt cx="0" cy="0"/>
-        </a:xfrm>
-      </p:grpSpPr>
-      <p:sp>
-        <p:nvSpPr>
-          <p:cNvPr id="2" name="Title 1"/>
-          <p:cNvSpPr>
-            <a:spLocks noGrp="1"/>
-          </p:cNvSpPr>
-          <p:nvPr>
-            <p:ph type="title"/>
-          </p:nvPr>
-        </p:nvSpPr>
-        <p:spPr/>
-        <p:txBody>
-          <a:bodyPr/>
-          <a:lstStyle/>
-          <a:p>
-            <a:endParaRPr lang="nl-NL"/>
-          </a:p>
-        </p:txBody>
-      </p:sp>
-      <p:sp>
-        <p:nvSpPr>
-          <p:cNvPr id="3" name="Content Placeholder 2"/>
-          <p:cNvSpPr>
-            <a:spLocks noGrp="1"/>
-          </p:cNvSpPr>
-          <p:nvPr>
-            <p:ph idx="1"/>
-          </p:nvPr>
-        </p:nvSpPr>
-        <p:spPr/>
-        <p:txBody>
-          <a:bodyPr/>
-          <a:lstStyle/>
-          <a:p>
-            <a:endParaRPr lang="nl-NL"/>
-          </a:p>
-        </p:txBody>
-      </p:sp>
-      <p:sp>
-        <p:nvSpPr>
-          <p:cNvPr id="4" name="Footer Placeholder 3"/>
-          <p:cNvSpPr>
-            <a:spLocks noGrp="1"/>
-          </p:cNvSpPr>
-          <p:nvPr>
-            <p:ph type="ftr" sz="quarter" idx="11"/>
-          </p:nvPr>
-        </p:nvSpPr>
-        <p:spPr/>
-        <p:txBody>
-          <a:bodyPr/>
-          <a:lstStyle/>
-          <a:p>
-            <a:r>
-              <a:rPr lang="nl-NL"/>
-              <a:t>Titel van de presentatie</a:t>
-            </a:r>
-          </a:p>
-        </p:txBody>
-      </p:sp>
-      <p:sp>
-        <p:nvSpPr>
-          <p:cNvPr id="5" name="Slide Number Placeholder 4"/>
-          <p:cNvSpPr>
-            <a:spLocks noGrp="1"/>
-          </p:cNvSpPr>
-          <p:nvPr>
-            <p:ph type="sldNum" sz="quarter" idx="12"/>
-          </p:nvPr>
-        </p:nvSpPr>
-        <p:spPr/>
-        <p:txBody>
-          <a:bodyPr/>
-          <a:lstStyle/>
-          <a:p>
-            <a:fld id="{14F1411D-0280-154F-AEAC-4C20B7AA46B2}" type="slidenum">
-              <a:rPr lang="nl-NL" smtClean="0"/>
-              <a:t>46</a:t>
-            </a:fld>
-            <a:endParaRPr lang="nl-NL"/>
-          </a:p>
-        </p:txBody>
-      </p:sp>
-      <p:sp>
-        <p:nvSpPr>
-          <p:cNvPr id="6" name="Picture Placeholder 5"/>
-          <p:cNvSpPr>
-            <a:spLocks noGrp="1"/>
-          </p:cNvSpPr>
-          <p:nvPr>
-            <p:ph type="pic" idx="13"/>
-          </p:nvPr>
-        </p:nvSpPr>
-        <p:spPr/>
-      </p:sp>
-    </p:spTree>
-    <p:extLst>
-      <p:ext uri="{BB962C8B-B14F-4D97-AF65-F5344CB8AC3E}">
-        <p14:creationId xmlns:p14="http://schemas.microsoft.com/office/powerpoint/2010/main" val="846720374"/>
-      </p:ext>
-    </p:extLst>
-  </p:cSld>
-  <p:clrMapOvr>
-    <a:masterClrMapping/>
-  </p:clrMapOvr>
-</p:sld>
-</file>
-
-<file path=ppt/slides/slide47.xml><?xml version="1.0" encoding="utf-8"?>
-<p:sld xmlns:a="http://schemas.openxmlformats.org/drawingml/2006/main" xmlns:r="http://schemas.openxmlformats.org/officeDocument/2006/relationships" xmlns:p="http://schemas.openxmlformats.org/presentationml/2006/main">
-  <p:cSld>
-    <p:spTree>
-      <p:nvGrpSpPr>
-        <p:cNvPr id="1" name=""/>
-        <p:cNvGrpSpPr/>
-        <p:nvPr/>
-      </p:nvGrpSpPr>
-      <p:grpSpPr>
-        <a:xfrm>
-          <a:off x="0" y="0"/>
-          <a:ext cx="0" cy="0"/>
-          <a:chOff x="0" y="0"/>
-          <a:chExt cx="0" cy="0"/>
-        </a:xfrm>
-      </p:grpSpPr>
-      <p:sp>
-        <p:nvSpPr>
-          <p:cNvPr id="2" name="Title 1"/>
-          <p:cNvSpPr>
-            <a:spLocks noGrp="1"/>
-          </p:cNvSpPr>
-          <p:nvPr>
-            <p:ph type="title"/>
-          </p:nvPr>
-        </p:nvSpPr>
-        <p:spPr/>
-        <p:txBody>
-          <a:bodyPr/>
-          <a:lstStyle/>
-          <a:p>
-            <a:endParaRPr lang="nl-NL"/>
-          </a:p>
-        </p:txBody>
-      </p:sp>
-      <p:sp>
-        <p:nvSpPr>
-          <p:cNvPr id="3" name="Content Placeholder 2"/>
-          <p:cNvSpPr>
-            <a:spLocks noGrp="1"/>
-          </p:cNvSpPr>
-          <p:nvPr>
-            <p:ph idx="1"/>
-          </p:nvPr>
-        </p:nvSpPr>
-        <p:spPr/>
-        <p:txBody>
-          <a:bodyPr/>
-          <a:lstStyle/>
-          <a:p>
-            <a:endParaRPr lang="nl-NL"/>
-          </a:p>
-        </p:txBody>
-      </p:sp>
-      <p:sp>
-        <p:nvSpPr>
-          <p:cNvPr id="4" name="Footer Placeholder 3"/>
-          <p:cNvSpPr>
-            <a:spLocks noGrp="1"/>
-          </p:cNvSpPr>
-          <p:nvPr>
-            <p:ph type="ftr" sz="quarter" idx="11"/>
-          </p:nvPr>
-        </p:nvSpPr>
-        <p:spPr/>
-        <p:txBody>
-          <a:bodyPr/>
-          <a:lstStyle/>
-          <a:p>
-            <a:r>
-              <a:rPr lang="nl-NL"/>
-              <a:t>Titel van de presentatie</a:t>
-            </a:r>
-          </a:p>
-        </p:txBody>
-      </p:sp>
-      <p:sp>
-        <p:nvSpPr>
-          <p:cNvPr id="5" name="Slide Number Placeholder 4"/>
-          <p:cNvSpPr>
-            <a:spLocks noGrp="1"/>
-          </p:cNvSpPr>
-          <p:nvPr>
-            <p:ph type="sldNum" sz="quarter" idx="12"/>
-          </p:nvPr>
-        </p:nvSpPr>
-        <p:spPr/>
-        <p:txBody>
-          <a:bodyPr/>
-          <a:lstStyle/>
-          <a:p>
-            <a:fld id="{14F1411D-0280-154F-AEAC-4C20B7AA46B2}" type="slidenum">
-              <a:rPr lang="nl-NL" smtClean="0"/>
-              <a:t>47</a:t>
-            </a:fld>
-            <a:endParaRPr lang="nl-NL"/>
-          </a:p>
-        </p:txBody>
-      </p:sp>
-      <p:pic>
-        <p:nvPicPr>
-          <p:cNvPr id="7" name="Picture Placeholder 6"/>
-          <p:cNvPicPr>
-            <a:picLocks noGrp="1" noChangeAspect="1"/>
-          </p:cNvPicPr>
-          <p:nvPr>
-            <p:ph type="pic" idx="13"/>
-          </p:nvPr>
-        </p:nvPicPr>
-        <p:blipFill>
-          <a:blip r:embed="rId2">
-            <a:extLst>
-              <a:ext uri="{28A0092B-C50C-407E-A947-70E740481C1C}">
-                <a14:useLocalDpi xmlns:a14="http://schemas.microsoft.com/office/drawing/2010/main" val="0"/>
-              </a:ext>
-            </a:extLst>
-          </a:blip>
-          <a:srcRect l="30" r="30"/>
-          <a:stretch>
-            <a:fillRect/>
-          </a:stretch>
-        </p:blipFill>
-        <p:spPr/>
-      </p:pic>
-    </p:spTree>
-    <p:extLst>
-      <p:ext uri="{BB962C8B-B14F-4D97-AF65-F5344CB8AC3E}">
-        <p14:creationId xmlns:p14="http://schemas.microsoft.com/office/powerpoint/2010/main" val="1263234468"/>
-      </p:ext>
-    </p:extLst>
-  </p:cSld>
-  <p:clrMapOvr>
-    <a:masterClrMapping/>
-  </p:clrMapOvr>
-</p:sld>
-</file>
-
-<file path=ppt/slides/slide48.xml><?xml version="1.0" encoding="utf-8"?>
-<p:sld xmlns:a="http://schemas.openxmlformats.org/drawingml/2006/main" xmlns:r="http://schemas.openxmlformats.org/officeDocument/2006/relationships" xmlns:p="http://schemas.openxmlformats.org/presentationml/2006/main">
-  <p:cSld>
-    <p:spTree>
-      <p:nvGrpSpPr>
-        <p:cNvPr id="1" name=""/>
-        <p:cNvGrpSpPr/>
-        <p:nvPr/>
-      </p:nvGrpSpPr>
-      <p:grpSpPr>
-        <a:xfrm>
-          <a:off x="0" y="0"/>
-          <a:ext cx="0" cy="0"/>
-          <a:chOff x="0" y="0"/>
-          <a:chExt cx="0" cy="0"/>
-        </a:xfrm>
-      </p:grpSpPr>
-      <p:sp>
-        <p:nvSpPr>
-          <p:cNvPr id="2" name="Title 1"/>
-          <p:cNvSpPr>
-            <a:spLocks noGrp="1"/>
-          </p:cNvSpPr>
-          <p:nvPr>
-            <p:ph type="title"/>
-          </p:nvPr>
-        </p:nvSpPr>
-        <p:spPr/>
-        <p:txBody>
-          <a:bodyPr/>
-          <a:lstStyle/>
-          <a:p>
-            <a:endParaRPr lang="nl-NL"/>
-          </a:p>
-        </p:txBody>
-      </p:sp>
-      <p:sp>
-        <p:nvSpPr>
-          <p:cNvPr id="3" name="Content Placeholder 2"/>
-          <p:cNvSpPr>
-            <a:spLocks noGrp="1"/>
-          </p:cNvSpPr>
-          <p:nvPr>
-            <p:ph idx="1"/>
-          </p:nvPr>
-        </p:nvSpPr>
-        <p:spPr/>
-        <p:txBody>
-          <a:bodyPr/>
-          <a:lstStyle/>
-          <a:p>
-            <a:endParaRPr lang="nl-NL"/>
-          </a:p>
-        </p:txBody>
-      </p:sp>
-      <p:sp>
-        <p:nvSpPr>
-          <p:cNvPr id="4" name="Footer Placeholder 3"/>
-          <p:cNvSpPr>
-            <a:spLocks noGrp="1"/>
-          </p:cNvSpPr>
-          <p:nvPr>
-            <p:ph type="ftr" sz="quarter" idx="11"/>
-          </p:nvPr>
-        </p:nvSpPr>
-        <p:spPr/>
-        <p:txBody>
-          <a:bodyPr/>
-          <a:lstStyle/>
-          <a:p>
-            <a:r>
-              <a:rPr lang="nl-NL"/>
-              <a:t>Titel van de presentatie</a:t>
-            </a:r>
-          </a:p>
-        </p:txBody>
-      </p:sp>
-      <p:sp>
-        <p:nvSpPr>
-          <p:cNvPr id="5" name="Slide Number Placeholder 4"/>
-          <p:cNvSpPr>
-            <a:spLocks noGrp="1"/>
-          </p:cNvSpPr>
-          <p:nvPr>
-            <p:ph type="sldNum" sz="quarter" idx="12"/>
-          </p:nvPr>
-        </p:nvSpPr>
-        <p:spPr/>
-        <p:txBody>
-          <a:bodyPr/>
-          <a:lstStyle/>
-          <a:p>
-            <a:fld id="{14F1411D-0280-154F-AEAC-4C20B7AA46B2}" type="slidenum">
-              <a:rPr lang="nl-NL" smtClean="0"/>
-              <a:t>48</a:t>
-            </a:fld>
-            <a:endParaRPr lang="nl-NL"/>
-          </a:p>
-        </p:txBody>
-      </p:sp>
-      <p:pic>
-        <p:nvPicPr>
-          <p:cNvPr id="7" name="Picture Placeholder 6"/>
-          <p:cNvPicPr>
-            <a:picLocks noGrp="1" noChangeAspect="1"/>
-          </p:cNvPicPr>
-          <p:nvPr>
-            <p:ph type="pic" idx="13"/>
-          </p:nvPr>
-        </p:nvPicPr>
-        <p:blipFill>
-          <a:blip r:embed="rId2">
-            <a:extLst>
-              <a:ext uri="{28A0092B-C50C-407E-A947-70E740481C1C}">
-                <a14:useLocalDpi xmlns:a14="http://schemas.microsoft.com/office/drawing/2010/main" val="0"/>
-              </a:ext>
-            </a:extLst>
-          </a:blip>
-          <a:srcRect l="30" r="30"/>
-          <a:stretch>
-            <a:fillRect/>
-          </a:stretch>
-        </p:blipFill>
-        <p:spPr/>
-      </p:pic>
-    </p:spTree>
-    <p:extLst>
-      <p:ext uri="{BB962C8B-B14F-4D97-AF65-F5344CB8AC3E}">
-        <p14:creationId xmlns:p14="http://schemas.microsoft.com/office/powerpoint/2010/main" val="334932952"/>
-      </p:ext>
-    </p:extLst>
-  </p:cSld>
-  <p:clrMapOvr>
-    <a:masterClrMapping/>
-  </p:clrMapOvr>
-</p:sld>
-</file>
-
-<file path=ppt/slides/slide49.xml><?xml version="1.0" encoding="utf-8"?>
-<p:sld xmlns:a="http://schemas.openxmlformats.org/drawingml/2006/main" xmlns:r="http://schemas.openxmlformats.org/officeDocument/2006/relationships" xmlns:p="http://schemas.openxmlformats.org/presentationml/2006/main">
-  <p:cSld>
-    <p:spTree>
-      <p:nvGrpSpPr>
-        <p:cNvPr id="1" name=""/>
-        <p:cNvGrpSpPr/>
-        <p:nvPr/>
-      </p:nvGrpSpPr>
-      <p:grpSpPr>
-        <a:xfrm>
-          <a:off x="0" y="0"/>
-          <a:ext cx="0" cy="0"/>
-          <a:chOff x="0" y="0"/>
-          <a:chExt cx="0" cy="0"/>
-        </a:xfrm>
-      </p:grpSpPr>
-      <p:sp>
-        <p:nvSpPr>
-          <p:cNvPr id="2" name="Title 1"/>
-          <p:cNvSpPr>
-            <a:spLocks noGrp="1"/>
-          </p:cNvSpPr>
-          <p:nvPr>
-            <p:ph type="title"/>
-          </p:nvPr>
-        </p:nvSpPr>
-        <p:spPr/>
-        <p:txBody>
-          <a:bodyPr/>
-          <a:lstStyle/>
-          <a:p>
-            <a:endParaRPr lang="nl-NL"/>
-          </a:p>
-        </p:txBody>
-      </p:sp>
-      <p:sp>
-        <p:nvSpPr>
-          <p:cNvPr id="3" name="Content Placeholder 2"/>
-          <p:cNvSpPr>
-            <a:spLocks noGrp="1"/>
-          </p:cNvSpPr>
-          <p:nvPr>
-            <p:ph idx="1"/>
-          </p:nvPr>
-        </p:nvSpPr>
-        <p:spPr/>
-        <p:txBody>
-          <a:bodyPr/>
-          <a:lstStyle/>
-          <a:p>
-            <a:endParaRPr lang="nl-NL" dirty="0"/>
-          </a:p>
-        </p:txBody>
-      </p:sp>
-      <p:sp>
-        <p:nvSpPr>
-          <p:cNvPr id="4" name="Footer Placeholder 3"/>
-          <p:cNvSpPr>
-            <a:spLocks noGrp="1"/>
-          </p:cNvSpPr>
-          <p:nvPr>
-            <p:ph type="ftr" sz="quarter" idx="11"/>
-          </p:nvPr>
-        </p:nvSpPr>
-        <p:spPr/>
-        <p:txBody>
-          <a:bodyPr/>
-          <a:lstStyle/>
-          <a:p>
-            <a:r>
-              <a:rPr lang="nl-NL"/>
-              <a:t>Titel van de presentatie</a:t>
-            </a:r>
-          </a:p>
-        </p:txBody>
-      </p:sp>
-      <p:sp>
-        <p:nvSpPr>
-          <p:cNvPr id="5" name="Slide Number Placeholder 4"/>
-          <p:cNvSpPr>
-            <a:spLocks noGrp="1"/>
-          </p:cNvSpPr>
-          <p:nvPr>
-            <p:ph type="sldNum" sz="quarter" idx="12"/>
-          </p:nvPr>
-        </p:nvSpPr>
-        <p:spPr/>
-        <p:txBody>
-          <a:bodyPr/>
-          <a:lstStyle/>
-          <a:p>
-            <a:fld id="{14F1411D-0280-154F-AEAC-4C20B7AA46B2}" type="slidenum">
-              <a:rPr lang="nl-NL" smtClean="0"/>
-              <a:t>49</a:t>
-            </a:fld>
-            <a:endParaRPr lang="nl-NL"/>
-          </a:p>
-        </p:txBody>
-      </p:sp>
-      <p:pic>
-        <p:nvPicPr>
-          <p:cNvPr id="7" name="Picture Placeholder 6"/>
-          <p:cNvPicPr>
-            <a:picLocks noGrp="1" noChangeAspect="1"/>
-          </p:cNvPicPr>
-          <p:nvPr>
-            <p:ph type="pic" idx="13"/>
-          </p:nvPr>
-        </p:nvPicPr>
-        <p:blipFill>
-          <a:blip r:embed="rId2">
-            <a:extLst>
-              <a:ext uri="{28A0092B-C50C-407E-A947-70E740481C1C}">
-                <a14:useLocalDpi xmlns:a14="http://schemas.microsoft.com/office/drawing/2010/main" val="0"/>
-              </a:ext>
-            </a:extLst>
-          </a:blip>
-          <a:srcRect l="30" r="30"/>
-          <a:stretch>
-            <a:fillRect/>
-          </a:stretch>
-        </p:blipFill>
-        <p:spPr/>
-      </p:pic>
-    </p:spTree>
-    <p:extLst>
-      <p:ext uri="{BB962C8B-B14F-4D97-AF65-F5344CB8AC3E}">
-        <p14:creationId xmlns:p14="http://schemas.microsoft.com/office/powerpoint/2010/main" val="663485477"/>
       </p:ext>
     </p:extLst>
   </p:cSld>
@@ -13409,63 +10771,6 @@
           </a:p>
         </p:txBody>
       </p:sp>
-      <p:sp>
-        <p:nvSpPr>
-          <p:cNvPr id="4" name="Footer Placeholder 3">
-            <a:extLst>
-              <a:ext uri="{FF2B5EF4-FFF2-40B4-BE49-F238E27FC236}">
-                <a16:creationId xmlns:a16="http://schemas.microsoft.com/office/drawing/2014/main" id="{1077FDFE-4635-4454-9C1A-1161B97C6D47}"/>
-              </a:ext>
-            </a:extLst>
-          </p:cNvPr>
-          <p:cNvSpPr>
-            <a:spLocks noGrp="1"/>
-          </p:cNvSpPr>
-          <p:nvPr>
-            <p:ph type="ftr" sz="quarter" idx="11"/>
-          </p:nvPr>
-        </p:nvSpPr>
-        <p:spPr/>
-        <p:txBody>
-          <a:bodyPr/>
-          <a:lstStyle/>
-          <a:p>
-            <a:r>
-              <a:rPr lang="nl-NL"/>
-              <a:t>Titel van de presentatie</a:t>
-            </a:r>
-          </a:p>
-        </p:txBody>
-      </p:sp>
-      <p:sp>
-        <p:nvSpPr>
-          <p:cNvPr id="5" name="Slide Number Placeholder 4">
-            <a:extLst>
-              <a:ext uri="{FF2B5EF4-FFF2-40B4-BE49-F238E27FC236}">
-                <a16:creationId xmlns:a16="http://schemas.microsoft.com/office/drawing/2014/main" id="{B48727DD-8678-4A1C-A02F-19AD81CBFE8F}"/>
-              </a:ext>
-            </a:extLst>
-          </p:cNvPr>
-          <p:cNvSpPr>
-            <a:spLocks noGrp="1"/>
-          </p:cNvSpPr>
-          <p:nvPr>
-            <p:ph type="sldNum" sz="quarter" idx="12"/>
-          </p:nvPr>
-        </p:nvSpPr>
-        <p:spPr/>
-        <p:txBody>
-          <a:bodyPr/>
-          <a:lstStyle/>
-          <a:p>
-            <a:fld id="{14F1411D-0280-154F-AEAC-4C20B7AA46B2}" type="slidenum">
-              <a:rPr lang="nl-NL" smtClean="0"/>
-              <a:t>5</a:t>
-            </a:fld>
-            <a:endParaRPr lang="nl-NL"/>
-          </a:p>
-        </p:txBody>
-      </p:sp>
       <p:pic>
         <p:nvPicPr>
           <p:cNvPr id="8" name="Picture 7">
@@ -13496,1137 +10801,67 @@
           </a:prstGeom>
         </p:spPr>
       </p:pic>
+      <p:sp>
+        <p:nvSpPr>
+          <p:cNvPr id="10" name="Slide Number Placeholder 9">
+            <a:extLst>
+              <a:ext uri="{FF2B5EF4-FFF2-40B4-BE49-F238E27FC236}">
+                <a16:creationId xmlns:a16="http://schemas.microsoft.com/office/drawing/2014/main" id="{EC6AE64A-32A8-45D1-9CC1-B96C9550F1FD}"/>
+              </a:ext>
+            </a:extLst>
+          </p:cNvPr>
+          <p:cNvSpPr>
+            <a:spLocks noGrp="1"/>
+          </p:cNvSpPr>
+          <p:nvPr>
+            <p:ph type="sldNum" sz="quarter" idx="12"/>
+          </p:nvPr>
+        </p:nvSpPr>
+        <p:spPr/>
+        <p:txBody>
+          <a:bodyPr/>
+          <a:lstStyle/>
+          <a:p>
+            <a:fld id="{14F1411D-0280-154F-AEAC-4C20B7AA46B2}" type="slidenum">
+              <a:rPr lang="nl-NL" smtClean="0"/>
+              <a:t>5</a:t>
+            </a:fld>
+            <a:endParaRPr lang="nl-NL"/>
+          </a:p>
+        </p:txBody>
+      </p:sp>
+      <p:sp>
+        <p:nvSpPr>
+          <p:cNvPr id="11" name="Footer Placeholder 10">
+            <a:extLst>
+              <a:ext uri="{FF2B5EF4-FFF2-40B4-BE49-F238E27FC236}">
+                <a16:creationId xmlns:a16="http://schemas.microsoft.com/office/drawing/2014/main" id="{C59C7D42-1A69-4660-95BC-0D2545918B4A}"/>
+              </a:ext>
+            </a:extLst>
+          </p:cNvPr>
+          <p:cNvSpPr>
+            <a:spLocks noGrp="1"/>
+          </p:cNvSpPr>
+          <p:nvPr>
+            <p:ph type="ftr" sz="quarter" idx="11"/>
+          </p:nvPr>
+        </p:nvSpPr>
+        <p:spPr/>
+        <p:txBody>
+          <a:bodyPr/>
+          <a:lstStyle/>
+          <a:p>
+            <a:r>
+              <a:rPr lang="nl-NL"/>
+              <a:t>Context and dependency injection</a:t>
+            </a:r>
+          </a:p>
+        </p:txBody>
+      </p:sp>
     </p:spTree>
     <p:extLst>
       <p:ext uri="{BB962C8B-B14F-4D97-AF65-F5344CB8AC3E}">
         <p14:creationId xmlns:p14="http://schemas.microsoft.com/office/powerpoint/2010/main" val="3982127120"/>
-      </p:ext>
-    </p:extLst>
-  </p:cSld>
-  <p:clrMapOvr>
-    <a:masterClrMapping/>
-  </p:clrMapOvr>
-</p:sld>
-</file>
-
-<file path=ppt/slides/slide50.xml><?xml version="1.0" encoding="utf-8"?>
-<p:sld xmlns:a="http://schemas.openxmlformats.org/drawingml/2006/main" xmlns:r="http://schemas.openxmlformats.org/officeDocument/2006/relationships" xmlns:p="http://schemas.openxmlformats.org/presentationml/2006/main">
-  <p:cSld>
-    <p:spTree>
-      <p:nvGrpSpPr>
-        <p:cNvPr id="1" name=""/>
-        <p:cNvGrpSpPr/>
-        <p:nvPr/>
-      </p:nvGrpSpPr>
-      <p:grpSpPr>
-        <a:xfrm>
-          <a:off x="0" y="0"/>
-          <a:ext cx="0" cy="0"/>
-          <a:chOff x="0" y="0"/>
-          <a:chExt cx="0" cy="0"/>
-        </a:xfrm>
-      </p:grpSpPr>
-      <p:sp>
-        <p:nvSpPr>
-          <p:cNvPr id="2" name="Title 1"/>
-          <p:cNvSpPr>
-            <a:spLocks noGrp="1"/>
-          </p:cNvSpPr>
-          <p:nvPr>
-            <p:ph type="title"/>
-          </p:nvPr>
-        </p:nvSpPr>
-        <p:spPr/>
-        <p:txBody>
-          <a:bodyPr/>
-          <a:lstStyle/>
-          <a:p>
-            <a:endParaRPr lang="nl-NL"/>
-          </a:p>
-        </p:txBody>
-      </p:sp>
-      <p:sp>
-        <p:nvSpPr>
-          <p:cNvPr id="3" name="Content Placeholder 2"/>
-          <p:cNvSpPr>
-            <a:spLocks noGrp="1"/>
-          </p:cNvSpPr>
-          <p:nvPr>
-            <p:ph idx="1"/>
-          </p:nvPr>
-        </p:nvSpPr>
-        <p:spPr/>
-        <p:txBody>
-          <a:bodyPr/>
-          <a:lstStyle/>
-          <a:p>
-            <a:endParaRPr lang="nl-NL"/>
-          </a:p>
-        </p:txBody>
-      </p:sp>
-      <p:sp>
-        <p:nvSpPr>
-          <p:cNvPr id="4" name="Footer Placeholder 3"/>
-          <p:cNvSpPr>
-            <a:spLocks noGrp="1"/>
-          </p:cNvSpPr>
-          <p:nvPr>
-            <p:ph type="ftr" sz="quarter" idx="11"/>
-          </p:nvPr>
-        </p:nvSpPr>
-        <p:spPr/>
-        <p:txBody>
-          <a:bodyPr/>
-          <a:lstStyle/>
-          <a:p>
-            <a:r>
-              <a:rPr lang="nl-NL"/>
-              <a:t>Titel van de presentatie</a:t>
-            </a:r>
-          </a:p>
-        </p:txBody>
-      </p:sp>
-      <p:sp>
-        <p:nvSpPr>
-          <p:cNvPr id="5" name="Slide Number Placeholder 4"/>
-          <p:cNvSpPr>
-            <a:spLocks noGrp="1"/>
-          </p:cNvSpPr>
-          <p:nvPr>
-            <p:ph type="sldNum" sz="quarter" idx="12"/>
-          </p:nvPr>
-        </p:nvSpPr>
-        <p:spPr/>
-        <p:txBody>
-          <a:bodyPr/>
-          <a:lstStyle/>
-          <a:p>
-            <a:fld id="{14F1411D-0280-154F-AEAC-4C20B7AA46B2}" type="slidenum">
-              <a:rPr lang="nl-NL" smtClean="0"/>
-              <a:t>50</a:t>
-            </a:fld>
-            <a:endParaRPr lang="nl-NL"/>
-          </a:p>
-        </p:txBody>
-      </p:sp>
-      <p:sp>
-        <p:nvSpPr>
-          <p:cNvPr id="6" name="Picture Placeholder 5"/>
-          <p:cNvSpPr>
-            <a:spLocks noGrp="1"/>
-          </p:cNvSpPr>
-          <p:nvPr>
-            <p:ph type="pic" idx="13"/>
-          </p:nvPr>
-        </p:nvSpPr>
-        <p:spPr/>
-      </p:sp>
-    </p:spTree>
-    <p:extLst>
-      <p:ext uri="{BB962C8B-B14F-4D97-AF65-F5344CB8AC3E}">
-        <p14:creationId xmlns:p14="http://schemas.microsoft.com/office/powerpoint/2010/main" val="1158369434"/>
-      </p:ext>
-    </p:extLst>
-  </p:cSld>
-  <p:clrMapOvr>
-    <a:masterClrMapping/>
-  </p:clrMapOvr>
-</p:sld>
-</file>
-
-<file path=ppt/slides/slide51.xml><?xml version="1.0" encoding="utf-8"?>
-<p:sld xmlns:a="http://schemas.openxmlformats.org/drawingml/2006/main" xmlns:r="http://schemas.openxmlformats.org/officeDocument/2006/relationships" xmlns:p="http://schemas.openxmlformats.org/presentationml/2006/main">
-  <p:cSld>
-    <p:spTree>
-      <p:nvGrpSpPr>
-        <p:cNvPr id="1" name=""/>
-        <p:cNvGrpSpPr/>
-        <p:nvPr/>
-      </p:nvGrpSpPr>
-      <p:grpSpPr>
-        <a:xfrm>
-          <a:off x="0" y="0"/>
-          <a:ext cx="0" cy="0"/>
-          <a:chOff x="0" y="0"/>
-          <a:chExt cx="0" cy="0"/>
-        </a:xfrm>
-      </p:grpSpPr>
-      <p:sp>
-        <p:nvSpPr>
-          <p:cNvPr id="2" name="Title 1"/>
-          <p:cNvSpPr>
-            <a:spLocks noGrp="1"/>
-          </p:cNvSpPr>
-          <p:nvPr>
-            <p:ph type="title"/>
-          </p:nvPr>
-        </p:nvSpPr>
-        <p:spPr/>
-        <p:txBody>
-          <a:bodyPr/>
-          <a:lstStyle/>
-          <a:p>
-            <a:endParaRPr lang="nl-NL"/>
-          </a:p>
-        </p:txBody>
-      </p:sp>
-      <p:sp>
-        <p:nvSpPr>
-          <p:cNvPr id="3" name="Content Placeholder 2"/>
-          <p:cNvSpPr>
-            <a:spLocks noGrp="1"/>
-          </p:cNvSpPr>
-          <p:nvPr>
-            <p:ph idx="1"/>
-          </p:nvPr>
-        </p:nvSpPr>
-        <p:spPr/>
-        <p:txBody>
-          <a:bodyPr/>
-          <a:lstStyle/>
-          <a:p>
-            <a:endParaRPr lang="nl-NL"/>
-          </a:p>
-        </p:txBody>
-      </p:sp>
-      <p:sp>
-        <p:nvSpPr>
-          <p:cNvPr id="4" name="Footer Placeholder 3"/>
-          <p:cNvSpPr>
-            <a:spLocks noGrp="1"/>
-          </p:cNvSpPr>
-          <p:nvPr>
-            <p:ph type="ftr" sz="quarter" idx="11"/>
-          </p:nvPr>
-        </p:nvSpPr>
-        <p:spPr/>
-        <p:txBody>
-          <a:bodyPr/>
-          <a:lstStyle/>
-          <a:p>
-            <a:r>
-              <a:rPr lang="nl-NL"/>
-              <a:t>Titel van de presentatie</a:t>
-            </a:r>
-          </a:p>
-        </p:txBody>
-      </p:sp>
-      <p:sp>
-        <p:nvSpPr>
-          <p:cNvPr id="5" name="Slide Number Placeholder 4"/>
-          <p:cNvSpPr>
-            <a:spLocks noGrp="1"/>
-          </p:cNvSpPr>
-          <p:nvPr>
-            <p:ph type="sldNum" sz="quarter" idx="12"/>
-          </p:nvPr>
-        </p:nvSpPr>
-        <p:spPr/>
-        <p:txBody>
-          <a:bodyPr/>
-          <a:lstStyle/>
-          <a:p>
-            <a:fld id="{14F1411D-0280-154F-AEAC-4C20B7AA46B2}" type="slidenum">
-              <a:rPr lang="nl-NL" smtClean="0"/>
-              <a:t>51</a:t>
-            </a:fld>
-            <a:endParaRPr lang="nl-NL"/>
-          </a:p>
-        </p:txBody>
-      </p:sp>
-      <p:sp>
-        <p:nvSpPr>
-          <p:cNvPr id="6" name="Picture Placeholder 5"/>
-          <p:cNvSpPr>
-            <a:spLocks noGrp="1"/>
-          </p:cNvSpPr>
-          <p:nvPr>
-            <p:ph type="pic" idx="13"/>
-          </p:nvPr>
-        </p:nvSpPr>
-        <p:spPr/>
-      </p:sp>
-    </p:spTree>
-    <p:extLst>
-      <p:ext uri="{BB962C8B-B14F-4D97-AF65-F5344CB8AC3E}">
-        <p14:creationId xmlns:p14="http://schemas.microsoft.com/office/powerpoint/2010/main" val="1107843752"/>
-      </p:ext>
-    </p:extLst>
-  </p:cSld>
-  <p:clrMapOvr>
-    <a:masterClrMapping/>
-  </p:clrMapOvr>
-</p:sld>
-</file>
-
-<file path=ppt/slides/slide52.xml><?xml version="1.0" encoding="utf-8"?>
-<p:sld xmlns:a="http://schemas.openxmlformats.org/drawingml/2006/main" xmlns:r="http://schemas.openxmlformats.org/officeDocument/2006/relationships" xmlns:p="http://schemas.openxmlformats.org/presentationml/2006/main">
-  <p:cSld>
-    <p:spTree>
-      <p:nvGrpSpPr>
-        <p:cNvPr id="1" name=""/>
-        <p:cNvGrpSpPr/>
-        <p:nvPr/>
-      </p:nvGrpSpPr>
-      <p:grpSpPr>
-        <a:xfrm>
-          <a:off x="0" y="0"/>
-          <a:ext cx="0" cy="0"/>
-          <a:chOff x="0" y="0"/>
-          <a:chExt cx="0" cy="0"/>
-        </a:xfrm>
-      </p:grpSpPr>
-      <p:sp>
-        <p:nvSpPr>
-          <p:cNvPr id="2" name="Title 1"/>
-          <p:cNvSpPr>
-            <a:spLocks noGrp="1"/>
-          </p:cNvSpPr>
-          <p:nvPr>
-            <p:ph type="title"/>
-          </p:nvPr>
-        </p:nvSpPr>
-        <p:spPr/>
-        <p:txBody>
-          <a:bodyPr/>
-          <a:lstStyle/>
-          <a:p>
-            <a:endParaRPr lang="nl-NL"/>
-          </a:p>
-        </p:txBody>
-      </p:sp>
-      <p:sp>
-        <p:nvSpPr>
-          <p:cNvPr id="3" name="Content Placeholder 2"/>
-          <p:cNvSpPr>
-            <a:spLocks noGrp="1"/>
-          </p:cNvSpPr>
-          <p:nvPr>
-            <p:ph idx="1"/>
-          </p:nvPr>
-        </p:nvSpPr>
-        <p:spPr/>
-        <p:txBody>
-          <a:bodyPr/>
-          <a:lstStyle/>
-          <a:p>
-            <a:endParaRPr lang="nl-NL"/>
-          </a:p>
-        </p:txBody>
-      </p:sp>
-      <p:sp>
-        <p:nvSpPr>
-          <p:cNvPr id="4" name="Footer Placeholder 3"/>
-          <p:cNvSpPr>
-            <a:spLocks noGrp="1"/>
-          </p:cNvSpPr>
-          <p:nvPr>
-            <p:ph type="ftr" sz="quarter" idx="11"/>
-          </p:nvPr>
-        </p:nvSpPr>
-        <p:spPr/>
-        <p:txBody>
-          <a:bodyPr/>
-          <a:lstStyle/>
-          <a:p>
-            <a:r>
-              <a:rPr lang="nl-NL"/>
-              <a:t>Titel van de presentatie</a:t>
-            </a:r>
-          </a:p>
-        </p:txBody>
-      </p:sp>
-      <p:sp>
-        <p:nvSpPr>
-          <p:cNvPr id="5" name="Slide Number Placeholder 4"/>
-          <p:cNvSpPr>
-            <a:spLocks noGrp="1"/>
-          </p:cNvSpPr>
-          <p:nvPr>
-            <p:ph type="sldNum" sz="quarter" idx="12"/>
-          </p:nvPr>
-        </p:nvSpPr>
-        <p:spPr/>
-        <p:txBody>
-          <a:bodyPr/>
-          <a:lstStyle/>
-          <a:p>
-            <a:fld id="{14F1411D-0280-154F-AEAC-4C20B7AA46B2}" type="slidenum">
-              <a:rPr lang="nl-NL" smtClean="0"/>
-              <a:t>52</a:t>
-            </a:fld>
-            <a:endParaRPr lang="nl-NL"/>
-          </a:p>
-        </p:txBody>
-      </p:sp>
-      <p:pic>
-        <p:nvPicPr>
-          <p:cNvPr id="7" name="Picture Placeholder 6"/>
-          <p:cNvPicPr>
-            <a:picLocks noGrp="1" noChangeAspect="1"/>
-          </p:cNvPicPr>
-          <p:nvPr>
-            <p:ph type="pic" idx="13"/>
-          </p:nvPr>
-        </p:nvPicPr>
-        <p:blipFill>
-          <a:blip r:embed="rId2">
-            <a:extLst>
-              <a:ext uri="{28A0092B-C50C-407E-A947-70E740481C1C}">
-                <a14:useLocalDpi xmlns:a14="http://schemas.microsoft.com/office/drawing/2010/main" val="0"/>
-              </a:ext>
-            </a:extLst>
-          </a:blip>
-          <a:srcRect t="1" b="1"/>
-          <a:stretch>
-            <a:fillRect/>
-          </a:stretch>
-        </p:blipFill>
-        <p:spPr/>
-      </p:pic>
-    </p:spTree>
-    <p:extLst>
-      <p:ext uri="{BB962C8B-B14F-4D97-AF65-F5344CB8AC3E}">
-        <p14:creationId xmlns:p14="http://schemas.microsoft.com/office/powerpoint/2010/main" val="1775817183"/>
-      </p:ext>
-    </p:extLst>
-  </p:cSld>
-  <p:clrMapOvr>
-    <a:masterClrMapping/>
-  </p:clrMapOvr>
-</p:sld>
-</file>
-
-<file path=ppt/slides/slide53.xml><?xml version="1.0" encoding="utf-8"?>
-<p:sld xmlns:a="http://schemas.openxmlformats.org/drawingml/2006/main" xmlns:r="http://schemas.openxmlformats.org/officeDocument/2006/relationships" xmlns:p="http://schemas.openxmlformats.org/presentationml/2006/main">
-  <p:cSld>
-    <p:spTree>
-      <p:nvGrpSpPr>
-        <p:cNvPr id="1" name=""/>
-        <p:cNvGrpSpPr/>
-        <p:nvPr/>
-      </p:nvGrpSpPr>
-      <p:grpSpPr>
-        <a:xfrm>
-          <a:off x="0" y="0"/>
-          <a:ext cx="0" cy="0"/>
-          <a:chOff x="0" y="0"/>
-          <a:chExt cx="0" cy="0"/>
-        </a:xfrm>
-      </p:grpSpPr>
-      <p:sp>
-        <p:nvSpPr>
-          <p:cNvPr id="2" name="Title 1"/>
-          <p:cNvSpPr>
-            <a:spLocks noGrp="1"/>
-          </p:cNvSpPr>
-          <p:nvPr>
-            <p:ph type="title"/>
-          </p:nvPr>
-        </p:nvSpPr>
-        <p:spPr/>
-        <p:txBody>
-          <a:bodyPr/>
-          <a:lstStyle/>
-          <a:p>
-            <a:endParaRPr lang="nl-NL"/>
-          </a:p>
-        </p:txBody>
-      </p:sp>
-      <p:sp>
-        <p:nvSpPr>
-          <p:cNvPr id="3" name="Content Placeholder 2"/>
-          <p:cNvSpPr>
-            <a:spLocks noGrp="1"/>
-          </p:cNvSpPr>
-          <p:nvPr>
-            <p:ph idx="1"/>
-          </p:nvPr>
-        </p:nvSpPr>
-        <p:spPr/>
-        <p:txBody>
-          <a:bodyPr/>
-          <a:lstStyle/>
-          <a:p>
-            <a:endParaRPr lang="nl-NL"/>
-          </a:p>
-        </p:txBody>
-      </p:sp>
-      <p:sp>
-        <p:nvSpPr>
-          <p:cNvPr id="4" name="Footer Placeholder 3"/>
-          <p:cNvSpPr>
-            <a:spLocks noGrp="1"/>
-          </p:cNvSpPr>
-          <p:nvPr>
-            <p:ph type="ftr" sz="quarter" idx="11"/>
-          </p:nvPr>
-        </p:nvSpPr>
-        <p:spPr/>
-        <p:txBody>
-          <a:bodyPr/>
-          <a:lstStyle/>
-          <a:p>
-            <a:r>
-              <a:rPr lang="nl-NL"/>
-              <a:t>Titel van de presentatie</a:t>
-            </a:r>
-          </a:p>
-        </p:txBody>
-      </p:sp>
-      <p:sp>
-        <p:nvSpPr>
-          <p:cNvPr id="5" name="Slide Number Placeholder 4"/>
-          <p:cNvSpPr>
-            <a:spLocks noGrp="1"/>
-          </p:cNvSpPr>
-          <p:nvPr>
-            <p:ph type="sldNum" sz="quarter" idx="12"/>
-          </p:nvPr>
-        </p:nvSpPr>
-        <p:spPr/>
-        <p:txBody>
-          <a:bodyPr/>
-          <a:lstStyle/>
-          <a:p>
-            <a:fld id="{14F1411D-0280-154F-AEAC-4C20B7AA46B2}" type="slidenum">
-              <a:rPr lang="nl-NL" smtClean="0"/>
-              <a:t>53</a:t>
-            </a:fld>
-            <a:endParaRPr lang="nl-NL"/>
-          </a:p>
-        </p:txBody>
-      </p:sp>
-      <p:pic>
-        <p:nvPicPr>
-          <p:cNvPr id="7" name="Picture Placeholder 6"/>
-          <p:cNvPicPr>
-            <a:picLocks noGrp="1" noChangeAspect="1"/>
-          </p:cNvPicPr>
-          <p:nvPr>
-            <p:ph type="pic" idx="13"/>
-          </p:nvPr>
-        </p:nvPicPr>
-        <p:blipFill>
-          <a:blip r:embed="rId2">
-            <a:extLst>
-              <a:ext uri="{28A0092B-C50C-407E-A947-70E740481C1C}">
-                <a14:useLocalDpi xmlns:a14="http://schemas.microsoft.com/office/drawing/2010/main" val="0"/>
-              </a:ext>
-            </a:extLst>
-          </a:blip>
-          <a:srcRect t="1" b="1"/>
-          <a:stretch>
-            <a:fillRect/>
-          </a:stretch>
-        </p:blipFill>
-        <p:spPr/>
-      </p:pic>
-    </p:spTree>
-    <p:extLst>
-      <p:ext uri="{BB962C8B-B14F-4D97-AF65-F5344CB8AC3E}">
-        <p14:creationId xmlns:p14="http://schemas.microsoft.com/office/powerpoint/2010/main" val="1465316715"/>
-      </p:ext>
-    </p:extLst>
-  </p:cSld>
-  <p:clrMapOvr>
-    <a:masterClrMapping/>
-  </p:clrMapOvr>
-</p:sld>
-</file>
-
-<file path=ppt/slides/slide54.xml><?xml version="1.0" encoding="utf-8"?>
-<p:sld xmlns:a="http://schemas.openxmlformats.org/drawingml/2006/main" xmlns:r="http://schemas.openxmlformats.org/officeDocument/2006/relationships" xmlns:p="http://schemas.openxmlformats.org/presentationml/2006/main">
-  <p:cSld>
-    <p:spTree>
-      <p:nvGrpSpPr>
-        <p:cNvPr id="1" name=""/>
-        <p:cNvGrpSpPr/>
-        <p:nvPr/>
-      </p:nvGrpSpPr>
-      <p:grpSpPr>
-        <a:xfrm>
-          <a:off x="0" y="0"/>
-          <a:ext cx="0" cy="0"/>
-          <a:chOff x="0" y="0"/>
-          <a:chExt cx="0" cy="0"/>
-        </a:xfrm>
-      </p:grpSpPr>
-      <p:sp>
-        <p:nvSpPr>
-          <p:cNvPr id="2" name="Title 1"/>
-          <p:cNvSpPr>
-            <a:spLocks noGrp="1"/>
-          </p:cNvSpPr>
-          <p:nvPr>
-            <p:ph type="title"/>
-          </p:nvPr>
-        </p:nvSpPr>
-        <p:spPr/>
-        <p:txBody>
-          <a:bodyPr/>
-          <a:lstStyle/>
-          <a:p>
-            <a:endParaRPr lang="nl-NL"/>
-          </a:p>
-        </p:txBody>
-      </p:sp>
-      <p:sp>
-        <p:nvSpPr>
-          <p:cNvPr id="3" name="Content Placeholder 2"/>
-          <p:cNvSpPr>
-            <a:spLocks noGrp="1"/>
-          </p:cNvSpPr>
-          <p:nvPr>
-            <p:ph idx="1"/>
-          </p:nvPr>
-        </p:nvSpPr>
-        <p:spPr/>
-        <p:txBody>
-          <a:bodyPr/>
-          <a:lstStyle/>
-          <a:p>
-            <a:endParaRPr lang="nl-NL"/>
-          </a:p>
-        </p:txBody>
-      </p:sp>
-      <p:sp>
-        <p:nvSpPr>
-          <p:cNvPr id="4" name="Footer Placeholder 3"/>
-          <p:cNvSpPr>
-            <a:spLocks noGrp="1"/>
-          </p:cNvSpPr>
-          <p:nvPr>
-            <p:ph type="ftr" sz="quarter" idx="11"/>
-          </p:nvPr>
-        </p:nvSpPr>
-        <p:spPr/>
-        <p:txBody>
-          <a:bodyPr/>
-          <a:lstStyle/>
-          <a:p>
-            <a:r>
-              <a:rPr lang="nl-NL"/>
-              <a:t>Titel van de presentatie</a:t>
-            </a:r>
-          </a:p>
-        </p:txBody>
-      </p:sp>
-      <p:sp>
-        <p:nvSpPr>
-          <p:cNvPr id="5" name="Slide Number Placeholder 4"/>
-          <p:cNvSpPr>
-            <a:spLocks noGrp="1"/>
-          </p:cNvSpPr>
-          <p:nvPr>
-            <p:ph type="sldNum" sz="quarter" idx="12"/>
-          </p:nvPr>
-        </p:nvSpPr>
-        <p:spPr/>
-        <p:txBody>
-          <a:bodyPr/>
-          <a:lstStyle/>
-          <a:p>
-            <a:fld id="{14F1411D-0280-154F-AEAC-4C20B7AA46B2}" type="slidenum">
-              <a:rPr lang="nl-NL" smtClean="0"/>
-              <a:t>54</a:t>
-            </a:fld>
-            <a:endParaRPr lang="nl-NL"/>
-          </a:p>
-        </p:txBody>
-      </p:sp>
-      <p:pic>
-        <p:nvPicPr>
-          <p:cNvPr id="9" name="Picture Placeholder 8"/>
-          <p:cNvPicPr>
-            <a:picLocks noGrp="1" noChangeAspect="1"/>
-          </p:cNvPicPr>
-          <p:nvPr>
-            <p:ph type="pic" idx="13"/>
-          </p:nvPr>
-        </p:nvPicPr>
-        <p:blipFill>
-          <a:blip r:embed="rId2">
-            <a:extLst>
-              <a:ext uri="{28A0092B-C50C-407E-A947-70E740481C1C}">
-                <a14:useLocalDpi xmlns:a14="http://schemas.microsoft.com/office/drawing/2010/main" val="0"/>
-              </a:ext>
-            </a:extLst>
-          </a:blip>
-          <a:srcRect t="1" b="1"/>
-          <a:stretch>
-            <a:fillRect/>
-          </a:stretch>
-        </p:blipFill>
-        <p:spPr/>
-      </p:pic>
-    </p:spTree>
-    <p:extLst>
-      <p:ext uri="{BB962C8B-B14F-4D97-AF65-F5344CB8AC3E}">
-        <p14:creationId xmlns:p14="http://schemas.microsoft.com/office/powerpoint/2010/main" val="235565209"/>
-      </p:ext>
-    </p:extLst>
-  </p:cSld>
-  <p:clrMapOvr>
-    <a:masterClrMapping/>
-  </p:clrMapOvr>
-</p:sld>
-</file>
-
-<file path=ppt/slides/slide55.xml><?xml version="1.0" encoding="utf-8"?>
-<p:sld xmlns:a="http://schemas.openxmlformats.org/drawingml/2006/main" xmlns:r="http://schemas.openxmlformats.org/officeDocument/2006/relationships" xmlns:p="http://schemas.openxmlformats.org/presentationml/2006/main">
-  <p:cSld>
-    <p:spTree>
-      <p:nvGrpSpPr>
-        <p:cNvPr id="1" name=""/>
-        <p:cNvGrpSpPr/>
-        <p:nvPr/>
-      </p:nvGrpSpPr>
-      <p:grpSpPr>
-        <a:xfrm>
-          <a:off x="0" y="0"/>
-          <a:ext cx="0" cy="0"/>
-          <a:chOff x="0" y="0"/>
-          <a:chExt cx="0" cy="0"/>
-        </a:xfrm>
-      </p:grpSpPr>
-      <p:sp>
-        <p:nvSpPr>
-          <p:cNvPr id="2" name="Footer Placeholder 1"/>
-          <p:cNvSpPr>
-            <a:spLocks noGrp="1"/>
-          </p:cNvSpPr>
-          <p:nvPr>
-            <p:ph type="ftr" sz="quarter" idx="11"/>
-          </p:nvPr>
-        </p:nvSpPr>
-        <p:spPr/>
-        <p:txBody>
-          <a:bodyPr/>
-          <a:lstStyle/>
-          <a:p>
-            <a:r>
-              <a:rPr lang="nl-NL"/>
-              <a:t>Titel van de presentatie</a:t>
-            </a:r>
-          </a:p>
-        </p:txBody>
-      </p:sp>
-      <p:sp>
-        <p:nvSpPr>
-          <p:cNvPr id="3" name="Slide Number Placeholder 2"/>
-          <p:cNvSpPr>
-            <a:spLocks noGrp="1"/>
-          </p:cNvSpPr>
-          <p:nvPr>
-            <p:ph type="sldNum" sz="quarter" idx="12"/>
-          </p:nvPr>
-        </p:nvSpPr>
-        <p:spPr/>
-        <p:txBody>
-          <a:bodyPr/>
-          <a:lstStyle/>
-          <a:p>
-            <a:fld id="{14F1411D-0280-154F-AEAC-4C20B7AA46B2}" type="slidenum">
-              <a:rPr lang="nl-NL" smtClean="0"/>
-              <a:t>55</a:t>
-            </a:fld>
-            <a:endParaRPr lang="nl-NL"/>
-          </a:p>
-        </p:txBody>
-      </p:sp>
-      <p:sp>
-        <p:nvSpPr>
-          <p:cNvPr id="4" name="Title 3"/>
-          <p:cNvSpPr>
-            <a:spLocks noGrp="1"/>
-          </p:cNvSpPr>
-          <p:nvPr>
-            <p:ph type="title"/>
-          </p:nvPr>
-        </p:nvSpPr>
-        <p:spPr/>
-        <p:txBody>
-          <a:bodyPr/>
-          <a:lstStyle/>
-          <a:p>
-            <a:endParaRPr lang="nl-NL"/>
-          </a:p>
-        </p:txBody>
-      </p:sp>
-      <p:sp>
-        <p:nvSpPr>
-          <p:cNvPr id="5" name="Picture Placeholder 4"/>
-          <p:cNvSpPr>
-            <a:spLocks noGrp="1"/>
-          </p:cNvSpPr>
-          <p:nvPr>
-            <p:ph type="pic" idx="13"/>
-          </p:nvPr>
-        </p:nvSpPr>
-        <p:spPr/>
-      </p:sp>
-    </p:spTree>
-    <p:extLst>
-      <p:ext uri="{BB962C8B-B14F-4D97-AF65-F5344CB8AC3E}">
-        <p14:creationId xmlns:p14="http://schemas.microsoft.com/office/powerpoint/2010/main" val="999890961"/>
-      </p:ext>
-    </p:extLst>
-  </p:cSld>
-  <p:clrMapOvr>
-    <a:masterClrMapping/>
-  </p:clrMapOvr>
-</p:sld>
-</file>
-
-<file path=ppt/slides/slide56.xml><?xml version="1.0" encoding="utf-8"?>
-<p:sld xmlns:a="http://schemas.openxmlformats.org/drawingml/2006/main" xmlns:r="http://schemas.openxmlformats.org/officeDocument/2006/relationships" xmlns:p="http://schemas.openxmlformats.org/presentationml/2006/main">
-  <p:cSld>
-    <p:spTree>
-      <p:nvGrpSpPr>
-        <p:cNvPr id="1" name=""/>
-        <p:cNvGrpSpPr/>
-        <p:nvPr/>
-      </p:nvGrpSpPr>
-      <p:grpSpPr>
-        <a:xfrm>
-          <a:off x="0" y="0"/>
-          <a:ext cx="0" cy="0"/>
-          <a:chOff x="0" y="0"/>
-          <a:chExt cx="0" cy="0"/>
-        </a:xfrm>
-      </p:grpSpPr>
-      <p:sp>
-        <p:nvSpPr>
-          <p:cNvPr id="2" name="Footer Placeholder 1"/>
-          <p:cNvSpPr>
-            <a:spLocks noGrp="1"/>
-          </p:cNvSpPr>
-          <p:nvPr>
-            <p:ph type="ftr" sz="quarter" idx="11"/>
-          </p:nvPr>
-        </p:nvSpPr>
-        <p:spPr/>
-        <p:txBody>
-          <a:bodyPr/>
-          <a:lstStyle/>
-          <a:p>
-            <a:r>
-              <a:rPr lang="nl-NL"/>
-              <a:t>Titel van de presentatie</a:t>
-            </a:r>
-          </a:p>
-        </p:txBody>
-      </p:sp>
-      <p:sp>
-        <p:nvSpPr>
-          <p:cNvPr id="3" name="Slide Number Placeholder 2"/>
-          <p:cNvSpPr>
-            <a:spLocks noGrp="1"/>
-          </p:cNvSpPr>
-          <p:nvPr>
-            <p:ph type="sldNum" sz="quarter" idx="12"/>
-          </p:nvPr>
-        </p:nvSpPr>
-        <p:spPr/>
-        <p:txBody>
-          <a:bodyPr/>
-          <a:lstStyle/>
-          <a:p>
-            <a:fld id="{14F1411D-0280-154F-AEAC-4C20B7AA46B2}" type="slidenum">
-              <a:rPr lang="nl-NL" smtClean="0"/>
-              <a:t>56</a:t>
-            </a:fld>
-            <a:endParaRPr lang="nl-NL"/>
-          </a:p>
-        </p:txBody>
-      </p:sp>
-      <p:sp>
-        <p:nvSpPr>
-          <p:cNvPr id="4" name="Title 3"/>
-          <p:cNvSpPr>
-            <a:spLocks noGrp="1"/>
-          </p:cNvSpPr>
-          <p:nvPr>
-            <p:ph type="title"/>
-          </p:nvPr>
-        </p:nvSpPr>
-        <p:spPr/>
-        <p:txBody>
-          <a:bodyPr/>
-          <a:lstStyle/>
-          <a:p>
-            <a:endParaRPr lang="nl-NL"/>
-          </a:p>
-        </p:txBody>
-      </p:sp>
-      <p:pic>
-        <p:nvPicPr>
-          <p:cNvPr id="6" name="Picture Placeholder 5"/>
-          <p:cNvPicPr>
-            <a:picLocks noGrp="1" noChangeAspect="1"/>
-          </p:cNvPicPr>
-          <p:nvPr>
-            <p:ph type="pic" idx="13"/>
-          </p:nvPr>
-        </p:nvPicPr>
-        <p:blipFill>
-          <a:blip r:embed="rId2">
-            <a:extLst>
-              <a:ext uri="{28A0092B-C50C-407E-A947-70E740481C1C}">
-                <a14:useLocalDpi xmlns:a14="http://schemas.microsoft.com/office/drawing/2010/main" val="0"/>
-              </a:ext>
-            </a:extLst>
-          </a:blip>
-          <a:srcRect t="19" b="19"/>
-          <a:stretch>
-            <a:fillRect/>
-          </a:stretch>
-        </p:blipFill>
-        <p:spPr/>
-      </p:pic>
-    </p:spTree>
-    <p:extLst>
-      <p:ext uri="{BB962C8B-B14F-4D97-AF65-F5344CB8AC3E}">
-        <p14:creationId xmlns:p14="http://schemas.microsoft.com/office/powerpoint/2010/main" val="976473220"/>
-      </p:ext>
-    </p:extLst>
-  </p:cSld>
-  <p:clrMapOvr>
-    <a:masterClrMapping/>
-  </p:clrMapOvr>
-</p:sld>
-</file>
-
-<file path=ppt/slides/slide57.xml><?xml version="1.0" encoding="utf-8"?>
-<p:sld xmlns:a="http://schemas.openxmlformats.org/drawingml/2006/main" xmlns:r="http://schemas.openxmlformats.org/officeDocument/2006/relationships" xmlns:p="http://schemas.openxmlformats.org/presentationml/2006/main">
-  <p:cSld>
-    <p:spTree>
-      <p:nvGrpSpPr>
-        <p:cNvPr id="1" name=""/>
-        <p:cNvGrpSpPr/>
-        <p:nvPr/>
-      </p:nvGrpSpPr>
-      <p:grpSpPr>
-        <a:xfrm>
-          <a:off x="0" y="0"/>
-          <a:ext cx="0" cy="0"/>
-          <a:chOff x="0" y="0"/>
-          <a:chExt cx="0" cy="0"/>
-        </a:xfrm>
-      </p:grpSpPr>
-      <p:sp>
-        <p:nvSpPr>
-          <p:cNvPr id="2" name="Footer Placeholder 1"/>
-          <p:cNvSpPr>
-            <a:spLocks noGrp="1"/>
-          </p:cNvSpPr>
-          <p:nvPr>
-            <p:ph type="ftr" sz="quarter" idx="11"/>
-          </p:nvPr>
-        </p:nvSpPr>
-        <p:spPr/>
-        <p:txBody>
-          <a:bodyPr/>
-          <a:lstStyle/>
-          <a:p>
-            <a:r>
-              <a:rPr lang="nl-NL"/>
-              <a:t>Titel van de presentatie</a:t>
-            </a:r>
-          </a:p>
-        </p:txBody>
-      </p:sp>
-      <p:sp>
-        <p:nvSpPr>
-          <p:cNvPr id="3" name="Slide Number Placeholder 2"/>
-          <p:cNvSpPr>
-            <a:spLocks noGrp="1"/>
-          </p:cNvSpPr>
-          <p:nvPr>
-            <p:ph type="sldNum" sz="quarter" idx="12"/>
-          </p:nvPr>
-        </p:nvSpPr>
-        <p:spPr/>
-        <p:txBody>
-          <a:bodyPr/>
-          <a:lstStyle/>
-          <a:p>
-            <a:fld id="{14F1411D-0280-154F-AEAC-4C20B7AA46B2}" type="slidenum">
-              <a:rPr lang="nl-NL" smtClean="0"/>
-              <a:t>57</a:t>
-            </a:fld>
-            <a:endParaRPr lang="nl-NL"/>
-          </a:p>
-        </p:txBody>
-      </p:sp>
-      <p:sp>
-        <p:nvSpPr>
-          <p:cNvPr id="4" name="Title 3"/>
-          <p:cNvSpPr>
-            <a:spLocks noGrp="1"/>
-          </p:cNvSpPr>
-          <p:nvPr>
-            <p:ph type="title"/>
-          </p:nvPr>
-        </p:nvSpPr>
-        <p:spPr/>
-        <p:txBody>
-          <a:bodyPr/>
-          <a:lstStyle/>
-          <a:p>
-            <a:endParaRPr lang="nl-NL"/>
-          </a:p>
-        </p:txBody>
-      </p:sp>
-      <p:pic>
-        <p:nvPicPr>
-          <p:cNvPr id="6" name="Picture Placeholder 5"/>
-          <p:cNvPicPr>
-            <a:picLocks noGrp="1" noChangeAspect="1"/>
-          </p:cNvPicPr>
-          <p:nvPr>
-            <p:ph type="pic" idx="13"/>
-          </p:nvPr>
-        </p:nvPicPr>
-        <p:blipFill>
-          <a:blip r:embed="rId2">
-            <a:extLst>
-              <a:ext uri="{28A0092B-C50C-407E-A947-70E740481C1C}">
-                <a14:useLocalDpi xmlns:a14="http://schemas.microsoft.com/office/drawing/2010/main" val="0"/>
-              </a:ext>
-            </a:extLst>
-          </a:blip>
-          <a:srcRect t="19" b="19"/>
-          <a:stretch>
-            <a:fillRect/>
-          </a:stretch>
-        </p:blipFill>
-        <p:spPr/>
-      </p:pic>
-    </p:spTree>
-    <p:extLst>
-      <p:ext uri="{BB962C8B-B14F-4D97-AF65-F5344CB8AC3E}">
-        <p14:creationId xmlns:p14="http://schemas.microsoft.com/office/powerpoint/2010/main" val="1332106242"/>
-      </p:ext>
-    </p:extLst>
-  </p:cSld>
-  <p:clrMapOvr>
-    <a:masterClrMapping/>
-  </p:clrMapOvr>
-</p:sld>
-</file>
-
-<file path=ppt/slides/slide58.xml><?xml version="1.0" encoding="utf-8"?>
-<p:sld xmlns:a="http://schemas.openxmlformats.org/drawingml/2006/main" xmlns:r="http://schemas.openxmlformats.org/officeDocument/2006/relationships" xmlns:p="http://schemas.openxmlformats.org/presentationml/2006/main">
-  <p:cSld>
-    <p:spTree>
-      <p:nvGrpSpPr>
-        <p:cNvPr id="1" name=""/>
-        <p:cNvGrpSpPr/>
-        <p:nvPr/>
-      </p:nvGrpSpPr>
-      <p:grpSpPr>
-        <a:xfrm>
-          <a:off x="0" y="0"/>
-          <a:ext cx="0" cy="0"/>
-          <a:chOff x="0" y="0"/>
-          <a:chExt cx="0" cy="0"/>
-        </a:xfrm>
-      </p:grpSpPr>
-      <p:sp>
-        <p:nvSpPr>
-          <p:cNvPr id="2" name="Footer Placeholder 1"/>
-          <p:cNvSpPr>
-            <a:spLocks noGrp="1"/>
-          </p:cNvSpPr>
-          <p:nvPr>
-            <p:ph type="ftr" sz="quarter" idx="11"/>
-          </p:nvPr>
-        </p:nvSpPr>
-        <p:spPr/>
-        <p:txBody>
-          <a:bodyPr/>
-          <a:lstStyle/>
-          <a:p>
-            <a:r>
-              <a:rPr lang="nl-NL"/>
-              <a:t>Titel van de presentatie</a:t>
-            </a:r>
-          </a:p>
-        </p:txBody>
-      </p:sp>
-      <p:sp>
-        <p:nvSpPr>
-          <p:cNvPr id="3" name="Slide Number Placeholder 2"/>
-          <p:cNvSpPr>
-            <a:spLocks noGrp="1"/>
-          </p:cNvSpPr>
-          <p:nvPr>
-            <p:ph type="sldNum" sz="quarter" idx="12"/>
-          </p:nvPr>
-        </p:nvSpPr>
-        <p:spPr/>
-        <p:txBody>
-          <a:bodyPr/>
-          <a:lstStyle/>
-          <a:p>
-            <a:fld id="{14F1411D-0280-154F-AEAC-4C20B7AA46B2}" type="slidenum">
-              <a:rPr lang="nl-NL" smtClean="0"/>
-              <a:t>58</a:t>
-            </a:fld>
-            <a:endParaRPr lang="nl-NL"/>
-          </a:p>
-        </p:txBody>
-      </p:sp>
-      <p:sp>
-        <p:nvSpPr>
-          <p:cNvPr id="4" name="Title 3"/>
-          <p:cNvSpPr>
-            <a:spLocks noGrp="1"/>
-          </p:cNvSpPr>
-          <p:nvPr>
-            <p:ph type="title"/>
-          </p:nvPr>
-        </p:nvSpPr>
-        <p:spPr/>
-        <p:txBody>
-          <a:bodyPr/>
-          <a:lstStyle/>
-          <a:p>
-            <a:endParaRPr lang="nl-NL"/>
-          </a:p>
-        </p:txBody>
-      </p:sp>
-      <p:pic>
-        <p:nvPicPr>
-          <p:cNvPr id="6" name="Picture Placeholder 5"/>
-          <p:cNvPicPr>
-            <a:picLocks noGrp="1" noChangeAspect="1"/>
-          </p:cNvPicPr>
-          <p:nvPr>
-            <p:ph type="pic" idx="13"/>
-          </p:nvPr>
-        </p:nvPicPr>
-        <p:blipFill>
-          <a:blip r:embed="rId2">
-            <a:extLst>
-              <a:ext uri="{28A0092B-C50C-407E-A947-70E740481C1C}">
-                <a14:useLocalDpi xmlns:a14="http://schemas.microsoft.com/office/drawing/2010/main" val="0"/>
-              </a:ext>
-            </a:extLst>
-          </a:blip>
-          <a:srcRect t="19" b="19"/>
-          <a:stretch>
-            <a:fillRect/>
-          </a:stretch>
-        </p:blipFill>
-        <p:spPr/>
-      </p:pic>
-    </p:spTree>
-    <p:extLst>
-      <p:ext uri="{BB962C8B-B14F-4D97-AF65-F5344CB8AC3E}">
-        <p14:creationId xmlns:p14="http://schemas.microsoft.com/office/powerpoint/2010/main" val="1192589319"/>
       </p:ext>
     </p:extLst>
   </p:cSld>
@@ -14744,63 +10979,6 @@
               <a:t>();</a:t>
             </a:r>
             <a:endParaRPr lang="en-NL" dirty="0"/>
-          </a:p>
-        </p:txBody>
-      </p:sp>
-      <p:sp>
-        <p:nvSpPr>
-          <p:cNvPr id="4" name="Footer Placeholder 3">
-            <a:extLst>
-              <a:ext uri="{FF2B5EF4-FFF2-40B4-BE49-F238E27FC236}">
-                <a16:creationId xmlns:a16="http://schemas.microsoft.com/office/drawing/2014/main" id="{FEADEB3E-475A-4824-AABC-56AA633489D8}"/>
-              </a:ext>
-            </a:extLst>
-          </p:cNvPr>
-          <p:cNvSpPr>
-            <a:spLocks noGrp="1"/>
-          </p:cNvSpPr>
-          <p:nvPr>
-            <p:ph type="ftr" sz="quarter" idx="11"/>
-          </p:nvPr>
-        </p:nvSpPr>
-        <p:spPr/>
-        <p:txBody>
-          <a:bodyPr/>
-          <a:lstStyle/>
-          <a:p>
-            <a:r>
-              <a:rPr lang="nl-NL"/>
-              <a:t>Titel van de presentatie</a:t>
-            </a:r>
-          </a:p>
-        </p:txBody>
-      </p:sp>
-      <p:sp>
-        <p:nvSpPr>
-          <p:cNvPr id="5" name="Slide Number Placeholder 4">
-            <a:extLst>
-              <a:ext uri="{FF2B5EF4-FFF2-40B4-BE49-F238E27FC236}">
-                <a16:creationId xmlns:a16="http://schemas.microsoft.com/office/drawing/2014/main" id="{A6F8EF45-7BB4-41F4-9B7E-06FFE7FC9221}"/>
-              </a:ext>
-            </a:extLst>
-          </p:cNvPr>
-          <p:cNvSpPr>
-            <a:spLocks noGrp="1"/>
-          </p:cNvSpPr>
-          <p:nvPr>
-            <p:ph type="sldNum" sz="quarter" idx="12"/>
-          </p:nvPr>
-        </p:nvSpPr>
-        <p:spPr/>
-        <p:txBody>
-          <a:bodyPr/>
-          <a:lstStyle/>
-          <a:p>
-            <a:fld id="{14F1411D-0280-154F-AEAC-4C20B7AA46B2}" type="slidenum">
-              <a:rPr lang="nl-NL" smtClean="0"/>
-              <a:t>6</a:t>
-            </a:fld>
-            <a:endParaRPr lang="nl-NL"/>
           </a:p>
         </p:txBody>
       </p:sp>
@@ -14878,6 +11056,63 @@
           </a:fontRef>
         </p:style>
       </p:cxnSp>
+      <p:sp>
+        <p:nvSpPr>
+          <p:cNvPr id="9" name="Slide Number Placeholder 8">
+            <a:extLst>
+              <a:ext uri="{FF2B5EF4-FFF2-40B4-BE49-F238E27FC236}">
+                <a16:creationId xmlns:a16="http://schemas.microsoft.com/office/drawing/2014/main" id="{1E9EF15D-11BB-4FBC-9D65-DF5AAE38FC94}"/>
+              </a:ext>
+            </a:extLst>
+          </p:cNvPr>
+          <p:cNvSpPr>
+            <a:spLocks noGrp="1"/>
+          </p:cNvSpPr>
+          <p:nvPr>
+            <p:ph type="sldNum" sz="quarter" idx="12"/>
+          </p:nvPr>
+        </p:nvSpPr>
+        <p:spPr/>
+        <p:txBody>
+          <a:bodyPr/>
+          <a:lstStyle/>
+          <a:p>
+            <a:fld id="{14F1411D-0280-154F-AEAC-4C20B7AA46B2}" type="slidenum">
+              <a:rPr lang="nl-NL" smtClean="0"/>
+              <a:t>6</a:t>
+            </a:fld>
+            <a:endParaRPr lang="nl-NL"/>
+          </a:p>
+        </p:txBody>
+      </p:sp>
+      <p:sp>
+        <p:nvSpPr>
+          <p:cNvPr id="11" name="Footer Placeholder 10">
+            <a:extLst>
+              <a:ext uri="{FF2B5EF4-FFF2-40B4-BE49-F238E27FC236}">
+                <a16:creationId xmlns:a16="http://schemas.microsoft.com/office/drawing/2014/main" id="{C9D9E3E0-7EDE-4395-8595-1082D25A2387}"/>
+              </a:ext>
+            </a:extLst>
+          </p:cNvPr>
+          <p:cNvSpPr>
+            <a:spLocks noGrp="1"/>
+          </p:cNvSpPr>
+          <p:nvPr>
+            <p:ph type="ftr" sz="quarter" idx="11"/>
+          </p:nvPr>
+        </p:nvSpPr>
+        <p:spPr/>
+        <p:txBody>
+          <a:bodyPr/>
+          <a:lstStyle/>
+          <a:p>
+            <a:r>
+              <a:rPr lang="nl-NL"/>
+              <a:t>Context and dependency injection</a:t>
+            </a:r>
+          </a:p>
+        </p:txBody>
+      </p:sp>
     </p:spTree>
     <p:extLst>
       <p:ext uri="{BB962C8B-B14F-4D97-AF65-F5344CB8AC3E}">
@@ -14993,63 +11228,6 @@
           </a:p>
         </p:txBody>
       </p:sp>
-      <p:sp>
-        <p:nvSpPr>
-          <p:cNvPr id="4" name="Footer Placeholder 3">
-            <a:extLst>
-              <a:ext uri="{FF2B5EF4-FFF2-40B4-BE49-F238E27FC236}">
-                <a16:creationId xmlns:a16="http://schemas.microsoft.com/office/drawing/2014/main" id="{1077FDFE-4635-4454-9C1A-1161B97C6D47}"/>
-              </a:ext>
-            </a:extLst>
-          </p:cNvPr>
-          <p:cNvSpPr>
-            <a:spLocks noGrp="1"/>
-          </p:cNvSpPr>
-          <p:nvPr>
-            <p:ph type="ftr" sz="quarter" idx="11"/>
-          </p:nvPr>
-        </p:nvSpPr>
-        <p:spPr/>
-        <p:txBody>
-          <a:bodyPr/>
-          <a:lstStyle/>
-          <a:p>
-            <a:r>
-              <a:rPr lang="nl-NL"/>
-              <a:t>Titel van de presentatie</a:t>
-            </a:r>
-          </a:p>
-        </p:txBody>
-      </p:sp>
-      <p:sp>
-        <p:nvSpPr>
-          <p:cNvPr id="5" name="Slide Number Placeholder 4">
-            <a:extLst>
-              <a:ext uri="{FF2B5EF4-FFF2-40B4-BE49-F238E27FC236}">
-                <a16:creationId xmlns:a16="http://schemas.microsoft.com/office/drawing/2014/main" id="{B48727DD-8678-4A1C-A02F-19AD81CBFE8F}"/>
-              </a:ext>
-            </a:extLst>
-          </p:cNvPr>
-          <p:cNvSpPr>
-            <a:spLocks noGrp="1"/>
-          </p:cNvSpPr>
-          <p:nvPr>
-            <p:ph type="sldNum" sz="quarter" idx="12"/>
-          </p:nvPr>
-        </p:nvSpPr>
-        <p:spPr/>
-        <p:txBody>
-          <a:bodyPr/>
-          <a:lstStyle/>
-          <a:p>
-            <a:fld id="{14F1411D-0280-154F-AEAC-4C20B7AA46B2}" type="slidenum">
-              <a:rPr lang="nl-NL" smtClean="0"/>
-              <a:t>7</a:t>
-            </a:fld>
-            <a:endParaRPr lang="nl-NL"/>
-          </a:p>
-        </p:txBody>
-      </p:sp>
       <p:pic>
         <p:nvPicPr>
           <p:cNvPr id="6" name="Picture 5">
@@ -15080,6 +11258,63 @@
           </a:prstGeom>
         </p:spPr>
       </p:pic>
+      <p:sp>
+        <p:nvSpPr>
+          <p:cNvPr id="10" name="Slide Number Placeholder 9">
+            <a:extLst>
+              <a:ext uri="{FF2B5EF4-FFF2-40B4-BE49-F238E27FC236}">
+                <a16:creationId xmlns:a16="http://schemas.microsoft.com/office/drawing/2014/main" id="{CD0F15AD-8337-4740-B9EA-09CF9034CB3A}"/>
+              </a:ext>
+            </a:extLst>
+          </p:cNvPr>
+          <p:cNvSpPr>
+            <a:spLocks noGrp="1"/>
+          </p:cNvSpPr>
+          <p:nvPr>
+            <p:ph type="sldNum" sz="quarter" idx="12"/>
+          </p:nvPr>
+        </p:nvSpPr>
+        <p:spPr/>
+        <p:txBody>
+          <a:bodyPr/>
+          <a:lstStyle/>
+          <a:p>
+            <a:fld id="{14F1411D-0280-154F-AEAC-4C20B7AA46B2}" type="slidenum">
+              <a:rPr lang="nl-NL" smtClean="0"/>
+              <a:t>7</a:t>
+            </a:fld>
+            <a:endParaRPr lang="nl-NL"/>
+          </a:p>
+        </p:txBody>
+      </p:sp>
+      <p:sp>
+        <p:nvSpPr>
+          <p:cNvPr id="11" name="Footer Placeholder 10">
+            <a:extLst>
+              <a:ext uri="{FF2B5EF4-FFF2-40B4-BE49-F238E27FC236}">
+                <a16:creationId xmlns:a16="http://schemas.microsoft.com/office/drawing/2014/main" id="{A3322ED7-15A9-488E-90A5-6B886F7F24F2}"/>
+              </a:ext>
+            </a:extLst>
+          </p:cNvPr>
+          <p:cNvSpPr>
+            <a:spLocks noGrp="1"/>
+          </p:cNvSpPr>
+          <p:nvPr>
+            <p:ph type="ftr" sz="quarter" idx="11"/>
+          </p:nvPr>
+        </p:nvSpPr>
+        <p:spPr/>
+        <p:txBody>
+          <a:bodyPr/>
+          <a:lstStyle/>
+          <a:p>
+            <a:r>
+              <a:rPr lang="nl-NL"/>
+              <a:t>Context and dependency injection</a:t>
+            </a:r>
+          </a:p>
+        </p:txBody>
+      </p:sp>
     </p:spTree>
     <p:extLst>
       <p:ext uri="{BB962C8B-B14F-4D97-AF65-F5344CB8AC3E}">
@@ -15148,63 +11383,6 @@
               <a:t> (2)</a:t>
             </a:r>
             <a:endParaRPr lang="en-NL" dirty="0"/>
-          </a:p>
-        </p:txBody>
-      </p:sp>
-      <p:sp>
-        <p:nvSpPr>
-          <p:cNvPr id="4" name="Footer Placeholder 3">
-            <a:extLst>
-              <a:ext uri="{FF2B5EF4-FFF2-40B4-BE49-F238E27FC236}">
-                <a16:creationId xmlns:a16="http://schemas.microsoft.com/office/drawing/2014/main" id="{1EC1807F-6EB9-493D-A6E9-3C22717E599C}"/>
-              </a:ext>
-            </a:extLst>
-          </p:cNvPr>
-          <p:cNvSpPr>
-            <a:spLocks noGrp="1"/>
-          </p:cNvSpPr>
-          <p:nvPr>
-            <p:ph type="ftr" sz="quarter" idx="11"/>
-          </p:nvPr>
-        </p:nvSpPr>
-        <p:spPr/>
-        <p:txBody>
-          <a:bodyPr/>
-          <a:lstStyle/>
-          <a:p>
-            <a:r>
-              <a:rPr lang="nl-NL"/>
-              <a:t>Titel van de presentatie</a:t>
-            </a:r>
-          </a:p>
-        </p:txBody>
-      </p:sp>
-      <p:sp>
-        <p:nvSpPr>
-          <p:cNvPr id="5" name="Slide Number Placeholder 4">
-            <a:extLst>
-              <a:ext uri="{FF2B5EF4-FFF2-40B4-BE49-F238E27FC236}">
-                <a16:creationId xmlns:a16="http://schemas.microsoft.com/office/drawing/2014/main" id="{828FDC2F-DA36-4C46-9E64-5CB927616DBC}"/>
-              </a:ext>
-            </a:extLst>
-          </p:cNvPr>
-          <p:cNvSpPr>
-            <a:spLocks noGrp="1"/>
-          </p:cNvSpPr>
-          <p:nvPr>
-            <p:ph type="sldNum" sz="quarter" idx="12"/>
-          </p:nvPr>
-        </p:nvSpPr>
-        <p:spPr/>
-        <p:txBody>
-          <a:bodyPr/>
-          <a:lstStyle/>
-          <a:p>
-            <a:fld id="{14F1411D-0280-154F-AEAC-4C20B7AA46B2}" type="slidenum">
-              <a:rPr lang="nl-NL" smtClean="0"/>
-              <a:t>8</a:t>
-            </a:fld>
-            <a:endParaRPr lang="nl-NL"/>
           </a:p>
         </p:txBody>
       </p:sp>
@@ -15427,6 +11605,63 @@
           </a:p>
         </p:txBody>
       </p:sp>
+      <p:sp>
+        <p:nvSpPr>
+          <p:cNvPr id="8" name="Slide Number Placeholder 7">
+            <a:extLst>
+              <a:ext uri="{FF2B5EF4-FFF2-40B4-BE49-F238E27FC236}">
+                <a16:creationId xmlns:a16="http://schemas.microsoft.com/office/drawing/2014/main" id="{0CF848FE-C354-4F30-AE34-5BEE85650CCB}"/>
+              </a:ext>
+            </a:extLst>
+          </p:cNvPr>
+          <p:cNvSpPr>
+            <a:spLocks noGrp="1"/>
+          </p:cNvSpPr>
+          <p:nvPr>
+            <p:ph type="sldNum" sz="quarter" idx="12"/>
+          </p:nvPr>
+        </p:nvSpPr>
+        <p:spPr/>
+        <p:txBody>
+          <a:bodyPr/>
+          <a:lstStyle/>
+          <a:p>
+            <a:fld id="{14F1411D-0280-154F-AEAC-4C20B7AA46B2}" type="slidenum">
+              <a:rPr lang="nl-NL" smtClean="0"/>
+              <a:t>8</a:t>
+            </a:fld>
+            <a:endParaRPr lang="nl-NL"/>
+          </a:p>
+        </p:txBody>
+      </p:sp>
+      <p:sp>
+        <p:nvSpPr>
+          <p:cNvPr id="12" name="Footer Placeholder 11">
+            <a:extLst>
+              <a:ext uri="{FF2B5EF4-FFF2-40B4-BE49-F238E27FC236}">
+                <a16:creationId xmlns:a16="http://schemas.microsoft.com/office/drawing/2014/main" id="{5852C010-6CA9-4C29-81B6-97180F8644D0}"/>
+              </a:ext>
+            </a:extLst>
+          </p:cNvPr>
+          <p:cNvSpPr>
+            <a:spLocks noGrp="1"/>
+          </p:cNvSpPr>
+          <p:nvPr>
+            <p:ph type="ftr" sz="quarter" idx="11"/>
+          </p:nvPr>
+        </p:nvSpPr>
+        <p:spPr/>
+        <p:txBody>
+          <a:bodyPr/>
+          <a:lstStyle/>
+          <a:p>
+            <a:r>
+              <a:rPr lang="nl-NL"/>
+              <a:t>Context and dependency injection</a:t>
+            </a:r>
+          </a:p>
+        </p:txBody>
+      </p:sp>
     </p:spTree>
     <p:extLst>
       <p:ext uri="{BB962C8B-B14F-4D97-AF65-F5344CB8AC3E}">
@@ -15487,63 +11722,6 @@
               <a:t>coupling</a:t>
             </a:r>
             <a:endParaRPr lang="en-NL" dirty="0"/>
-          </a:p>
-        </p:txBody>
-      </p:sp>
-      <p:sp>
-        <p:nvSpPr>
-          <p:cNvPr id="4" name="Footer Placeholder 3">
-            <a:extLst>
-              <a:ext uri="{FF2B5EF4-FFF2-40B4-BE49-F238E27FC236}">
-                <a16:creationId xmlns:a16="http://schemas.microsoft.com/office/drawing/2014/main" id="{46EABBBD-E90C-4430-8BB1-F24C05C37671}"/>
-              </a:ext>
-            </a:extLst>
-          </p:cNvPr>
-          <p:cNvSpPr>
-            <a:spLocks noGrp="1"/>
-          </p:cNvSpPr>
-          <p:nvPr>
-            <p:ph type="ftr" sz="quarter" idx="11"/>
-          </p:nvPr>
-        </p:nvSpPr>
-        <p:spPr/>
-        <p:txBody>
-          <a:bodyPr/>
-          <a:lstStyle/>
-          <a:p>
-            <a:r>
-              <a:rPr lang="nl-NL"/>
-              <a:t>Titel van de presentatie</a:t>
-            </a:r>
-          </a:p>
-        </p:txBody>
-      </p:sp>
-      <p:sp>
-        <p:nvSpPr>
-          <p:cNvPr id="5" name="Slide Number Placeholder 4">
-            <a:extLst>
-              <a:ext uri="{FF2B5EF4-FFF2-40B4-BE49-F238E27FC236}">
-                <a16:creationId xmlns:a16="http://schemas.microsoft.com/office/drawing/2014/main" id="{BA0C5F15-36A3-4F29-B457-9A5EBEEE4484}"/>
-              </a:ext>
-            </a:extLst>
-          </p:cNvPr>
-          <p:cNvSpPr>
-            <a:spLocks noGrp="1"/>
-          </p:cNvSpPr>
-          <p:nvPr>
-            <p:ph type="sldNum" sz="quarter" idx="12"/>
-          </p:nvPr>
-        </p:nvSpPr>
-        <p:spPr/>
-        <p:txBody>
-          <a:bodyPr/>
-          <a:lstStyle/>
-          <a:p>
-            <a:fld id="{14F1411D-0280-154F-AEAC-4C20B7AA46B2}" type="slidenum">
-              <a:rPr lang="nl-NL" smtClean="0"/>
-              <a:t>9</a:t>
-            </a:fld>
-            <a:endParaRPr lang="nl-NL"/>
           </a:p>
         </p:txBody>
       </p:sp>
@@ -15690,6 +11868,63 @@
           </a:fontRef>
         </p:style>
       </p:cxnSp>
+      <p:sp>
+        <p:nvSpPr>
+          <p:cNvPr id="8" name="Slide Number Placeholder 7">
+            <a:extLst>
+              <a:ext uri="{FF2B5EF4-FFF2-40B4-BE49-F238E27FC236}">
+                <a16:creationId xmlns:a16="http://schemas.microsoft.com/office/drawing/2014/main" id="{7340FB7D-6D90-48FF-BAC5-F0842DAE880A}"/>
+              </a:ext>
+            </a:extLst>
+          </p:cNvPr>
+          <p:cNvSpPr>
+            <a:spLocks noGrp="1"/>
+          </p:cNvSpPr>
+          <p:nvPr>
+            <p:ph type="sldNum" sz="quarter" idx="12"/>
+          </p:nvPr>
+        </p:nvSpPr>
+        <p:spPr/>
+        <p:txBody>
+          <a:bodyPr/>
+          <a:lstStyle/>
+          <a:p>
+            <a:fld id="{14F1411D-0280-154F-AEAC-4C20B7AA46B2}" type="slidenum">
+              <a:rPr lang="nl-NL" smtClean="0"/>
+              <a:t>9</a:t>
+            </a:fld>
+            <a:endParaRPr lang="nl-NL"/>
+          </a:p>
+        </p:txBody>
+      </p:sp>
+      <p:sp>
+        <p:nvSpPr>
+          <p:cNvPr id="9" name="Footer Placeholder 8">
+            <a:extLst>
+              <a:ext uri="{FF2B5EF4-FFF2-40B4-BE49-F238E27FC236}">
+                <a16:creationId xmlns:a16="http://schemas.microsoft.com/office/drawing/2014/main" id="{C1C28DBF-A3AC-4FED-9A02-968FB44E0F22}"/>
+              </a:ext>
+            </a:extLst>
+          </p:cNvPr>
+          <p:cNvSpPr>
+            <a:spLocks noGrp="1"/>
+          </p:cNvSpPr>
+          <p:nvPr>
+            <p:ph type="ftr" sz="quarter" idx="11"/>
+          </p:nvPr>
+        </p:nvSpPr>
+        <p:spPr/>
+        <p:txBody>
+          <a:bodyPr/>
+          <a:lstStyle/>
+          <a:p>
+            <a:r>
+              <a:rPr lang="nl-NL"/>
+              <a:t>Context and dependency injection</a:t>
+            </a:r>
+          </a:p>
+        </p:txBody>
+      </p:sp>
     </p:spTree>
     <p:extLst>
       <p:ext uri="{BB962C8B-B14F-4D97-AF65-F5344CB8AC3E}">
@@ -16239,7 +12474,311 @@
 </a:theme>
 </file>
 
+<file path=ppt/theme/theme3.xml><?xml version="1.0" encoding="utf-8"?>
+<a:theme xmlns:a="http://schemas.openxmlformats.org/drawingml/2006/main" name="Office Theme">
+  <a:themeElements>
+    <a:clrScheme name="Office">
+      <a:dk1>
+        <a:sysClr val="windowText" lastClr="000000"/>
+      </a:dk1>
+      <a:lt1>
+        <a:sysClr val="window" lastClr="FFFFFF"/>
+      </a:lt1>
+      <a:dk2>
+        <a:srgbClr val="44546A"/>
+      </a:dk2>
+      <a:lt2>
+        <a:srgbClr val="E7E6E6"/>
+      </a:lt2>
+      <a:accent1>
+        <a:srgbClr val="4472C4"/>
+      </a:accent1>
+      <a:accent2>
+        <a:srgbClr val="ED7D31"/>
+      </a:accent2>
+      <a:accent3>
+        <a:srgbClr val="A5A5A5"/>
+      </a:accent3>
+      <a:accent4>
+        <a:srgbClr val="FFC000"/>
+      </a:accent4>
+      <a:accent5>
+        <a:srgbClr val="5B9BD5"/>
+      </a:accent5>
+      <a:accent6>
+        <a:srgbClr val="70AD47"/>
+      </a:accent6>
+      <a:hlink>
+        <a:srgbClr val="0563C1"/>
+      </a:hlink>
+      <a:folHlink>
+        <a:srgbClr val="954F72"/>
+      </a:folHlink>
+    </a:clrScheme>
+    <a:fontScheme name="Office">
+      <a:majorFont>
+        <a:latin typeface="Calibri Light" panose="020F0302020204030204"/>
+        <a:ea typeface=""/>
+        <a:cs typeface=""/>
+        <a:font script="Jpan" typeface="游ゴシック Light"/>
+        <a:font script="Hang" typeface="맑은 고딕"/>
+        <a:font script="Hans" typeface="等线 Light"/>
+        <a:font script="Hant" typeface="新細明體"/>
+        <a:font script="Arab" typeface="Times New Roman"/>
+        <a:font script="Hebr" typeface="Times New Roman"/>
+        <a:font script="Thai" typeface="Angsana New"/>
+        <a:font script="Ethi" typeface="Nyala"/>
+        <a:font script="Beng" typeface="Vrinda"/>
+        <a:font script="Gujr" typeface="Shruti"/>
+        <a:font script="Khmr" typeface="MoolBoran"/>
+        <a:font script="Knda" typeface="Tunga"/>
+        <a:font script="Guru" typeface="Raavi"/>
+        <a:font script="Cans" typeface="Euphemia"/>
+        <a:font script="Cher" typeface="Plantagenet Cherokee"/>
+        <a:font script="Yiii" typeface="Microsoft Yi Baiti"/>
+        <a:font script="Tibt" typeface="Microsoft Himalaya"/>
+        <a:font script="Thaa" typeface="MV Boli"/>
+        <a:font script="Deva" typeface="Mangal"/>
+        <a:font script="Telu" typeface="Gautami"/>
+        <a:font script="Taml" typeface="Latha"/>
+        <a:font script="Syrc" typeface="Estrangelo Edessa"/>
+        <a:font script="Orya" typeface="Kalinga"/>
+        <a:font script="Mlym" typeface="Kartika"/>
+        <a:font script="Laoo" typeface="DokChampa"/>
+        <a:font script="Sinh" typeface="Iskoola Pota"/>
+        <a:font script="Mong" typeface="Mongolian Baiti"/>
+        <a:font script="Viet" typeface="Times New Roman"/>
+        <a:font script="Uigh" typeface="Microsoft Uighur"/>
+        <a:font script="Geor" typeface="Sylfaen"/>
+        <a:font script="Armn" typeface="Arial"/>
+        <a:font script="Bugi" typeface="Leelawadee UI"/>
+        <a:font script="Bopo" typeface="Microsoft JhengHei"/>
+        <a:font script="Java" typeface="Javanese Text"/>
+        <a:font script="Lisu" typeface="Segoe UI"/>
+        <a:font script="Mymr" typeface="Myanmar Text"/>
+        <a:font script="Nkoo" typeface="Ebrima"/>
+        <a:font script="Olck" typeface="Nirmala UI"/>
+        <a:font script="Osma" typeface="Ebrima"/>
+        <a:font script="Phag" typeface="Phagspa"/>
+        <a:font script="Syrn" typeface="Estrangelo Edessa"/>
+        <a:font script="Syrj" typeface="Estrangelo Edessa"/>
+        <a:font script="Syre" typeface="Estrangelo Edessa"/>
+        <a:font script="Sora" typeface="Nirmala UI"/>
+        <a:font script="Tale" typeface="Microsoft Tai Le"/>
+        <a:font script="Talu" typeface="Microsoft New Tai Lue"/>
+        <a:font script="Tfng" typeface="Ebrima"/>
+      </a:majorFont>
+      <a:minorFont>
+        <a:latin typeface="Calibri" panose="020F0502020204030204"/>
+        <a:ea typeface=""/>
+        <a:cs typeface=""/>
+        <a:font script="Jpan" typeface="游ゴシック"/>
+        <a:font script="Hang" typeface="맑은 고딕"/>
+        <a:font script="Hans" typeface="等线"/>
+        <a:font script="Hant" typeface="新細明體"/>
+        <a:font script="Arab" typeface="Arial"/>
+        <a:font script="Hebr" typeface="Arial"/>
+        <a:font script="Thai" typeface="Cordia New"/>
+        <a:font script="Ethi" typeface="Nyala"/>
+        <a:font script="Beng" typeface="Vrinda"/>
+        <a:font script="Gujr" typeface="Shruti"/>
+        <a:font script="Khmr" typeface="DaunPenh"/>
+        <a:font script="Knda" typeface="Tunga"/>
+        <a:font script="Guru" typeface="Raavi"/>
+        <a:font script="Cans" typeface="Euphemia"/>
+        <a:font script="Cher" typeface="Plantagenet Cherokee"/>
+        <a:font script="Yiii" typeface="Microsoft Yi Baiti"/>
+        <a:font script="Tibt" typeface="Microsoft Himalaya"/>
+        <a:font script="Thaa" typeface="MV Boli"/>
+        <a:font script="Deva" typeface="Mangal"/>
+        <a:font script="Telu" typeface="Gautami"/>
+        <a:font script="Taml" typeface="Latha"/>
+        <a:font script="Syrc" typeface="Estrangelo Edessa"/>
+        <a:font script="Orya" typeface="Kalinga"/>
+        <a:font script="Mlym" typeface="Kartika"/>
+        <a:font script="Laoo" typeface="DokChampa"/>
+        <a:font script="Sinh" typeface="Iskoola Pota"/>
+        <a:font script="Mong" typeface="Mongolian Baiti"/>
+        <a:font script="Viet" typeface="Arial"/>
+        <a:font script="Uigh" typeface="Microsoft Uighur"/>
+        <a:font script="Geor" typeface="Sylfaen"/>
+        <a:font script="Armn" typeface="Arial"/>
+        <a:font script="Bugi" typeface="Leelawadee UI"/>
+        <a:font script="Bopo" typeface="Microsoft JhengHei"/>
+        <a:font script="Java" typeface="Javanese Text"/>
+        <a:font script="Lisu" typeface="Segoe UI"/>
+        <a:font script="Mymr" typeface="Myanmar Text"/>
+        <a:font script="Nkoo" typeface="Ebrima"/>
+        <a:font script="Olck" typeface="Nirmala UI"/>
+        <a:font script="Osma" typeface="Ebrima"/>
+        <a:font script="Phag" typeface="Phagspa"/>
+        <a:font script="Syrn" typeface="Estrangelo Edessa"/>
+        <a:font script="Syrj" typeface="Estrangelo Edessa"/>
+        <a:font script="Syre" typeface="Estrangelo Edessa"/>
+        <a:font script="Sora" typeface="Nirmala UI"/>
+        <a:font script="Tale" typeface="Microsoft Tai Le"/>
+        <a:font script="Talu" typeface="Microsoft New Tai Lue"/>
+        <a:font script="Tfng" typeface="Ebrima"/>
+      </a:minorFont>
+    </a:fontScheme>
+    <a:fmtScheme name="Office">
+      <a:fillStyleLst>
+        <a:solidFill>
+          <a:schemeClr val="phClr"/>
+        </a:solidFill>
+        <a:gradFill rotWithShape="1">
+          <a:gsLst>
+            <a:gs pos="0">
+              <a:schemeClr val="phClr">
+                <a:lumMod val="110000"/>
+                <a:satMod val="105000"/>
+                <a:tint val="67000"/>
+              </a:schemeClr>
+            </a:gs>
+            <a:gs pos="50000">
+              <a:schemeClr val="phClr">
+                <a:lumMod val="105000"/>
+                <a:satMod val="103000"/>
+                <a:tint val="73000"/>
+              </a:schemeClr>
+            </a:gs>
+            <a:gs pos="100000">
+              <a:schemeClr val="phClr">
+                <a:lumMod val="105000"/>
+                <a:satMod val="109000"/>
+                <a:tint val="81000"/>
+              </a:schemeClr>
+            </a:gs>
+          </a:gsLst>
+          <a:lin ang="5400000" scaled="0"/>
+        </a:gradFill>
+        <a:gradFill rotWithShape="1">
+          <a:gsLst>
+            <a:gs pos="0">
+              <a:schemeClr val="phClr">
+                <a:satMod val="103000"/>
+                <a:lumMod val="102000"/>
+                <a:tint val="94000"/>
+              </a:schemeClr>
+            </a:gs>
+            <a:gs pos="50000">
+              <a:schemeClr val="phClr">
+                <a:satMod val="110000"/>
+                <a:lumMod val="100000"/>
+                <a:shade val="100000"/>
+              </a:schemeClr>
+            </a:gs>
+            <a:gs pos="100000">
+              <a:schemeClr val="phClr">
+                <a:lumMod val="99000"/>
+                <a:satMod val="120000"/>
+                <a:shade val="78000"/>
+              </a:schemeClr>
+            </a:gs>
+          </a:gsLst>
+          <a:lin ang="5400000" scaled="0"/>
+        </a:gradFill>
+      </a:fillStyleLst>
+      <a:lnStyleLst>
+        <a:ln w="6350" cap="flat" cmpd="sng" algn="ctr">
+          <a:solidFill>
+            <a:schemeClr val="phClr"/>
+          </a:solidFill>
+          <a:prstDash val="solid"/>
+          <a:miter lim="800000"/>
+        </a:ln>
+        <a:ln w="12700" cap="flat" cmpd="sng" algn="ctr">
+          <a:solidFill>
+            <a:schemeClr val="phClr"/>
+          </a:solidFill>
+          <a:prstDash val="solid"/>
+          <a:miter lim="800000"/>
+        </a:ln>
+        <a:ln w="19050" cap="flat" cmpd="sng" algn="ctr">
+          <a:solidFill>
+            <a:schemeClr val="phClr"/>
+          </a:solidFill>
+          <a:prstDash val="solid"/>
+          <a:miter lim="800000"/>
+        </a:ln>
+      </a:lnStyleLst>
+      <a:effectStyleLst>
+        <a:effectStyle>
+          <a:effectLst/>
+        </a:effectStyle>
+        <a:effectStyle>
+          <a:effectLst/>
+        </a:effectStyle>
+        <a:effectStyle>
+          <a:effectLst>
+            <a:outerShdw blurRad="57150" dist="19050" dir="5400000" algn="ctr" rotWithShape="0">
+              <a:srgbClr val="000000">
+                <a:alpha val="63000"/>
+              </a:srgbClr>
+            </a:outerShdw>
+          </a:effectLst>
+        </a:effectStyle>
+      </a:effectStyleLst>
+      <a:bgFillStyleLst>
+        <a:solidFill>
+          <a:schemeClr val="phClr"/>
+        </a:solidFill>
+        <a:solidFill>
+          <a:schemeClr val="phClr">
+            <a:tint val="95000"/>
+            <a:satMod val="170000"/>
+          </a:schemeClr>
+        </a:solidFill>
+        <a:gradFill rotWithShape="1">
+          <a:gsLst>
+            <a:gs pos="0">
+              <a:schemeClr val="phClr">
+                <a:tint val="93000"/>
+                <a:satMod val="150000"/>
+                <a:shade val="98000"/>
+                <a:lumMod val="102000"/>
+              </a:schemeClr>
+            </a:gs>
+            <a:gs pos="50000">
+              <a:schemeClr val="phClr">
+                <a:tint val="98000"/>
+                <a:satMod val="130000"/>
+                <a:shade val="90000"/>
+                <a:lumMod val="103000"/>
+              </a:schemeClr>
+            </a:gs>
+            <a:gs pos="100000">
+              <a:schemeClr val="phClr">
+                <a:shade val="63000"/>
+                <a:satMod val="120000"/>
+              </a:schemeClr>
+            </a:gs>
+          </a:gsLst>
+          <a:lin ang="5400000" scaled="0"/>
+        </a:gradFill>
+      </a:bgFillStyleLst>
+    </a:fmtScheme>
+  </a:themeElements>
+  <a:objectDefaults/>
+  <a:extraClrSchemeLst/>
+  <a:extLst>
+    <a:ext uri="{05A4C25C-085E-4340-85A3-A5531E510DB2}">
+      <thm15:themeFamily xmlns:thm15="http://schemas.microsoft.com/office/thememl/2012/main" name="Office Theme" id="{62F939B6-93AF-4DB8-9C6B-D6C7DFDC589F}" vid="{4A3C46E8-61CC-4603-A589-7422A47A8E4A}"/>
+    </a:ext>
+  </a:extLst>
+</a:theme>
+</file>
+
 <file path=customXml/item1.xml><?xml version="1.0" encoding="utf-8"?>
+<?mso-contentType ?>
+<FormTemplates xmlns="http://schemas.microsoft.com/sharepoint/v3/contenttype/forms">
+  <Display>DocumentLibraryForm</Display>
+  <Edit>DocumentLibraryForm</Edit>
+  <New>DocumentLibraryForm</New>
+</FormTemplates>
+</file>
+
+<file path=customXml/item2.xml><?xml version="1.0" encoding="utf-8"?>
 <ct:contentTypeSchema xmlns:ct="http://schemas.microsoft.com/office/2006/metadata/contentType" xmlns:ma="http://schemas.microsoft.com/office/2006/metadata/properties/metaAttributes" ct:_="" ma:_="" ma:contentTypeName="Document" ma:contentTypeID="0x010100E60B9E64A7B90B499F767EB2F0BD9B16" ma:contentTypeVersion="4" ma:contentTypeDescription="Een nieuw document maken." ma:contentTypeScope="" ma:versionID="890a625500243192203a5f75e70e3187">
   <xsd:schema xmlns:xsd="http://www.w3.org/2001/XMLSchema" xmlns:xs="http://www.w3.org/2001/XMLSchema" xmlns:p="http://schemas.microsoft.com/office/2006/metadata/properties" xmlns:ns2="bd3a200e-a112-4432-b134-79c9e3991b87" targetNamespace="http://schemas.microsoft.com/office/2006/metadata/properties" ma:root="true" ma:fieldsID="19c006e645b1596e83fa8f4c2bdffb76" ns2:_="">
     <xsd:import namespace="bd3a200e-a112-4432-b134-79c9e3991b87"/>
@@ -16383,15 +12922,6 @@
 </ct:contentTypeSchema>
 </file>
 
-<file path=customXml/item2.xml><?xml version="1.0" encoding="utf-8"?>
-<?mso-contentType ?>
-<FormTemplates xmlns="http://schemas.microsoft.com/sharepoint/v3/contenttype/forms">
-  <Display>DocumentLibraryForm</Display>
-  <Edit>DocumentLibraryForm</Edit>
-  <New>DocumentLibraryForm</New>
-</FormTemplates>
-</file>
-
 <file path=customXml/item3.xml><?xml version="1.0" encoding="utf-8"?>
 <p:properties xmlns:p="http://schemas.microsoft.com/office/2006/metadata/properties" xmlns:xsi="http://www.w3.org/2001/XMLSchema-instance" xmlns:pc="http://schemas.microsoft.com/office/infopath/2007/PartnerControls">
   <documentManagement/>
@@ -16399,6 +12929,14 @@
 </file>
 
 <file path=customXml/itemProps1.xml><?xml version="1.0" encoding="utf-8"?>
+<ds:datastoreItem xmlns:ds="http://schemas.openxmlformats.org/officeDocument/2006/customXml" ds:itemID="{87F52C54-E7F0-4533-A258-2B00DF9E8BD3}">
+  <ds:schemaRefs>
+    <ds:schemaRef ds:uri="http://schemas.microsoft.com/sharepoint/v3/contenttype/forms"/>
+  </ds:schemaRefs>
+</ds:datastoreItem>
+</file>
+
+<file path=customXml/itemProps2.xml><?xml version="1.0" encoding="utf-8"?>
 <ds:datastoreItem xmlns:ds="http://schemas.openxmlformats.org/officeDocument/2006/customXml" ds:itemID="{5E0BD5BC-1318-4595-A8BB-C1045EDC5470}">
   <ds:schemaRefs>
     <ds:schemaRef ds:uri="http://schemas.microsoft.com/office/2006/metadata/contentType"/>
@@ -16416,24 +12954,16 @@
 </ds:datastoreItem>
 </file>
 
-<file path=customXml/itemProps2.xml><?xml version="1.0" encoding="utf-8"?>
-<ds:datastoreItem xmlns:ds="http://schemas.openxmlformats.org/officeDocument/2006/customXml" ds:itemID="{87F52C54-E7F0-4533-A258-2B00DF9E8BD3}">
-  <ds:schemaRefs>
-    <ds:schemaRef ds:uri="http://schemas.microsoft.com/sharepoint/v3/contenttype/forms"/>
-  </ds:schemaRefs>
-</ds:datastoreItem>
-</file>
-
 <file path=customXml/itemProps3.xml><?xml version="1.0" encoding="utf-8"?>
 <ds:datastoreItem xmlns:ds="http://schemas.openxmlformats.org/officeDocument/2006/customXml" ds:itemID="{368386BB-D1FC-40A2-87C8-E729A7252F21}">
   <ds:schemaRefs>
+    <ds:schemaRef ds:uri="http://purl.org/dc/dcmitype/"/>
+    <ds:schemaRef ds:uri="http://schemas.microsoft.com/office/infopath/2007/PartnerControls"/>
     <ds:schemaRef ds:uri="http://purl.org/dc/elements/1.1/"/>
     <ds:schemaRef ds:uri="http://schemas.microsoft.com/office/2006/metadata/properties"/>
     <ds:schemaRef ds:uri="bd3a200e-a112-4432-b134-79c9e3991b87"/>
     <ds:schemaRef ds:uri="http://purl.org/dc/terms/"/>
     <ds:schemaRef ds:uri="http://schemas.microsoft.com/office/2006/documentManagement/types"/>
-    <ds:schemaRef ds:uri="http://purl.org/dc/dcmitype/"/>
-    <ds:schemaRef ds:uri="http://schemas.microsoft.com/office/infopath/2007/PartnerControls"/>
     <ds:schemaRef ds:uri="http://schemas.openxmlformats.org/package/2006/metadata/core-properties"/>
     <ds:schemaRef ds:uri="http://www.w3.org/XML/1998/namespace"/>
   </ds:schemaRefs>

--- a/CDI.pptx
+++ b/CDI.pptx
@@ -5,10 +5,10 @@
     <p:sldMasterId id="2147483672" r:id="rId4"/>
   </p:sldMasterIdLst>
   <p:notesMasterIdLst>
-    <p:notesMasterId r:id="rId30"/>
+    <p:notesMasterId r:id="rId33"/>
   </p:notesMasterIdLst>
   <p:handoutMasterIdLst>
-    <p:handoutMasterId r:id="rId31"/>
+    <p:handoutMasterId r:id="rId34"/>
   </p:handoutMasterIdLst>
   <p:sldIdLst>
     <p:sldId id="282" r:id="rId5"/>
@@ -36,6 +36,9 @@
     <p:sldId id="298" r:id="rId27"/>
     <p:sldId id="301" r:id="rId28"/>
     <p:sldId id="302" r:id="rId29"/>
+    <p:sldId id="327" r:id="rId30"/>
+    <p:sldId id="326" r:id="rId31"/>
+    <p:sldId id="328" r:id="rId32"/>
   </p:sldIdLst>
   <p:sldSz cx="9144000" cy="5143500" type="screen16x9"/>
   <p:notesSz cx="6858000" cy="9144000"/>
@@ -236,7 +239,7 @@
           <a:p>
             <a:fld id="{CC3E98DD-6812-454C-AE65-FC853C04DD9F}" type="datetimeFigureOut">
               <a:rPr lang="en-NL" smtClean="0"/>
-              <a:t>28/09/2018</a:t>
+              <a:t>30/09/2018</a:t>
             </a:fld>
             <a:endParaRPr lang="en-NL"/>
           </a:p>
@@ -418,7 +421,7 @@
           <a:p>
             <a:fld id="{DDF2FCE7-7AFA-9242-BECB-A61CE0BE95A1}" type="datetimeFigureOut">
               <a:rPr lang="nl-NL" smtClean="0"/>
-              <a:t>28-9-2018</a:t>
+              <a:t>30-9-2018</a:t>
             </a:fld>
             <a:endParaRPr lang="nl-NL"/>
           </a:p>
@@ -10279,6 +10282,929 @@
     <p:extLst>
       <p:ext uri="{BB962C8B-B14F-4D97-AF65-F5344CB8AC3E}">
         <p14:creationId xmlns:p14="http://schemas.microsoft.com/office/powerpoint/2010/main" val="1245274641"/>
+      </p:ext>
+    </p:extLst>
+  </p:cSld>
+  <p:clrMapOvr>
+    <a:masterClrMapping/>
+  </p:clrMapOvr>
+</p:sld>
+</file>
+
+<file path=ppt/slides/slide26.xml><?xml version="1.0" encoding="utf-8"?>
+<p:sld xmlns:a="http://schemas.openxmlformats.org/drawingml/2006/main" xmlns:r="http://schemas.openxmlformats.org/officeDocument/2006/relationships" xmlns:p="http://schemas.openxmlformats.org/presentationml/2006/main">
+  <p:cSld>
+    <p:spTree>
+      <p:nvGrpSpPr>
+        <p:cNvPr id="1" name=""/>
+        <p:cNvGrpSpPr/>
+        <p:nvPr/>
+      </p:nvGrpSpPr>
+      <p:grpSpPr>
+        <a:xfrm>
+          <a:off x="0" y="0"/>
+          <a:ext cx="0" cy="0"/>
+          <a:chOff x="0" y="0"/>
+          <a:chExt cx="0" cy="0"/>
+        </a:xfrm>
+      </p:grpSpPr>
+      <p:sp>
+        <p:nvSpPr>
+          <p:cNvPr id="2" name="Title 1">
+            <a:extLst>
+              <a:ext uri="{FF2B5EF4-FFF2-40B4-BE49-F238E27FC236}">
+                <a16:creationId xmlns:a16="http://schemas.microsoft.com/office/drawing/2014/main" id="{C4098F99-FDF0-40E6-B0FE-9E43594E2065}"/>
+              </a:ext>
+            </a:extLst>
+          </p:cNvPr>
+          <p:cNvSpPr>
+            <a:spLocks noGrp="1"/>
+          </p:cNvSpPr>
+          <p:nvPr>
+            <p:ph type="title"/>
+          </p:nvPr>
+        </p:nvSpPr>
+        <p:spPr/>
+        <p:txBody>
+          <a:bodyPr/>
+          <a:lstStyle/>
+          <a:p>
+            <a:r>
+              <a:rPr lang="nl-NL" dirty="0" err="1"/>
+              <a:t>Conditionals</a:t>
+            </a:r>
+            <a:r>
+              <a:rPr lang="nl-NL" dirty="0"/>
+              <a:t> (Spring 4.0)</a:t>
+            </a:r>
+            <a:endParaRPr lang="en-NL" dirty="0"/>
+          </a:p>
+        </p:txBody>
+      </p:sp>
+      <p:sp>
+        <p:nvSpPr>
+          <p:cNvPr id="12" name="Slide Number Placeholder 11">
+            <a:extLst>
+              <a:ext uri="{FF2B5EF4-FFF2-40B4-BE49-F238E27FC236}">
+                <a16:creationId xmlns:a16="http://schemas.microsoft.com/office/drawing/2014/main" id="{032E80E0-A183-4562-A031-E9059E4DB0C8}"/>
+              </a:ext>
+            </a:extLst>
+          </p:cNvPr>
+          <p:cNvSpPr>
+            <a:spLocks noGrp="1"/>
+          </p:cNvSpPr>
+          <p:nvPr>
+            <p:ph type="sldNum" sz="quarter" idx="12"/>
+          </p:nvPr>
+        </p:nvSpPr>
+        <p:spPr/>
+        <p:txBody>
+          <a:bodyPr/>
+          <a:lstStyle/>
+          <a:p>
+            <a:fld id="{14F1411D-0280-154F-AEAC-4C20B7AA46B2}" type="slidenum">
+              <a:rPr lang="nl-NL" smtClean="0"/>
+              <a:t>26</a:t>
+            </a:fld>
+            <a:endParaRPr lang="nl-NL"/>
+          </a:p>
+        </p:txBody>
+      </p:sp>
+      <p:sp>
+        <p:nvSpPr>
+          <p:cNvPr id="13" name="Footer Placeholder 12">
+            <a:extLst>
+              <a:ext uri="{FF2B5EF4-FFF2-40B4-BE49-F238E27FC236}">
+                <a16:creationId xmlns:a16="http://schemas.microsoft.com/office/drawing/2014/main" id="{83852B02-92CE-47A4-9AF4-7A4B5E4BCCA0}"/>
+              </a:ext>
+            </a:extLst>
+          </p:cNvPr>
+          <p:cNvSpPr>
+            <a:spLocks noGrp="1"/>
+          </p:cNvSpPr>
+          <p:nvPr>
+            <p:ph type="ftr" sz="quarter" idx="11"/>
+          </p:nvPr>
+        </p:nvSpPr>
+        <p:spPr/>
+        <p:txBody>
+          <a:bodyPr/>
+          <a:lstStyle/>
+          <a:p>
+            <a:r>
+              <a:rPr lang="nl-NL"/>
+              <a:t>Context and dependency injection</a:t>
+            </a:r>
+          </a:p>
+        </p:txBody>
+      </p:sp>
+      <p:pic>
+        <p:nvPicPr>
+          <p:cNvPr id="5" name="Picture 4">
+            <a:extLst>
+              <a:ext uri="{FF2B5EF4-FFF2-40B4-BE49-F238E27FC236}">
+                <a16:creationId xmlns:a16="http://schemas.microsoft.com/office/drawing/2014/main" id="{19F3EC47-8B6E-49A3-8844-7E817A38E4FC}"/>
+              </a:ext>
+            </a:extLst>
+          </p:cNvPr>
+          <p:cNvPicPr>
+            <a:picLocks noChangeAspect="1"/>
+          </p:cNvPicPr>
+          <p:nvPr/>
+        </p:nvPicPr>
+        <p:blipFill>
+          <a:blip r:embed="rId2"/>
+          <a:stretch>
+            <a:fillRect/>
+          </a:stretch>
+        </p:blipFill>
+        <p:spPr>
+          <a:xfrm>
+            <a:off x="634274" y="2977381"/>
+            <a:ext cx="4086837" cy="516727"/>
+          </a:xfrm>
+          <a:prstGeom prst="rect">
+            <a:avLst/>
+          </a:prstGeom>
+        </p:spPr>
+      </p:pic>
+      <p:pic>
+        <p:nvPicPr>
+          <p:cNvPr id="8" name="Picture 7">
+            <a:extLst>
+              <a:ext uri="{FF2B5EF4-FFF2-40B4-BE49-F238E27FC236}">
+                <a16:creationId xmlns:a16="http://schemas.microsoft.com/office/drawing/2014/main" id="{D169E4F2-CCC7-4996-8CC5-8FA0A1F16130}"/>
+              </a:ext>
+            </a:extLst>
+          </p:cNvPr>
+          <p:cNvPicPr>
+            <a:picLocks noChangeAspect="1"/>
+          </p:cNvPicPr>
+          <p:nvPr/>
+        </p:nvPicPr>
+        <p:blipFill>
+          <a:blip r:embed="rId3"/>
+          <a:stretch>
+            <a:fillRect/>
+          </a:stretch>
+        </p:blipFill>
+        <p:spPr>
+          <a:xfrm>
+            <a:off x="634274" y="908527"/>
+            <a:ext cx="3922424" cy="524556"/>
+          </a:xfrm>
+          <a:prstGeom prst="rect">
+            <a:avLst/>
+          </a:prstGeom>
+        </p:spPr>
+      </p:pic>
+      <p:pic>
+        <p:nvPicPr>
+          <p:cNvPr id="11" name="Picture 10">
+            <a:extLst>
+              <a:ext uri="{FF2B5EF4-FFF2-40B4-BE49-F238E27FC236}">
+                <a16:creationId xmlns:a16="http://schemas.microsoft.com/office/drawing/2014/main" id="{781BFCBA-6AB6-41D9-88D3-3FF2777123BD}"/>
+              </a:ext>
+            </a:extLst>
+          </p:cNvPr>
+          <p:cNvPicPr>
+            <a:picLocks noChangeAspect="1"/>
+          </p:cNvPicPr>
+          <p:nvPr/>
+        </p:nvPicPr>
+        <p:blipFill>
+          <a:blip r:embed="rId4"/>
+          <a:stretch>
+            <a:fillRect/>
+          </a:stretch>
+        </p:blipFill>
+        <p:spPr>
+          <a:xfrm>
+            <a:off x="634274" y="1614128"/>
+            <a:ext cx="6999296" cy="1182208"/>
+          </a:xfrm>
+          <a:prstGeom prst="rect">
+            <a:avLst/>
+          </a:prstGeom>
+        </p:spPr>
+      </p:pic>
+      <p:pic>
+        <p:nvPicPr>
+          <p:cNvPr id="14" name="Picture 13">
+            <a:extLst>
+              <a:ext uri="{FF2B5EF4-FFF2-40B4-BE49-F238E27FC236}">
+                <a16:creationId xmlns:a16="http://schemas.microsoft.com/office/drawing/2014/main" id="{900E6814-8BDF-43D2-B166-6ABB6503917E}"/>
+              </a:ext>
+            </a:extLst>
+          </p:cNvPr>
+          <p:cNvPicPr>
+            <a:picLocks noChangeAspect="1"/>
+          </p:cNvPicPr>
+          <p:nvPr/>
+        </p:nvPicPr>
+        <p:blipFill>
+          <a:blip r:embed="rId5"/>
+          <a:stretch>
+            <a:fillRect/>
+          </a:stretch>
+        </p:blipFill>
+        <p:spPr>
+          <a:xfrm>
+            <a:off x="634274" y="3640747"/>
+            <a:ext cx="7069758" cy="1158720"/>
+          </a:xfrm>
+          <a:prstGeom prst="rect">
+            <a:avLst/>
+          </a:prstGeom>
+        </p:spPr>
+      </p:pic>
+      <p:pic>
+        <p:nvPicPr>
+          <p:cNvPr id="15" name="Picture 14">
+            <a:extLst>
+              <a:ext uri="{FF2B5EF4-FFF2-40B4-BE49-F238E27FC236}">
+                <a16:creationId xmlns:a16="http://schemas.microsoft.com/office/drawing/2014/main" id="{557FBBB8-4D9E-4B60-90A2-38DAF0FB4B9C}"/>
+              </a:ext>
+            </a:extLst>
+          </p:cNvPr>
+          <p:cNvPicPr>
+            <a:picLocks noChangeAspect="1"/>
+          </p:cNvPicPr>
+          <p:nvPr/>
+        </p:nvPicPr>
+        <p:blipFill>
+          <a:blip r:embed="rId6"/>
+          <a:stretch>
+            <a:fillRect/>
+          </a:stretch>
+        </p:blipFill>
+        <p:spPr>
+          <a:xfrm>
+            <a:off x="5271037" y="769717"/>
+            <a:ext cx="2276475" cy="600075"/>
+          </a:xfrm>
+          <a:prstGeom prst="rect">
+            <a:avLst/>
+          </a:prstGeom>
+        </p:spPr>
+      </p:pic>
+      <p:cxnSp>
+        <p:nvCxnSpPr>
+          <p:cNvPr id="16" name="Straight Arrow Connector 15">
+            <a:extLst>
+              <a:ext uri="{FF2B5EF4-FFF2-40B4-BE49-F238E27FC236}">
+                <a16:creationId xmlns:a16="http://schemas.microsoft.com/office/drawing/2014/main" id="{1C65C2EC-CE19-4B93-88AB-56A7FC6907CA}"/>
+              </a:ext>
+            </a:extLst>
+          </p:cNvPr>
+          <p:cNvCxnSpPr>
+            <a:cxnSpLocks/>
+          </p:cNvCxnSpPr>
+          <p:nvPr/>
+        </p:nvCxnSpPr>
+        <p:spPr>
+          <a:xfrm flipH="1">
+            <a:off x="2037600" y="1122878"/>
+            <a:ext cx="3233437" cy="1179377"/>
+          </a:xfrm>
+          <a:prstGeom prst="straightConnector1">
+            <a:avLst/>
+          </a:prstGeom>
+          <a:ln w="25400">
+            <a:solidFill>
+              <a:schemeClr val="accent2"/>
+            </a:solidFill>
+            <a:tailEnd type="triangle"/>
+          </a:ln>
+        </p:spPr>
+        <p:style>
+          <a:lnRef idx="1">
+            <a:schemeClr val="accent1"/>
+          </a:lnRef>
+          <a:fillRef idx="0">
+            <a:schemeClr val="accent1"/>
+          </a:fillRef>
+          <a:effectRef idx="0">
+            <a:schemeClr val="accent1"/>
+          </a:effectRef>
+          <a:fontRef idx="minor">
+            <a:schemeClr val="tx1"/>
+          </a:fontRef>
+        </p:style>
+      </p:cxnSp>
+      <p:cxnSp>
+        <p:nvCxnSpPr>
+          <p:cNvPr id="18" name="Straight Arrow Connector 17">
+            <a:extLst>
+              <a:ext uri="{FF2B5EF4-FFF2-40B4-BE49-F238E27FC236}">
+                <a16:creationId xmlns:a16="http://schemas.microsoft.com/office/drawing/2014/main" id="{066F28F0-1BAA-496D-9AE4-A89142C2C0F0}"/>
+              </a:ext>
+            </a:extLst>
+          </p:cNvPr>
+          <p:cNvCxnSpPr>
+            <a:cxnSpLocks/>
+          </p:cNvCxnSpPr>
+          <p:nvPr/>
+        </p:nvCxnSpPr>
+        <p:spPr>
+          <a:xfrm flipH="1">
+            <a:off x="2383201" y="1283250"/>
+            <a:ext cx="1" cy="353161"/>
+          </a:xfrm>
+          <a:prstGeom prst="straightConnector1">
+            <a:avLst/>
+          </a:prstGeom>
+          <a:ln w="25400">
+            <a:solidFill>
+              <a:schemeClr val="accent2"/>
+            </a:solidFill>
+            <a:tailEnd type="triangle"/>
+          </a:ln>
+        </p:spPr>
+        <p:style>
+          <a:lnRef idx="1">
+            <a:schemeClr val="accent1"/>
+          </a:lnRef>
+          <a:fillRef idx="0">
+            <a:schemeClr val="accent1"/>
+          </a:fillRef>
+          <a:effectRef idx="0">
+            <a:schemeClr val="accent1"/>
+          </a:effectRef>
+          <a:fontRef idx="minor">
+            <a:schemeClr val="tx1"/>
+          </a:fontRef>
+        </p:style>
+      </p:cxnSp>
+      <p:cxnSp>
+        <p:nvCxnSpPr>
+          <p:cNvPr id="22" name="Straight Arrow Connector 21">
+            <a:extLst>
+              <a:ext uri="{FF2B5EF4-FFF2-40B4-BE49-F238E27FC236}">
+                <a16:creationId xmlns:a16="http://schemas.microsoft.com/office/drawing/2014/main" id="{E0FEF987-67FB-4468-9B75-1885F8AEE6D6}"/>
+              </a:ext>
+            </a:extLst>
+          </p:cNvPr>
+          <p:cNvCxnSpPr>
+            <a:cxnSpLocks/>
+          </p:cNvCxnSpPr>
+          <p:nvPr/>
+        </p:nvCxnSpPr>
+        <p:spPr>
+          <a:xfrm flipH="1">
+            <a:off x="2383202" y="3287586"/>
+            <a:ext cx="1" cy="353161"/>
+          </a:xfrm>
+          <a:prstGeom prst="straightConnector1">
+            <a:avLst/>
+          </a:prstGeom>
+          <a:ln w="25400">
+            <a:solidFill>
+              <a:schemeClr val="accent2"/>
+            </a:solidFill>
+            <a:tailEnd type="triangle"/>
+          </a:ln>
+        </p:spPr>
+        <p:style>
+          <a:lnRef idx="1">
+            <a:schemeClr val="accent1"/>
+          </a:lnRef>
+          <a:fillRef idx="0">
+            <a:schemeClr val="accent1"/>
+          </a:fillRef>
+          <a:effectRef idx="0">
+            <a:schemeClr val="accent1"/>
+          </a:effectRef>
+          <a:fontRef idx="minor">
+            <a:schemeClr val="tx1"/>
+          </a:fontRef>
+        </p:style>
+      </p:cxnSp>
+    </p:spTree>
+    <p:extLst>
+      <p:ext uri="{BB962C8B-B14F-4D97-AF65-F5344CB8AC3E}">
+        <p14:creationId xmlns:p14="http://schemas.microsoft.com/office/powerpoint/2010/main" val="4221208712"/>
+      </p:ext>
+    </p:extLst>
+  </p:cSld>
+  <p:clrMapOvr>
+    <a:masterClrMapping/>
+  </p:clrMapOvr>
+</p:sld>
+</file>
+
+<file path=ppt/slides/slide27.xml><?xml version="1.0" encoding="utf-8"?>
+<p:sld xmlns:a="http://schemas.openxmlformats.org/drawingml/2006/main" xmlns:r="http://schemas.openxmlformats.org/officeDocument/2006/relationships" xmlns:p="http://schemas.openxmlformats.org/presentationml/2006/main">
+  <p:cSld>
+    <p:spTree>
+      <p:nvGrpSpPr>
+        <p:cNvPr id="1" name=""/>
+        <p:cNvGrpSpPr/>
+        <p:nvPr/>
+      </p:nvGrpSpPr>
+      <p:grpSpPr>
+        <a:xfrm>
+          <a:off x="0" y="0"/>
+          <a:ext cx="0" cy="0"/>
+          <a:chOff x="0" y="0"/>
+          <a:chExt cx="0" cy="0"/>
+        </a:xfrm>
+      </p:grpSpPr>
+      <p:sp>
+        <p:nvSpPr>
+          <p:cNvPr id="2" name="Title 1">
+            <a:extLst>
+              <a:ext uri="{FF2B5EF4-FFF2-40B4-BE49-F238E27FC236}">
+                <a16:creationId xmlns:a16="http://schemas.microsoft.com/office/drawing/2014/main" id="{14FCFDB6-E82B-4502-95B5-3815DDA92297}"/>
+              </a:ext>
+            </a:extLst>
+          </p:cNvPr>
+          <p:cNvSpPr>
+            <a:spLocks noGrp="1"/>
+          </p:cNvSpPr>
+          <p:nvPr>
+            <p:ph type="title"/>
+          </p:nvPr>
+        </p:nvSpPr>
+        <p:spPr/>
+        <p:txBody>
+          <a:bodyPr/>
+          <a:lstStyle/>
+          <a:p>
+            <a:r>
+              <a:rPr lang="nl-NL" dirty="0" err="1"/>
+              <a:t>ServiceLocatorFactory</a:t>
+            </a:r>
+            <a:r>
+              <a:rPr lang="nl-NL" dirty="0"/>
+              <a:t>: </a:t>
+            </a:r>
+            <a:r>
+              <a:rPr lang="nl-NL" dirty="0" err="1"/>
+              <a:t>determine</a:t>
+            </a:r>
+            <a:r>
+              <a:rPr lang="nl-NL" dirty="0"/>
+              <a:t> </a:t>
+            </a:r>
+            <a:r>
+              <a:rPr lang="nl-NL" dirty="0" err="1"/>
+              <a:t>bean</a:t>
+            </a:r>
+            <a:r>
+              <a:rPr lang="nl-NL" dirty="0"/>
+              <a:t> at </a:t>
+            </a:r>
+            <a:r>
+              <a:rPr lang="nl-NL" dirty="0" err="1"/>
+              <a:t>runtime</a:t>
+            </a:r>
+            <a:endParaRPr lang="en-NL" dirty="0"/>
+          </a:p>
+        </p:txBody>
+      </p:sp>
+      <p:sp>
+        <p:nvSpPr>
+          <p:cNvPr id="12" name="Slide Number Placeholder 11">
+            <a:extLst>
+              <a:ext uri="{FF2B5EF4-FFF2-40B4-BE49-F238E27FC236}">
+                <a16:creationId xmlns:a16="http://schemas.microsoft.com/office/drawing/2014/main" id="{184C4772-4E23-4140-8D11-6B3E22E13DD6}"/>
+              </a:ext>
+            </a:extLst>
+          </p:cNvPr>
+          <p:cNvSpPr>
+            <a:spLocks noGrp="1"/>
+          </p:cNvSpPr>
+          <p:nvPr>
+            <p:ph type="sldNum" sz="quarter" idx="12"/>
+          </p:nvPr>
+        </p:nvSpPr>
+        <p:spPr/>
+        <p:txBody>
+          <a:bodyPr/>
+          <a:lstStyle/>
+          <a:p>
+            <a:fld id="{14F1411D-0280-154F-AEAC-4C20B7AA46B2}" type="slidenum">
+              <a:rPr lang="nl-NL" smtClean="0"/>
+              <a:t>27</a:t>
+            </a:fld>
+            <a:endParaRPr lang="nl-NL"/>
+          </a:p>
+        </p:txBody>
+      </p:sp>
+      <p:sp>
+        <p:nvSpPr>
+          <p:cNvPr id="13" name="Footer Placeholder 12">
+            <a:extLst>
+              <a:ext uri="{FF2B5EF4-FFF2-40B4-BE49-F238E27FC236}">
+                <a16:creationId xmlns:a16="http://schemas.microsoft.com/office/drawing/2014/main" id="{056F5E68-BDB8-4DE3-BEDE-D9EA4F9F582A}"/>
+              </a:ext>
+            </a:extLst>
+          </p:cNvPr>
+          <p:cNvSpPr>
+            <a:spLocks noGrp="1"/>
+          </p:cNvSpPr>
+          <p:nvPr>
+            <p:ph type="ftr" sz="quarter" idx="11"/>
+          </p:nvPr>
+        </p:nvSpPr>
+        <p:spPr/>
+        <p:txBody>
+          <a:bodyPr/>
+          <a:lstStyle/>
+          <a:p>
+            <a:r>
+              <a:rPr lang="nl-NL"/>
+              <a:t>Context and dependency injection</a:t>
+            </a:r>
+          </a:p>
+        </p:txBody>
+      </p:sp>
+      <p:pic>
+        <p:nvPicPr>
+          <p:cNvPr id="4" name="Picture 3">
+            <a:extLst>
+              <a:ext uri="{FF2B5EF4-FFF2-40B4-BE49-F238E27FC236}">
+                <a16:creationId xmlns:a16="http://schemas.microsoft.com/office/drawing/2014/main" id="{B64FB9B0-7790-4451-BE02-B1B8D2D67C09}"/>
+              </a:ext>
+            </a:extLst>
+          </p:cNvPr>
+          <p:cNvPicPr>
+            <a:picLocks noChangeAspect="1"/>
+          </p:cNvPicPr>
+          <p:nvPr/>
+        </p:nvPicPr>
+        <p:blipFill>
+          <a:blip r:embed="rId2"/>
+          <a:stretch>
+            <a:fillRect/>
+          </a:stretch>
+        </p:blipFill>
+        <p:spPr>
+          <a:xfrm>
+            <a:off x="719999" y="3022829"/>
+            <a:ext cx="3514725" cy="1038225"/>
+          </a:xfrm>
+          <a:prstGeom prst="rect">
+            <a:avLst/>
+          </a:prstGeom>
+        </p:spPr>
+      </p:pic>
+      <p:pic>
+        <p:nvPicPr>
+          <p:cNvPr id="11" name="Picture 10">
+            <a:extLst>
+              <a:ext uri="{FF2B5EF4-FFF2-40B4-BE49-F238E27FC236}">
+                <a16:creationId xmlns:a16="http://schemas.microsoft.com/office/drawing/2014/main" id="{02C83805-75EF-4398-9953-1D7630C960A8}"/>
+              </a:ext>
+            </a:extLst>
+          </p:cNvPr>
+          <p:cNvPicPr>
+            <a:picLocks noChangeAspect="1"/>
+          </p:cNvPicPr>
+          <p:nvPr/>
+        </p:nvPicPr>
+        <p:blipFill>
+          <a:blip r:embed="rId3"/>
+          <a:stretch>
+            <a:fillRect/>
+          </a:stretch>
+        </p:blipFill>
+        <p:spPr>
+          <a:xfrm>
+            <a:off x="719998" y="1976706"/>
+            <a:ext cx="5324475" cy="628650"/>
+          </a:xfrm>
+          <a:prstGeom prst="rect">
+            <a:avLst/>
+          </a:prstGeom>
+        </p:spPr>
+      </p:pic>
+      <p:pic>
+        <p:nvPicPr>
+          <p:cNvPr id="15" name="Picture 14">
+            <a:extLst>
+              <a:ext uri="{FF2B5EF4-FFF2-40B4-BE49-F238E27FC236}">
+                <a16:creationId xmlns:a16="http://schemas.microsoft.com/office/drawing/2014/main" id="{AF9A67A8-83BD-4C15-8668-A1C0CED5CC36}"/>
+              </a:ext>
+            </a:extLst>
+          </p:cNvPr>
+          <p:cNvPicPr>
+            <a:picLocks noChangeAspect="1"/>
+          </p:cNvPicPr>
+          <p:nvPr/>
+        </p:nvPicPr>
+        <p:blipFill>
+          <a:blip r:embed="rId4"/>
+          <a:stretch>
+            <a:fillRect/>
+          </a:stretch>
+        </p:blipFill>
+        <p:spPr>
+          <a:xfrm>
+            <a:off x="719999" y="997035"/>
+            <a:ext cx="5324475" cy="662858"/>
+          </a:xfrm>
+          <a:prstGeom prst="rect">
+            <a:avLst/>
+          </a:prstGeom>
+        </p:spPr>
+      </p:pic>
+      <p:sp>
+        <p:nvSpPr>
+          <p:cNvPr id="16" name="Arrow: Right 15">
+            <a:extLst>
+              <a:ext uri="{FF2B5EF4-FFF2-40B4-BE49-F238E27FC236}">
+                <a16:creationId xmlns:a16="http://schemas.microsoft.com/office/drawing/2014/main" id="{2FB9804D-ADCD-4752-A8FA-893E3E53BA1E}"/>
+              </a:ext>
+            </a:extLst>
+          </p:cNvPr>
+          <p:cNvSpPr/>
+          <p:nvPr/>
+        </p:nvSpPr>
+        <p:spPr>
+          <a:xfrm>
+            <a:off x="4636239" y="3199284"/>
+            <a:ext cx="546078" cy="484632"/>
+          </a:xfrm>
+          <a:prstGeom prst="rightArrow">
+            <a:avLst/>
+          </a:prstGeom>
+          <a:solidFill>
+            <a:schemeClr val="tx2"/>
+          </a:solidFill>
+          <a:ln>
+            <a:solidFill>
+              <a:schemeClr val="tx2"/>
+            </a:solidFill>
+          </a:ln>
+        </p:spPr>
+        <p:style>
+          <a:lnRef idx="2">
+            <a:schemeClr val="accent1">
+              <a:shade val="50000"/>
+            </a:schemeClr>
+          </a:lnRef>
+          <a:fillRef idx="1">
+            <a:schemeClr val="accent1"/>
+          </a:fillRef>
+          <a:effectRef idx="0">
+            <a:schemeClr val="accent1"/>
+          </a:effectRef>
+          <a:fontRef idx="minor">
+            <a:schemeClr val="lt1"/>
+          </a:fontRef>
+        </p:style>
+        <p:txBody>
+          <a:bodyPr rtlCol="0" anchor="ctr"/>
+          <a:lstStyle/>
+          <a:p>
+            <a:pPr algn="ctr"/>
+            <a:endParaRPr lang="en-NL"/>
+          </a:p>
+        </p:txBody>
+      </p:sp>
+      <p:sp>
+        <p:nvSpPr>
+          <p:cNvPr id="17" name="TextBox 16">
+            <a:extLst>
+              <a:ext uri="{FF2B5EF4-FFF2-40B4-BE49-F238E27FC236}">
+                <a16:creationId xmlns:a16="http://schemas.microsoft.com/office/drawing/2014/main" id="{F015D9F1-CAF4-4A77-A01E-2570D0F1484B}"/>
+              </a:ext>
+            </a:extLst>
+          </p:cNvPr>
+          <p:cNvSpPr txBox="1"/>
+          <p:nvPr/>
+        </p:nvSpPr>
+        <p:spPr>
+          <a:xfrm>
+            <a:off x="5378400" y="3199284"/>
+            <a:ext cx="2404800" cy="600164"/>
+          </a:xfrm>
+          <a:prstGeom prst="rect">
+            <a:avLst/>
+          </a:prstGeom>
+          <a:noFill/>
+        </p:spPr>
+        <p:txBody>
+          <a:bodyPr wrap="square" lIns="0" tIns="0" rIns="0" bIns="0" rtlCol="0">
+            <a:spAutoFit/>
+          </a:bodyPr>
+          <a:lstStyle/>
+          <a:p>
+            <a:r>
+              <a:rPr lang="nl-NL" sz="1300" dirty="0" err="1"/>
+              <a:t>Registered</a:t>
+            </a:r>
+            <a:r>
+              <a:rPr lang="nl-NL" sz="1300" dirty="0"/>
+              <a:t> in </a:t>
+            </a:r>
+            <a:r>
+              <a:rPr lang="nl-NL" sz="1300" dirty="0" err="1"/>
+              <a:t>ServiceLocatorFactoryBean</a:t>
+            </a:r>
+            <a:endParaRPr lang="nl-NL" sz="1300" dirty="0"/>
+          </a:p>
+          <a:p>
+            <a:r>
+              <a:rPr lang="nl-NL" sz="1300" dirty="0"/>
+              <a:t>on next slide!</a:t>
+            </a:r>
+            <a:endParaRPr lang="en-NL" sz="1300" dirty="0" err="1"/>
+          </a:p>
+        </p:txBody>
+      </p:sp>
+    </p:spTree>
+    <p:extLst>
+      <p:ext uri="{BB962C8B-B14F-4D97-AF65-F5344CB8AC3E}">
+        <p14:creationId xmlns:p14="http://schemas.microsoft.com/office/powerpoint/2010/main" val="3224900466"/>
+      </p:ext>
+    </p:extLst>
+  </p:cSld>
+  <p:clrMapOvr>
+    <a:masterClrMapping/>
+  </p:clrMapOvr>
+</p:sld>
+</file>
+
+<file path=ppt/slides/slide28.xml><?xml version="1.0" encoding="utf-8"?>
+<p:sld xmlns:a="http://schemas.openxmlformats.org/drawingml/2006/main" xmlns:r="http://schemas.openxmlformats.org/officeDocument/2006/relationships" xmlns:p="http://schemas.openxmlformats.org/presentationml/2006/main">
+  <p:cSld>
+    <p:spTree>
+      <p:nvGrpSpPr>
+        <p:cNvPr id="1" name=""/>
+        <p:cNvGrpSpPr/>
+        <p:nvPr/>
+      </p:nvGrpSpPr>
+      <p:grpSpPr>
+        <a:xfrm>
+          <a:off x="0" y="0"/>
+          <a:ext cx="0" cy="0"/>
+          <a:chOff x="0" y="0"/>
+          <a:chExt cx="0" cy="0"/>
+        </a:xfrm>
+      </p:grpSpPr>
+      <p:sp>
+        <p:nvSpPr>
+          <p:cNvPr id="2" name="Title 1">
+            <a:extLst>
+              <a:ext uri="{FF2B5EF4-FFF2-40B4-BE49-F238E27FC236}">
+                <a16:creationId xmlns:a16="http://schemas.microsoft.com/office/drawing/2014/main" id="{14FCFDB6-E82B-4502-95B5-3815DDA92297}"/>
+              </a:ext>
+            </a:extLst>
+          </p:cNvPr>
+          <p:cNvSpPr>
+            <a:spLocks noGrp="1"/>
+          </p:cNvSpPr>
+          <p:nvPr>
+            <p:ph type="title"/>
+          </p:nvPr>
+        </p:nvSpPr>
+        <p:spPr/>
+        <p:txBody>
+          <a:bodyPr/>
+          <a:lstStyle/>
+          <a:p>
+            <a:r>
+              <a:rPr lang="nl-NL" dirty="0" err="1"/>
+              <a:t>ServiceLocatorFactory</a:t>
+            </a:r>
+            <a:r>
+              <a:rPr lang="nl-NL" dirty="0"/>
+              <a:t>: </a:t>
+            </a:r>
+            <a:r>
+              <a:rPr lang="nl-NL" dirty="0" err="1"/>
+              <a:t>determine</a:t>
+            </a:r>
+            <a:r>
+              <a:rPr lang="nl-NL" dirty="0"/>
+              <a:t> </a:t>
+            </a:r>
+            <a:r>
+              <a:rPr lang="nl-NL" dirty="0" err="1"/>
+              <a:t>bean</a:t>
+            </a:r>
+            <a:r>
+              <a:rPr lang="nl-NL" dirty="0"/>
+              <a:t> at </a:t>
+            </a:r>
+            <a:r>
+              <a:rPr lang="nl-NL" dirty="0" err="1"/>
+              <a:t>runtime</a:t>
+            </a:r>
+            <a:endParaRPr lang="en-NL" dirty="0"/>
+          </a:p>
+        </p:txBody>
+      </p:sp>
+      <p:pic>
+        <p:nvPicPr>
+          <p:cNvPr id="3" name="Picture 2">
+            <a:extLst>
+              <a:ext uri="{FF2B5EF4-FFF2-40B4-BE49-F238E27FC236}">
+                <a16:creationId xmlns:a16="http://schemas.microsoft.com/office/drawing/2014/main" id="{4DD4B3CB-740F-4754-9F06-6839A9759DAB}"/>
+              </a:ext>
+            </a:extLst>
+          </p:cNvPr>
+          <p:cNvPicPr>
+            <a:picLocks noChangeAspect="1"/>
+          </p:cNvPicPr>
+          <p:nvPr/>
+        </p:nvPicPr>
+        <p:blipFill>
+          <a:blip r:embed="rId2"/>
+          <a:stretch>
+            <a:fillRect/>
+          </a:stretch>
+        </p:blipFill>
+        <p:spPr>
+          <a:xfrm>
+            <a:off x="687430" y="896593"/>
+            <a:ext cx="6917005" cy="1675157"/>
+          </a:xfrm>
+          <a:prstGeom prst="rect">
+            <a:avLst/>
+          </a:prstGeom>
+        </p:spPr>
+      </p:pic>
+      <p:pic>
+        <p:nvPicPr>
+          <p:cNvPr id="5" name="Picture 4">
+            <a:extLst>
+              <a:ext uri="{FF2B5EF4-FFF2-40B4-BE49-F238E27FC236}">
+                <a16:creationId xmlns:a16="http://schemas.microsoft.com/office/drawing/2014/main" id="{253869DC-70FB-47FB-9BA3-D1630E066DB1}"/>
+              </a:ext>
+            </a:extLst>
+          </p:cNvPr>
+          <p:cNvPicPr>
+            <a:picLocks noChangeAspect="1"/>
+          </p:cNvPicPr>
+          <p:nvPr/>
+        </p:nvPicPr>
+        <p:blipFill>
+          <a:blip r:embed="rId3"/>
+          <a:stretch>
+            <a:fillRect/>
+          </a:stretch>
+        </p:blipFill>
+        <p:spPr>
+          <a:xfrm>
+            <a:off x="1742400" y="2701450"/>
+            <a:ext cx="6656569" cy="1942385"/>
+          </a:xfrm>
+          <a:prstGeom prst="rect">
+            <a:avLst/>
+          </a:prstGeom>
+        </p:spPr>
+      </p:pic>
+      <p:cxnSp>
+        <p:nvCxnSpPr>
+          <p:cNvPr id="7" name="Straight Connector 6">
+            <a:extLst>
+              <a:ext uri="{FF2B5EF4-FFF2-40B4-BE49-F238E27FC236}">
+                <a16:creationId xmlns:a16="http://schemas.microsoft.com/office/drawing/2014/main" id="{08C0AD0D-E4A3-49B1-8B59-1DFBF0BD845E}"/>
+              </a:ext>
+            </a:extLst>
+          </p:cNvPr>
+          <p:cNvCxnSpPr>
+            <a:cxnSpLocks/>
+          </p:cNvCxnSpPr>
+          <p:nvPr/>
+        </p:nvCxnSpPr>
+        <p:spPr>
+          <a:xfrm>
+            <a:off x="2858400" y="2239200"/>
+            <a:ext cx="3412800" cy="0"/>
+          </a:xfrm>
+          <a:prstGeom prst="line">
+            <a:avLst/>
+          </a:prstGeom>
+          <a:ln>
+            <a:solidFill>
+              <a:schemeClr val="tx2"/>
+            </a:solidFill>
+          </a:ln>
+        </p:spPr>
+        <p:style>
+          <a:lnRef idx="3">
+            <a:schemeClr val="dk1"/>
+          </a:lnRef>
+          <a:fillRef idx="0">
+            <a:schemeClr val="dk1"/>
+          </a:fillRef>
+          <a:effectRef idx="2">
+            <a:schemeClr val="dk1"/>
+          </a:effectRef>
+          <a:fontRef idx="minor">
+            <a:schemeClr val="tx1"/>
+          </a:fontRef>
+        </p:style>
+      </p:cxnSp>
+    </p:spTree>
+    <p:extLst>
+      <p:ext uri="{BB962C8B-B14F-4D97-AF65-F5344CB8AC3E}">
+        <p14:creationId xmlns:p14="http://schemas.microsoft.com/office/powerpoint/2010/main" val="1348702309"/>
       </p:ext>
     </p:extLst>
   </p:cSld>
@@ -12770,15 +13696,6 @@
 </file>
 
 <file path=customXml/item1.xml><?xml version="1.0" encoding="utf-8"?>
-<?mso-contentType ?>
-<FormTemplates xmlns="http://schemas.microsoft.com/sharepoint/v3/contenttype/forms">
-  <Display>DocumentLibraryForm</Display>
-  <Edit>DocumentLibraryForm</Edit>
-  <New>DocumentLibraryForm</New>
-</FormTemplates>
-</file>
-
-<file path=customXml/item2.xml><?xml version="1.0" encoding="utf-8"?>
 <ct:contentTypeSchema xmlns:ct="http://schemas.microsoft.com/office/2006/metadata/contentType" xmlns:ma="http://schemas.microsoft.com/office/2006/metadata/properties/metaAttributes" ct:_="" ma:_="" ma:contentTypeName="Document" ma:contentTypeID="0x010100E60B9E64A7B90B499F767EB2F0BD9B16" ma:contentTypeVersion="4" ma:contentTypeDescription="Een nieuw document maken." ma:contentTypeScope="" ma:versionID="890a625500243192203a5f75e70e3187">
   <xsd:schema xmlns:xsd="http://www.w3.org/2001/XMLSchema" xmlns:xs="http://www.w3.org/2001/XMLSchema" xmlns:p="http://schemas.microsoft.com/office/2006/metadata/properties" xmlns:ns2="bd3a200e-a112-4432-b134-79c9e3991b87" targetNamespace="http://schemas.microsoft.com/office/2006/metadata/properties" ma:root="true" ma:fieldsID="19c006e645b1596e83fa8f4c2bdffb76" ns2:_="">
     <xsd:import namespace="bd3a200e-a112-4432-b134-79c9e3991b87"/>
@@ -12922,6 +13839,15 @@
 </ct:contentTypeSchema>
 </file>
 
+<file path=customXml/item2.xml><?xml version="1.0" encoding="utf-8"?>
+<?mso-contentType ?>
+<FormTemplates xmlns="http://schemas.microsoft.com/sharepoint/v3/contenttype/forms">
+  <Display>DocumentLibraryForm</Display>
+  <Edit>DocumentLibraryForm</Edit>
+  <New>DocumentLibraryForm</New>
+</FormTemplates>
+</file>
+
 <file path=customXml/item3.xml><?xml version="1.0" encoding="utf-8"?>
 <p:properties xmlns:p="http://schemas.microsoft.com/office/2006/metadata/properties" xmlns:xsi="http://www.w3.org/2001/XMLSchema-instance" xmlns:pc="http://schemas.microsoft.com/office/infopath/2007/PartnerControls">
   <documentManagement/>
@@ -12929,14 +13855,6 @@
 </file>
 
 <file path=customXml/itemProps1.xml><?xml version="1.0" encoding="utf-8"?>
-<ds:datastoreItem xmlns:ds="http://schemas.openxmlformats.org/officeDocument/2006/customXml" ds:itemID="{87F52C54-E7F0-4533-A258-2B00DF9E8BD3}">
-  <ds:schemaRefs>
-    <ds:schemaRef ds:uri="http://schemas.microsoft.com/sharepoint/v3/contenttype/forms"/>
-  </ds:schemaRefs>
-</ds:datastoreItem>
-</file>
-
-<file path=customXml/itemProps2.xml><?xml version="1.0" encoding="utf-8"?>
 <ds:datastoreItem xmlns:ds="http://schemas.openxmlformats.org/officeDocument/2006/customXml" ds:itemID="{5E0BD5BC-1318-4595-A8BB-C1045EDC5470}">
   <ds:schemaRefs>
     <ds:schemaRef ds:uri="http://schemas.microsoft.com/office/2006/metadata/contentType"/>
@@ -12950,6 +13868,14 @@
     <ds:schemaRef ds:uri="http://purl.org/dc/elements/1.1/"/>
     <ds:schemaRef ds:uri="http://purl.org/dc/terms/"/>
     <ds:schemaRef ds:uri="http://schemas.microsoft.com/internal/obd"/>
+  </ds:schemaRefs>
+</ds:datastoreItem>
+</file>
+
+<file path=customXml/itemProps2.xml><?xml version="1.0" encoding="utf-8"?>
+<ds:datastoreItem xmlns:ds="http://schemas.openxmlformats.org/officeDocument/2006/customXml" ds:itemID="{87F52C54-E7F0-4533-A258-2B00DF9E8BD3}">
+  <ds:schemaRefs>
+    <ds:schemaRef ds:uri="http://schemas.microsoft.com/sharepoint/v3/contenttype/forms"/>
   </ds:schemaRefs>
 </ds:datastoreItem>
 </file>
